--- a/soutenance/SOUTENANCE_P3_WEBDEV_20200308.pptx
+++ b/soutenance/SOUTENANCE_P3_WEBDEV_20200308.pptx
@@ -208,7 +208,7 @@
           <a:p>
             <a:fld id="{1EE613DA-4255-4206-A3B5-884EF1A4C597}" type="datetimeFigureOut">
               <a:rPr lang="fr-FR" smtClean="0"/>
-              <a:t>13/03/2020</a:t>
+              <a:t>18/03/2020</a:t>
             </a:fld>
             <a:endParaRPr lang="fr-FR"/>
           </a:p>
@@ -622,7 +622,7 @@
           <a:p>
             <a:fld id="{CFF6002E-8804-4677-8B81-1834B8D9FE9D}" type="datetime1">
               <a:rPr lang="fr-FR" smtClean="0"/>
-              <a:t>13/03/2020</a:t>
+              <a:t>18/03/2020</a:t>
             </a:fld>
             <a:endParaRPr lang="fr-FR"/>
           </a:p>
@@ -820,7 +820,7 @@
           <a:p>
             <a:fld id="{70C4045E-266D-4751-A1ED-F71B324B99A2}" type="datetime1">
               <a:rPr lang="fr-FR" smtClean="0"/>
-              <a:t>13/03/2020</a:t>
+              <a:t>18/03/2020</a:t>
             </a:fld>
             <a:endParaRPr lang="fr-FR"/>
           </a:p>
@@ -1028,7 +1028,7 @@
           <a:p>
             <a:fld id="{BEDCFC7F-3E0B-4F7A-A72C-55E9B8D1D097}" type="datetime1">
               <a:rPr lang="fr-FR" smtClean="0"/>
-              <a:t>13/03/2020</a:t>
+              <a:t>18/03/2020</a:t>
             </a:fld>
             <a:endParaRPr lang="fr-FR"/>
           </a:p>
@@ -1226,7 +1226,7 @@
           <a:p>
             <a:fld id="{FE94FB2D-EA3E-4DEA-BB9D-5B6B87910378}" type="datetime1">
               <a:rPr lang="fr-FR" smtClean="0"/>
-              <a:t>13/03/2020</a:t>
+              <a:t>18/03/2020</a:t>
             </a:fld>
             <a:endParaRPr lang="fr-FR"/>
           </a:p>
@@ -1501,7 +1501,7 @@
           <a:p>
             <a:fld id="{1ADC5BD9-B899-460F-B539-19634B69DBA5}" type="datetime1">
               <a:rPr lang="fr-FR" smtClean="0"/>
-              <a:t>13/03/2020</a:t>
+              <a:t>18/03/2020</a:t>
             </a:fld>
             <a:endParaRPr lang="fr-FR"/>
           </a:p>
@@ -1766,7 +1766,7 @@
           <a:p>
             <a:fld id="{C6CB045D-F434-4C28-9E99-1168037B8AC4}" type="datetime1">
               <a:rPr lang="fr-FR" smtClean="0"/>
-              <a:t>13/03/2020</a:t>
+              <a:t>18/03/2020</a:t>
             </a:fld>
             <a:endParaRPr lang="fr-FR"/>
           </a:p>
@@ -2178,7 +2178,7 @@
           <a:p>
             <a:fld id="{892377DD-6C00-46AD-9800-703F5B97EE2E}" type="datetime1">
               <a:rPr lang="fr-FR" smtClean="0"/>
-              <a:t>13/03/2020</a:t>
+              <a:t>18/03/2020</a:t>
             </a:fld>
             <a:endParaRPr lang="fr-FR"/>
           </a:p>
@@ -2319,7 +2319,7 @@
           <a:p>
             <a:fld id="{A27231E5-CC38-4744-9DCB-1E61EBCD3BAF}" type="datetime1">
               <a:rPr lang="fr-FR" smtClean="0"/>
-              <a:t>13/03/2020</a:t>
+              <a:t>18/03/2020</a:t>
             </a:fld>
             <a:endParaRPr lang="fr-FR"/>
           </a:p>
@@ -2432,7 +2432,7 @@
           <a:p>
             <a:fld id="{5268C6E5-9977-4513-BDE4-39CC98AED8FA}" type="datetime1">
               <a:rPr lang="fr-FR" smtClean="0"/>
-              <a:t>13/03/2020</a:t>
+              <a:t>18/03/2020</a:t>
             </a:fld>
             <a:endParaRPr lang="fr-FR"/>
           </a:p>
@@ -2743,7 +2743,7 @@
           <a:p>
             <a:fld id="{F9025C4C-CC6F-40A5-B4BE-1A41830CD75C}" type="datetime1">
               <a:rPr lang="fr-FR" smtClean="0"/>
-              <a:t>13/03/2020</a:t>
+              <a:t>18/03/2020</a:t>
             </a:fld>
             <a:endParaRPr lang="fr-FR"/>
           </a:p>
@@ -3031,7 +3031,7 @@
           <a:p>
             <a:fld id="{E349EBF6-0876-4D14-83A3-F5C5BD2DF8E5}" type="datetime1">
               <a:rPr lang="fr-FR" smtClean="0"/>
-              <a:t>13/03/2020</a:t>
+              <a:t>18/03/2020</a:t>
             </a:fld>
             <a:endParaRPr lang="fr-FR"/>
           </a:p>
@@ -3272,7 +3272,7 @@
           <a:p>
             <a:fld id="{AE64EABA-510C-413E-AB45-35724D0C1BF4}" type="datetime1">
               <a:rPr lang="fr-FR" smtClean="0"/>
-              <a:t>13/03/2020</a:t>
+              <a:t>18/03/2020</a:t>
             </a:fld>
             <a:endParaRPr lang="fr-FR"/>
           </a:p>
@@ -4813,66 +4813,6 @@
           </a:prstGeom>
         </p:spPr>
       </p:pic>
-      <p:pic>
-        <p:nvPicPr>
-          <p:cNvPr id="3" name="Image 2">
-            <a:extLst>
-              <a:ext uri="{FF2B5EF4-FFF2-40B4-BE49-F238E27FC236}">
-                <a16:creationId xmlns:a16="http://schemas.microsoft.com/office/drawing/2014/main" id="{8FAF46FA-DBC9-4989-A743-62FE37768F12}"/>
-              </a:ext>
-            </a:extLst>
-          </p:cNvPr>
-          <p:cNvPicPr>
-            <a:picLocks noChangeAspect="1"/>
-          </p:cNvPicPr>
-          <p:nvPr/>
-        </p:nvPicPr>
-        <p:blipFill>
-          <a:blip r:embed="rId5"/>
-          <a:stretch>
-            <a:fillRect/>
-          </a:stretch>
-        </p:blipFill>
-        <p:spPr>
-          <a:xfrm>
-            <a:off x="2717022" y="1673026"/>
-            <a:ext cx="4625873" cy="2554313"/>
-          </a:xfrm>
-          <a:prstGeom prst="rect">
-            <a:avLst/>
-          </a:prstGeom>
-        </p:spPr>
-      </p:pic>
-      <p:pic>
-        <p:nvPicPr>
-          <p:cNvPr id="4" name="Image 3">
-            <a:extLst>
-              <a:ext uri="{FF2B5EF4-FFF2-40B4-BE49-F238E27FC236}">
-                <a16:creationId xmlns:a16="http://schemas.microsoft.com/office/drawing/2014/main" id="{FE553D18-B73E-4470-A349-CA7422A8087D}"/>
-              </a:ext>
-            </a:extLst>
-          </p:cNvPr>
-          <p:cNvPicPr>
-            <a:picLocks noChangeAspect="1"/>
-          </p:cNvPicPr>
-          <p:nvPr/>
-        </p:nvPicPr>
-        <p:blipFill>
-          <a:blip r:embed="rId6"/>
-          <a:stretch>
-            <a:fillRect/>
-          </a:stretch>
-        </p:blipFill>
-        <p:spPr>
-          <a:xfrm>
-            <a:off x="2717022" y="4477154"/>
-            <a:ext cx="6461545" cy="1567491"/>
-          </a:xfrm>
-          <a:prstGeom prst="rect">
-            <a:avLst/>
-          </a:prstGeom>
-        </p:spPr>
-      </p:pic>
       <p:sp>
         <p:nvSpPr>
           <p:cNvPr id="11" name="Rectangle : coins arrondis 10">
@@ -4888,7 +4828,7 @@
         <p:spPr>
           <a:xfrm>
             <a:off x="2281804" y="1568741"/>
-            <a:ext cx="7239699" cy="4563611"/>
+            <a:ext cx="7239699" cy="4682640"/>
           </a:xfrm>
           <a:prstGeom prst="roundRect">
             <a:avLst/>
@@ -4927,6 +4867,66 @@
           </a:p>
         </p:txBody>
       </p:sp>
+      <p:pic>
+        <p:nvPicPr>
+          <p:cNvPr id="2" name="Image 1">
+            <a:extLst>
+              <a:ext uri="{FF2B5EF4-FFF2-40B4-BE49-F238E27FC236}">
+                <a16:creationId xmlns:a16="http://schemas.microsoft.com/office/drawing/2014/main" id="{73DE0790-501A-489C-A2FD-6F020E79DE93}"/>
+              </a:ext>
+            </a:extLst>
+          </p:cNvPr>
+          <p:cNvPicPr>
+            <a:picLocks noChangeAspect="1"/>
+          </p:cNvPicPr>
+          <p:nvPr/>
+        </p:nvPicPr>
+        <p:blipFill>
+          <a:blip r:embed="rId5"/>
+          <a:stretch>
+            <a:fillRect/>
+          </a:stretch>
+        </p:blipFill>
+        <p:spPr>
+          <a:xfrm>
+            <a:off x="2747367" y="1699989"/>
+            <a:ext cx="4728648" cy="2689458"/>
+          </a:xfrm>
+          <a:prstGeom prst="rect">
+            <a:avLst/>
+          </a:prstGeom>
+        </p:spPr>
+      </p:pic>
+      <p:pic>
+        <p:nvPicPr>
+          <p:cNvPr id="5" name="Image 4">
+            <a:extLst>
+              <a:ext uri="{FF2B5EF4-FFF2-40B4-BE49-F238E27FC236}">
+                <a16:creationId xmlns:a16="http://schemas.microsoft.com/office/drawing/2014/main" id="{38B45B98-ADF5-4511-ADC6-4AC032D5C34D}"/>
+              </a:ext>
+            </a:extLst>
+          </p:cNvPr>
+          <p:cNvPicPr>
+            <a:picLocks noChangeAspect="1"/>
+          </p:cNvPicPr>
+          <p:nvPr/>
+        </p:nvPicPr>
+        <p:blipFill>
+          <a:blip r:embed="rId6"/>
+          <a:stretch>
+            <a:fillRect/>
+          </a:stretch>
+        </p:blipFill>
+        <p:spPr>
+          <a:xfrm>
+            <a:off x="2747367" y="4489143"/>
+            <a:ext cx="6414841" cy="1577129"/>
+          </a:xfrm>
+          <a:prstGeom prst="rect">
+            <a:avLst/>
+          </a:prstGeom>
+        </p:spPr>
+      </p:pic>
     </p:spTree>
     <p:extLst>
       <p:ext uri="{BB962C8B-B14F-4D97-AF65-F5344CB8AC3E}">

--- a/soutenance/SOUTENANCE_P3_WEBDEV_20200308.pptx
+++ b/soutenance/SOUTENANCE_P3_WEBDEV_20200308.pptx
@@ -208,7 +208,7 @@
           <a:p>
             <a:fld id="{1EE613DA-4255-4206-A3B5-884EF1A4C597}" type="datetimeFigureOut">
               <a:rPr lang="fr-FR" smtClean="0"/>
-              <a:t>18/03/2020</a:t>
+              <a:t>19/03/2020</a:t>
             </a:fld>
             <a:endParaRPr lang="fr-FR"/>
           </a:p>
@@ -622,7 +622,7 @@
           <a:p>
             <a:fld id="{CFF6002E-8804-4677-8B81-1834B8D9FE9D}" type="datetime1">
               <a:rPr lang="fr-FR" smtClean="0"/>
-              <a:t>18/03/2020</a:t>
+              <a:t>19/03/2020</a:t>
             </a:fld>
             <a:endParaRPr lang="fr-FR"/>
           </a:p>
@@ -820,7 +820,7 @@
           <a:p>
             <a:fld id="{70C4045E-266D-4751-A1ED-F71B324B99A2}" type="datetime1">
               <a:rPr lang="fr-FR" smtClean="0"/>
-              <a:t>18/03/2020</a:t>
+              <a:t>19/03/2020</a:t>
             </a:fld>
             <a:endParaRPr lang="fr-FR"/>
           </a:p>
@@ -1028,7 +1028,7 @@
           <a:p>
             <a:fld id="{BEDCFC7F-3E0B-4F7A-A72C-55E9B8D1D097}" type="datetime1">
               <a:rPr lang="fr-FR" smtClean="0"/>
-              <a:t>18/03/2020</a:t>
+              <a:t>19/03/2020</a:t>
             </a:fld>
             <a:endParaRPr lang="fr-FR"/>
           </a:p>
@@ -1226,7 +1226,7 @@
           <a:p>
             <a:fld id="{FE94FB2D-EA3E-4DEA-BB9D-5B6B87910378}" type="datetime1">
               <a:rPr lang="fr-FR" smtClean="0"/>
-              <a:t>18/03/2020</a:t>
+              <a:t>19/03/2020</a:t>
             </a:fld>
             <a:endParaRPr lang="fr-FR"/>
           </a:p>
@@ -1501,7 +1501,7 @@
           <a:p>
             <a:fld id="{1ADC5BD9-B899-460F-B539-19634B69DBA5}" type="datetime1">
               <a:rPr lang="fr-FR" smtClean="0"/>
-              <a:t>18/03/2020</a:t>
+              <a:t>19/03/2020</a:t>
             </a:fld>
             <a:endParaRPr lang="fr-FR"/>
           </a:p>
@@ -1766,7 +1766,7 @@
           <a:p>
             <a:fld id="{C6CB045D-F434-4C28-9E99-1168037B8AC4}" type="datetime1">
               <a:rPr lang="fr-FR" smtClean="0"/>
-              <a:t>18/03/2020</a:t>
+              <a:t>19/03/2020</a:t>
             </a:fld>
             <a:endParaRPr lang="fr-FR"/>
           </a:p>
@@ -2178,7 +2178,7 @@
           <a:p>
             <a:fld id="{892377DD-6C00-46AD-9800-703F5B97EE2E}" type="datetime1">
               <a:rPr lang="fr-FR" smtClean="0"/>
-              <a:t>18/03/2020</a:t>
+              <a:t>19/03/2020</a:t>
             </a:fld>
             <a:endParaRPr lang="fr-FR"/>
           </a:p>
@@ -2319,7 +2319,7 @@
           <a:p>
             <a:fld id="{A27231E5-CC38-4744-9DCB-1E61EBCD3BAF}" type="datetime1">
               <a:rPr lang="fr-FR" smtClean="0"/>
-              <a:t>18/03/2020</a:t>
+              <a:t>19/03/2020</a:t>
             </a:fld>
             <a:endParaRPr lang="fr-FR"/>
           </a:p>
@@ -2432,7 +2432,7 @@
           <a:p>
             <a:fld id="{5268C6E5-9977-4513-BDE4-39CC98AED8FA}" type="datetime1">
               <a:rPr lang="fr-FR" smtClean="0"/>
-              <a:t>18/03/2020</a:t>
+              <a:t>19/03/2020</a:t>
             </a:fld>
             <a:endParaRPr lang="fr-FR"/>
           </a:p>
@@ -2743,7 +2743,7 @@
           <a:p>
             <a:fld id="{F9025C4C-CC6F-40A5-B4BE-1A41830CD75C}" type="datetime1">
               <a:rPr lang="fr-FR" smtClean="0"/>
-              <a:t>18/03/2020</a:t>
+              <a:t>19/03/2020</a:t>
             </a:fld>
             <a:endParaRPr lang="fr-FR"/>
           </a:p>
@@ -3031,7 +3031,7 @@
           <a:p>
             <a:fld id="{E349EBF6-0876-4D14-83A3-F5C5BD2DF8E5}" type="datetime1">
               <a:rPr lang="fr-FR" smtClean="0"/>
-              <a:t>18/03/2020</a:t>
+              <a:t>19/03/2020</a:t>
             </a:fld>
             <a:endParaRPr lang="fr-FR"/>
           </a:p>
@@ -3272,7 +3272,7 @@
           <a:p>
             <a:fld id="{AE64EABA-510C-413E-AB45-35724D0C1BF4}" type="datetime1">
               <a:rPr lang="fr-FR" smtClean="0"/>
-              <a:t>18/03/2020</a:t>
+              <a:t>19/03/2020</a:t>
             </a:fld>
             <a:endParaRPr lang="fr-FR"/>
           </a:p>
@@ -8057,7 +8057,7 @@
             <a:pPr algn="ctr"/>
             <a:r>
               <a:rPr lang="fr-FR" b="1" dirty="0"/>
-              <a:t>GIT GITHUB</a:t>
+              <a:t>GIT GITHUB GITHUBPAGES</a:t>
             </a:r>
           </a:p>
         </p:txBody>
@@ -8257,7 +8257,7 @@
             <a:pPr algn="ctr"/>
             <a:r>
               <a:rPr lang="fr-FR" b="1" dirty="0"/>
-              <a:t>VALIDATION W3C</a:t>
+              <a:t>VALIDATION W3C HTML &amp; CSS</a:t>
             </a:r>
           </a:p>
         </p:txBody>
@@ -10043,10 +10043,10 @@
       </p:grpSpPr>
       <p:pic>
         <p:nvPicPr>
-          <p:cNvPr id="6" name="Image 5">
-            <a:extLst>
-              <a:ext uri="{FF2B5EF4-FFF2-40B4-BE49-F238E27FC236}">
-                <a16:creationId xmlns:a16="http://schemas.microsoft.com/office/drawing/2014/main" id="{3AA74EE9-4C10-4F2F-866B-5957AC828613}"/>
+          <p:cNvPr id="2" name="Image 1">
+            <a:extLst>
+              <a:ext uri="{FF2B5EF4-FFF2-40B4-BE49-F238E27FC236}">
+                <a16:creationId xmlns:a16="http://schemas.microsoft.com/office/drawing/2014/main" id="{236E2BD7-E428-4E05-9791-BE536648D0FB}"/>
               </a:ext>
             </a:extLst>
           </p:cNvPr>
@@ -10056,7 +10056,50 @@
           <p:nvPr/>
         </p:nvPicPr>
         <p:blipFill>
-          <a:blip r:embed="rId2">
+          <a:blip r:embed="rId2"/>
+          <a:stretch>
+            <a:fillRect/>
+          </a:stretch>
+        </p:blipFill>
+        <p:spPr>
+          <a:xfrm>
+            <a:off x="3242186" y="3437825"/>
+            <a:ext cx="5616588" cy="951831"/>
+          </a:xfrm>
+          <a:prstGeom prst="roundRect">
+            <a:avLst>
+              <a:gd name="adj" fmla="val 8594"/>
+            </a:avLst>
+          </a:prstGeom>
+          <a:solidFill>
+            <a:srgbClr val="FFFFFF">
+              <a:shade val="85000"/>
+            </a:srgbClr>
+          </a:solidFill>
+          <a:ln>
+            <a:noFill/>
+          </a:ln>
+          <a:effectLst>
+            <a:reflection blurRad="12700" stA="38000" endPos="28000" dist="5000" dir="5400000" sy="-100000" algn="bl" rotWithShape="0"/>
+          </a:effectLst>
+        </p:spPr>
+      </p:pic>
+      <p:pic>
+        <p:nvPicPr>
+          <p:cNvPr id="6" name="Image 5">
+            <a:extLst>
+              <a:ext uri="{FF2B5EF4-FFF2-40B4-BE49-F238E27FC236}">
+                <a16:creationId xmlns:a16="http://schemas.microsoft.com/office/drawing/2014/main" id="{3AA74EE9-4C10-4F2F-866B-5957AC828613}"/>
+              </a:ext>
+            </a:extLst>
+          </p:cNvPr>
+          <p:cNvPicPr>
+            <a:picLocks noChangeAspect="1"/>
+          </p:cNvPicPr>
+          <p:nvPr/>
+        </p:nvPicPr>
+        <p:blipFill>
+          <a:blip r:embed="rId3">
             <a:extLst>
               <a:ext uri="{28A0092B-C50C-407E-A947-70E740481C1C}">
                 <a14:useLocalDpi xmlns:a14="http://schemas.microsoft.com/office/drawing/2010/main" val="0"/>
@@ -10263,7 +10306,7 @@
             </a:r>
             <a:r>
               <a:rPr lang="fr-FR" sz="900" i="1" dirty="0">
-                <a:hlinkClick r:id="rId3"/>
+                <a:hlinkClick r:id="rId4"/>
               </a:rPr>
               <a:t>flaticon.com</a:t>
             </a:r>
@@ -10371,7 +10414,7 @@
         </p:nvSpPr>
         <p:spPr>
           <a:xfrm>
-            <a:off x="1613434" y="5056974"/>
+            <a:off x="1596656" y="4566434"/>
             <a:ext cx="5724525" cy="646331"/>
           </a:xfrm>
           <a:prstGeom prst="rect">
@@ -10446,7 +10489,7 @@
       <p:pic>
         <p:nvPicPr>
           <p:cNvPr id="15" name="Image 14" descr="Une image contenant dessin, signe&#10;&#10;Description générée automatiquement">
-            <a:hlinkClick r:id="rId4"/>
+            <a:hlinkClick r:id="rId5"/>
             <a:extLst>
               <a:ext uri="{FF2B5EF4-FFF2-40B4-BE49-F238E27FC236}">
                 <a16:creationId xmlns:a16="http://schemas.microsoft.com/office/drawing/2014/main" id="{D2DE5B8E-1229-444C-89F2-6756798984D9}"/>
@@ -10459,7 +10502,7 @@
           <p:nvPr/>
         </p:nvPicPr>
         <p:blipFill>
-          <a:blip r:embed="rId5">
+          <a:blip r:embed="rId6">
             <a:extLst>
               <a:ext uri="{28A0092B-C50C-407E-A947-70E740481C1C}">
                 <a14:useLocalDpi xmlns:a14="http://schemas.microsoft.com/office/drawing/2010/main" val="0"/>
@@ -10478,49 +10521,6 @@
           <a:prstGeom prst="rect">
             <a:avLst/>
           </a:prstGeom>
-        </p:spPr>
-      </p:pic>
-      <p:pic>
-        <p:nvPicPr>
-          <p:cNvPr id="4" name="Image 3">
-            <a:extLst>
-              <a:ext uri="{FF2B5EF4-FFF2-40B4-BE49-F238E27FC236}">
-                <a16:creationId xmlns:a16="http://schemas.microsoft.com/office/drawing/2014/main" id="{C96D3DF2-4810-4BF3-B623-C760A6769A0F}"/>
-              </a:ext>
-            </a:extLst>
-          </p:cNvPr>
-          <p:cNvPicPr>
-            <a:picLocks noChangeAspect="1"/>
-          </p:cNvPicPr>
-          <p:nvPr/>
-        </p:nvPicPr>
-        <p:blipFill>
-          <a:blip r:embed="rId6"/>
-          <a:stretch>
-            <a:fillRect/>
-          </a:stretch>
-        </p:blipFill>
-        <p:spPr>
-          <a:xfrm>
-            <a:off x="3242186" y="3434505"/>
-            <a:ext cx="5591421" cy="1486736"/>
-          </a:xfrm>
-          <a:prstGeom prst="roundRect">
-            <a:avLst>
-              <a:gd name="adj" fmla="val 8594"/>
-            </a:avLst>
-          </a:prstGeom>
-          <a:solidFill>
-            <a:srgbClr val="FFFFFF">
-              <a:shade val="85000"/>
-            </a:srgbClr>
-          </a:solidFill>
-          <a:ln>
-            <a:noFill/>
-          </a:ln>
-          <a:effectLst>
-            <a:reflection blurRad="12700" stA="38000" endPos="28000" dist="5000" dir="5400000" sy="-100000" algn="bl" rotWithShape="0"/>
-          </a:effectLst>
         </p:spPr>
       </p:pic>
     </p:spTree>
@@ -10822,10 +10822,10 @@
       </p:sp>
       <p:pic>
         <p:nvPicPr>
-          <p:cNvPr id="4" name="Image 3">
-            <a:extLst>
-              <a:ext uri="{FF2B5EF4-FFF2-40B4-BE49-F238E27FC236}">
-                <a16:creationId xmlns:a16="http://schemas.microsoft.com/office/drawing/2014/main" id="{F678BBE0-268D-4633-B886-4F7B95A24579}"/>
+          <p:cNvPr id="3" name="Image 2">
+            <a:extLst>
+              <a:ext uri="{FF2B5EF4-FFF2-40B4-BE49-F238E27FC236}">
+                <a16:creationId xmlns:a16="http://schemas.microsoft.com/office/drawing/2014/main" id="{0FE21671-75B5-4A9B-964C-11FB1B6429B1}"/>
               </a:ext>
             </a:extLst>
           </p:cNvPr>
@@ -10842,8 +10842,8 @@
         </p:blipFill>
         <p:spPr>
           <a:xfrm>
-            <a:off x="2310832" y="2597951"/>
-            <a:ext cx="7570333" cy="3271224"/>
+            <a:off x="2662080" y="2335692"/>
+            <a:ext cx="6867838" cy="3795742"/>
           </a:xfrm>
           <a:prstGeom prst="rect">
             <a:avLst/>

--- a/soutenance/SOUTENANCE_P3_WEBDEV_20200308.pptx
+++ b/soutenance/SOUTENANCE_P3_WEBDEV_20200308.pptx
@@ -208,7 +208,7 @@
           <a:p>
             <a:fld id="{1EE613DA-4255-4206-A3B5-884EF1A4C597}" type="datetimeFigureOut">
               <a:rPr lang="fr-FR" smtClean="0"/>
-              <a:t>19/03/2020</a:t>
+              <a:t>30/03/2020</a:t>
             </a:fld>
             <a:endParaRPr lang="fr-FR"/>
           </a:p>
@@ -622,7 +622,7 @@
           <a:p>
             <a:fld id="{CFF6002E-8804-4677-8B81-1834B8D9FE9D}" type="datetime1">
               <a:rPr lang="fr-FR" smtClean="0"/>
-              <a:t>19/03/2020</a:t>
+              <a:t>30/03/2020</a:t>
             </a:fld>
             <a:endParaRPr lang="fr-FR"/>
           </a:p>
@@ -820,7 +820,7 @@
           <a:p>
             <a:fld id="{70C4045E-266D-4751-A1ED-F71B324B99A2}" type="datetime1">
               <a:rPr lang="fr-FR" smtClean="0"/>
-              <a:t>19/03/2020</a:t>
+              <a:t>30/03/2020</a:t>
             </a:fld>
             <a:endParaRPr lang="fr-FR"/>
           </a:p>
@@ -1028,7 +1028,7 @@
           <a:p>
             <a:fld id="{BEDCFC7F-3E0B-4F7A-A72C-55E9B8D1D097}" type="datetime1">
               <a:rPr lang="fr-FR" smtClean="0"/>
-              <a:t>19/03/2020</a:t>
+              <a:t>30/03/2020</a:t>
             </a:fld>
             <a:endParaRPr lang="fr-FR"/>
           </a:p>
@@ -1226,7 +1226,7 @@
           <a:p>
             <a:fld id="{FE94FB2D-EA3E-4DEA-BB9D-5B6B87910378}" type="datetime1">
               <a:rPr lang="fr-FR" smtClean="0"/>
-              <a:t>19/03/2020</a:t>
+              <a:t>30/03/2020</a:t>
             </a:fld>
             <a:endParaRPr lang="fr-FR"/>
           </a:p>
@@ -1501,7 +1501,7 @@
           <a:p>
             <a:fld id="{1ADC5BD9-B899-460F-B539-19634B69DBA5}" type="datetime1">
               <a:rPr lang="fr-FR" smtClean="0"/>
-              <a:t>19/03/2020</a:t>
+              <a:t>30/03/2020</a:t>
             </a:fld>
             <a:endParaRPr lang="fr-FR"/>
           </a:p>
@@ -1766,7 +1766,7 @@
           <a:p>
             <a:fld id="{C6CB045D-F434-4C28-9E99-1168037B8AC4}" type="datetime1">
               <a:rPr lang="fr-FR" smtClean="0"/>
-              <a:t>19/03/2020</a:t>
+              <a:t>30/03/2020</a:t>
             </a:fld>
             <a:endParaRPr lang="fr-FR"/>
           </a:p>
@@ -2178,7 +2178,7 @@
           <a:p>
             <a:fld id="{892377DD-6C00-46AD-9800-703F5B97EE2E}" type="datetime1">
               <a:rPr lang="fr-FR" smtClean="0"/>
-              <a:t>19/03/2020</a:t>
+              <a:t>30/03/2020</a:t>
             </a:fld>
             <a:endParaRPr lang="fr-FR"/>
           </a:p>
@@ -2319,7 +2319,7 @@
           <a:p>
             <a:fld id="{A27231E5-CC38-4744-9DCB-1E61EBCD3BAF}" type="datetime1">
               <a:rPr lang="fr-FR" smtClean="0"/>
-              <a:t>19/03/2020</a:t>
+              <a:t>30/03/2020</a:t>
             </a:fld>
             <a:endParaRPr lang="fr-FR"/>
           </a:p>
@@ -2432,7 +2432,7 @@
           <a:p>
             <a:fld id="{5268C6E5-9977-4513-BDE4-39CC98AED8FA}" type="datetime1">
               <a:rPr lang="fr-FR" smtClean="0"/>
-              <a:t>19/03/2020</a:t>
+              <a:t>30/03/2020</a:t>
             </a:fld>
             <a:endParaRPr lang="fr-FR"/>
           </a:p>
@@ -2743,7 +2743,7 @@
           <a:p>
             <a:fld id="{F9025C4C-CC6F-40A5-B4BE-1A41830CD75C}" type="datetime1">
               <a:rPr lang="fr-FR" smtClean="0"/>
-              <a:t>19/03/2020</a:t>
+              <a:t>30/03/2020</a:t>
             </a:fld>
             <a:endParaRPr lang="fr-FR"/>
           </a:p>
@@ -3031,7 +3031,7 @@
           <a:p>
             <a:fld id="{E349EBF6-0876-4D14-83A3-F5C5BD2DF8E5}" type="datetime1">
               <a:rPr lang="fr-FR" smtClean="0"/>
-              <a:t>19/03/2020</a:t>
+              <a:t>30/03/2020</a:t>
             </a:fld>
             <a:endParaRPr lang="fr-FR"/>
           </a:p>
@@ -3272,7 +3272,7 @@
           <a:p>
             <a:fld id="{AE64EABA-510C-413E-AB45-35724D0C1BF4}" type="datetime1">
               <a:rPr lang="fr-FR" smtClean="0"/>
-              <a:t>19/03/2020</a:t>
+              <a:t>30/03/2020</a:t>
             </a:fld>
             <a:endParaRPr lang="fr-FR"/>
           </a:p>
@@ -4033,7 +4033,7 @@
                   </a:schemeClr>
                 </a:solidFill>
               </a:rPr>
-              <a:t>Formation développeur web junior</a:t>
+              <a:t>Formation développeur web</a:t>
             </a:r>
           </a:p>
         </p:txBody>

--- a/soutenance/SOUTENANCE_P3_WEBDEV_20200308.pptx
+++ b/soutenance/SOUTENANCE_P3_WEBDEV_20200308.pptx
@@ -208,7 +208,7 @@
           <a:p>
             <a:fld id="{1EE613DA-4255-4206-A3B5-884EF1A4C597}" type="datetimeFigureOut">
               <a:rPr lang="fr-FR" smtClean="0"/>
-              <a:t>30/03/2020</a:t>
+              <a:t>07/04/2020</a:t>
             </a:fld>
             <a:endParaRPr lang="fr-FR"/>
           </a:p>
@@ -622,7 +622,7 @@
           <a:p>
             <a:fld id="{CFF6002E-8804-4677-8B81-1834B8D9FE9D}" type="datetime1">
               <a:rPr lang="fr-FR" smtClean="0"/>
-              <a:t>30/03/2020</a:t>
+              <a:t>07/04/2020</a:t>
             </a:fld>
             <a:endParaRPr lang="fr-FR"/>
           </a:p>
@@ -820,7 +820,7 @@
           <a:p>
             <a:fld id="{70C4045E-266D-4751-A1ED-F71B324B99A2}" type="datetime1">
               <a:rPr lang="fr-FR" smtClean="0"/>
-              <a:t>30/03/2020</a:t>
+              <a:t>07/04/2020</a:t>
             </a:fld>
             <a:endParaRPr lang="fr-FR"/>
           </a:p>
@@ -1028,7 +1028,7 @@
           <a:p>
             <a:fld id="{BEDCFC7F-3E0B-4F7A-A72C-55E9B8D1D097}" type="datetime1">
               <a:rPr lang="fr-FR" smtClean="0"/>
-              <a:t>30/03/2020</a:t>
+              <a:t>07/04/2020</a:t>
             </a:fld>
             <a:endParaRPr lang="fr-FR"/>
           </a:p>
@@ -1226,7 +1226,7 @@
           <a:p>
             <a:fld id="{FE94FB2D-EA3E-4DEA-BB9D-5B6B87910378}" type="datetime1">
               <a:rPr lang="fr-FR" smtClean="0"/>
-              <a:t>30/03/2020</a:t>
+              <a:t>07/04/2020</a:t>
             </a:fld>
             <a:endParaRPr lang="fr-FR"/>
           </a:p>
@@ -1501,7 +1501,7 @@
           <a:p>
             <a:fld id="{1ADC5BD9-B899-460F-B539-19634B69DBA5}" type="datetime1">
               <a:rPr lang="fr-FR" smtClean="0"/>
-              <a:t>30/03/2020</a:t>
+              <a:t>07/04/2020</a:t>
             </a:fld>
             <a:endParaRPr lang="fr-FR"/>
           </a:p>
@@ -1766,7 +1766,7 @@
           <a:p>
             <a:fld id="{C6CB045D-F434-4C28-9E99-1168037B8AC4}" type="datetime1">
               <a:rPr lang="fr-FR" smtClean="0"/>
-              <a:t>30/03/2020</a:t>
+              <a:t>07/04/2020</a:t>
             </a:fld>
             <a:endParaRPr lang="fr-FR"/>
           </a:p>
@@ -2178,7 +2178,7 @@
           <a:p>
             <a:fld id="{892377DD-6C00-46AD-9800-703F5B97EE2E}" type="datetime1">
               <a:rPr lang="fr-FR" smtClean="0"/>
-              <a:t>30/03/2020</a:t>
+              <a:t>07/04/2020</a:t>
             </a:fld>
             <a:endParaRPr lang="fr-FR"/>
           </a:p>
@@ -2319,7 +2319,7 @@
           <a:p>
             <a:fld id="{A27231E5-CC38-4744-9DCB-1E61EBCD3BAF}" type="datetime1">
               <a:rPr lang="fr-FR" smtClean="0"/>
-              <a:t>30/03/2020</a:t>
+              <a:t>07/04/2020</a:t>
             </a:fld>
             <a:endParaRPr lang="fr-FR"/>
           </a:p>
@@ -2432,7 +2432,7 @@
           <a:p>
             <a:fld id="{5268C6E5-9977-4513-BDE4-39CC98AED8FA}" type="datetime1">
               <a:rPr lang="fr-FR" smtClean="0"/>
-              <a:t>30/03/2020</a:t>
+              <a:t>07/04/2020</a:t>
             </a:fld>
             <a:endParaRPr lang="fr-FR"/>
           </a:p>
@@ -2743,7 +2743,7 @@
           <a:p>
             <a:fld id="{F9025C4C-CC6F-40A5-B4BE-1A41830CD75C}" type="datetime1">
               <a:rPr lang="fr-FR" smtClean="0"/>
-              <a:t>30/03/2020</a:t>
+              <a:t>07/04/2020</a:t>
             </a:fld>
             <a:endParaRPr lang="fr-FR"/>
           </a:p>
@@ -3031,7 +3031,7 @@
           <a:p>
             <a:fld id="{E349EBF6-0876-4D14-83A3-F5C5BD2DF8E5}" type="datetime1">
               <a:rPr lang="fr-FR" smtClean="0"/>
-              <a:t>30/03/2020</a:t>
+              <a:t>07/04/2020</a:t>
             </a:fld>
             <a:endParaRPr lang="fr-FR"/>
           </a:p>
@@ -3272,7 +3272,7 @@
           <a:p>
             <a:fld id="{AE64EABA-510C-413E-AB45-35724D0C1BF4}" type="datetime1">
               <a:rPr lang="fr-FR" smtClean="0"/>
-              <a:t>30/03/2020</a:t>
+              <a:t>07/04/2020</a:t>
             </a:fld>
             <a:endParaRPr lang="fr-FR"/>
           </a:p>
@@ -3824,7 +3824,7 @@
         <p:spPr>
           <a:xfrm>
             <a:off x="3581399" y="4412109"/>
-            <a:ext cx="5029200" cy="1200329"/>
+            <a:ext cx="5029200" cy="1723549"/>
           </a:xfrm>
           <a:prstGeom prst="rect">
             <a:avLst/>
@@ -3866,6 +3866,20 @@
           </a:p>
           <a:p>
             <a:pPr algn="ctr"/>
+            <a:r>
+              <a:rPr lang="fr-FR" b="1" dirty="0">
+                <a:solidFill>
+                  <a:schemeClr val="tx1">
+                    <a:lumMod val="50000"/>
+                    <a:lumOff val="50000"/>
+                  </a:schemeClr>
+                </a:solidFill>
+              </a:rPr>
+              <a:t>Mentor-Evaluateur : Hugo Defois</a:t>
+            </a:r>
+          </a:p>
+          <a:p>
+            <a:pPr algn="ctr"/>
             <a:endParaRPr lang="fr-FR" b="1" dirty="0">
               <a:solidFill>
                 <a:schemeClr val="tx1">
@@ -3877,6 +3891,17 @@
           </a:p>
           <a:p>
             <a:pPr algn="ctr"/>
+            <a:endParaRPr lang="fr-FR" b="1" dirty="0">
+              <a:solidFill>
+                <a:schemeClr val="tx1">
+                  <a:lumMod val="50000"/>
+                  <a:lumOff val="50000"/>
+                </a:schemeClr>
+              </a:solidFill>
+            </a:endParaRPr>
+          </a:p>
+          <a:p>
+            <a:pPr algn="ctr"/>
             <a:r>
               <a:rPr lang="fr-FR" sz="1600" b="1" dirty="0">
                 <a:solidFill>
@@ -3886,7 +3911,7 @@
                   </a:schemeClr>
                 </a:solidFill>
               </a:rPr>
-              <a:t>Soutenance du – mars 2020</a:t>
+              <a:t>Soutenance du 9 avril 2020</a:t>
             </a:r>
           </a:p>
         </p:txBody>

--- a/soutenance/SOUTENANCE_P3_WEBDEV_20200308.pptx
+++ b/soutenance/SOUTENANCE_P3_WEBDEV_20200308.pptx
@@ -5,21 +5,20 @@
     <p:sldMasterId id="2147483648" r:id="rId1"/>
   </p:sldMasterIdLst>
   <p:notesMasterIdLst>
-    <p:notesMasterId r:id="rId14"/>
+    <p:notesMasterId r:id="rId13"/>
   </p:notesMasterIdLst>
   <p:sldIdLst>
     <p:sldId id="256" r:id="rId2"/>
     <p:sldId id="284" r:id="rId3"/>
-    <p:sldId id="283" r:id="rId4"/>
-    <p:sldId id="285" r:id="rId5"/>
-    <p:sldId id="287" r:id="rId6"/>
-    <p:sldId id="295" r:id="rId7"/>
-    <p:sldId id="296" r:id="rId8"/>
-    <p:sldId id="293" r:id="rId9"/>
-    <p:sldId id="292" r:id="rId10"/>
-    <p:sldId id="290" r:id="rId11"/>
-    <p:sldId id="291" r:id="rId12"/>
-    <p:sldId id="294" r:id="rId13"/>
+    <p:sldId id="285" r:id="rId4"/>
+    <p:sldId id="287" r:id="rId5"/>
+    <p:sldId id="295" r:id="rId6"/>
+    <p:sldId id="296" r:id="rId7"/>
+    <p:sldId id="293" r:id="rId8"/>
+    <p:sldId id="292" r:id="rId9"/>
+    <p:sldId id="290" r:id="rId10"/>
+    <p:sldId id="291" r:id="rId11"/>
+    <p:sldId id="294" r:id="rId12"/>
   </p:sldIdLst>
   <p:sldSz cx="12192000" cy="6858000"/>
   <p:notesSz cx="6858000" cy="9144000"/>
@@ -208,7 +207,7 @@
           <a:p>
             <a:fld id="{1EE613DA-4255-4206-A3B5-884EF1A4C597}" type="datetimeFigureOut">
               <a:rPr lang="fr-FR" smtClean="0"/>
-              <a:t>07/04/2020</a:t>
+              <a:t>09/04/2020</a:t>
             </a:fld>
             <a:endParaRPr lang="fr-FR"/>
           </a:p>
@@ -622,7 +621,7 @@
           <a:p>
             <a:fld id="{CFF6002E-8804-4677-8B81-1834B8D9FE9D}" type="datetime1">
               <a:rPr lang="fr-FR" smtClean="0"/>
-              <a:t>07/04/2020</a:t>
+              <a:t>09/04/2020</a:t>
             </a:fld>
             <a:endParaRPr lang="fr-FR"/>
           </a:p>
@@ -820,7 +819,7 @@
           <a:p>
             <a:fld id="{70C4045E-266D-4751-A1ED-F71B324B99A2}" type="datetime1">
               <a:rPr lang="fr-FR" smtClean="0"/>
-              <a:t>07/04/2020</a:t>
+              <a:t>09/04/2020</a:t>
             </a:fld>
             <a:endParaRPr lang="fr-FR"/>
           </a:p>
@@ -1028,7 +1027,7 @@
           <a:p>
             <a:fld id="{BEDCFC7F-3E0B-4F7A-A72C-55E9B8D1D097}" type="datetime1">
               <a:rPr lang="fr-FR" smtClean="0"/>
-              <a:t>07/04/2020</a:t>
+              <a:t>09/04/2020</a:t>
             </a:fld>
             <a:endParaRPr lang="fr-FR"/>
           </a:p>
@@ -1226,7 +1225,7 @@
           <a:p>
             <a:fld id="{FE94FB2D-EA3E-4DEA-BB9D-5B6B87910378}" type="datetime1">
               <a:rPr lang="fr-FR" smtClean="0"/>
-              <a:t>07/04/2020</a:t>
+              <a:t>09/04/2020</a:t>
             </a:fld>
             <a:endParaRPr lang="fr-FR"/>
           </a:p>
@@ -1501,7 +1500,7 @@
           <a:p>
             <a:fld id="{1ADC5BD9-B899-460F-B539-19634B69DBA5}" type="datetime1">
               <a:rPr lang="fr-FR" smtClean="0"/>
-              <a:t>07/04/2020</a:t>
+              <a:t>09/04/2020</a:t>
             </a:fld>
             <a:endParaRPr lang="fr-FR"/>
           </a:p>
@@ -1766,7 +1765,7 @@
           <a:p>
             <a:fld id="{C6CB045D-F434-4C28-9E99-1168037B8AC4}" type="datetime1">
               <a:rPr lang="fr-FR" smtClean="0"/>
-              <a:t>07/04/2020</a:t>
+              <a:t>09/04/2020</a:t>
             </a:fld>
             <a:endParaRPr lang="fr-FR"/>
           </a:p>
@@ -2178,7 +2177,7 @@
           <a:p>
             <a:fld id="{892377DD-6C00-46AD-9800-703F5B97EE2E}" type="datetime1">
               <a:rPr lang="fr-FR" smtClean="0"/>
-              <a:t>07/04/2020</a:t>
+              <a:t>09/04/2020</a:t>
             </a:fld>
             <a:endParaRPr lang="fr-FR"/>
           </a:p>
@@ -2319,7 +2318,7 @@
           <a:p>
             <a:fld id="{A27231E5-CC38-4744-9DCB-1E61EBCD3BAF}" type="datetime1">
               <a:rPr lang="fr-FR" smtClean="0"/>
-              <a:t>07/04/2020</a:t>
+              <a:t>09/04/2020</a:t>
             </a:fld>
             <a:endParaRPr lang="fr-FR"/>
           </a:p>
@@ -2432,7 +2431,7 @@
           <a:p>
             <a:fld id="{5268C6E5-9977-4513-BDE4-39CC98AED8FA}" type="datetime1">
               <a:rPr lang="fr-FR" smtClean="0"/>
-              <a:t>07/04/2020</a:t>
+              <a:t>09/04/2020</a:t>
             </a:fld>
             <a:endParaRPr lang="fr-FR"/>
           </a:p>
@@ -2743,7 +2742,7 @@
           <a:p>
             <a:fld id="{F9025C4C-CC6F-40A5-B4BE-1A41830CD75C}" type="datetime1">
               <a:rPr lang="fr-FR" smtClean="0"/>
-              <a:t>07/04/2020</a:t>
+              <a:t>09/04/2020</a:t>
             </a:fld>
             <a:endParaRPr lang="fr-FR"/>
           </a:p>
@@ -3031,7 +3030,7 @@
           <a:p>
             <a:fld id="{E349EBF6-0876-4D14-83A3-F5C5BD2DF8E5}" type="datetime1">
               <a:rPr lang="fr-FR" smtClean="0"/>
-              <a:t>07/04/2020</a:t>
+              <a:t>09/04/2020</a:t>
             </a:fld>
             <a:endParaRPr lang="fr-FR"/>
           </a:p>
@@ -3272,7 +3271,7 @@
           <a:p>
             <a:fld id="{AE64EABA-510C-413E-AB45-35724D0C1BF4}" type="datetime1">
               <a:rPr lang="fr-FR" smtClean="0"/>
-              <a:t>07/04/2020</a:t>
+              <a:t>09/04/2020</a:t>
             </a:fld>
             <a:endParaRPr lang="fr-FR"/>
           </a:p>
@@ -4247,7 +4246,7 @@
             </a:r>
             <a:r>
               <a:rPr lang="fr-FR" sz="3200" b="1" dirty="0"/>
-              <a:t>Le rétrocompatibilité des navigateurs</a:t>
+              <a:t>Validation W3C</a:t>
             </a:r>
             <a:endParaRPr lang="fr-FR" b="1" dirty="0"/>
           </a:p>
@@ -4305,12 +4304,66 @@
           </a:p>
         </p:txBody>
       </p:sp>
+      <p:sp>
+        <p:nvSpPr>
+          <p:cNvPr id="10" name="ZoneTexte 9">
+            <a:extLst>
+              <a:ext uri="{FF2B5EF4-FFF2-40B4-BE49-F238E27FC236}">
+                <a16:creationId xmlns:a16="http://schemas.microsoft.com/office/drawing/2014/main" id="{8766B9F4-7AD4-4D9A-8246-95FCCDF35855}"/>
+              </a:ext>
+            </a:extLst>
+          </p:cNvPr>
+          <p:cNvSpPr txBox="1"/>
+          <p:nvPr/>
+        </p:nvSpPr>
+        <p:spPr>
+          <a:xfrm>
+            <a:off x="738231" y="6370623"/>
+            <a:ext cx="3531765" cy="230832"/>
+          </a:xfrm>
+          <a:prstGeom prst="rect">
+            <a:avLst/>
+          </a:prstGeom>
+          <a:noFill/>
+        </p:spPr>
+        <p:txBody>
+          <a:bodyPr wrap="square" rtlCol="0">
+            <a:spAutoFit/>
+          </a:bodyPr>
+          <a:lstStyle/>
+          <a:p>
+            <a:r>
+              <a:rPr lang="fr-FR" sz="900" i="1" dirty="0" err="1"/>
+              <a:t>Icons</a:t>
+            </a:r>
+            <a:r>
+              <a:rPr lang="fr-FR" sz="900" i="1" dirty="0"/>
+              <a:t> pack by </a:t>
+            </a:r>
+            <a:r>
+              <a:rPr lang="fr-FR" sz="900" i="1" dirty="0" err="1"/>
+              <a:t>Freepik</a:t>
+            </a:r>
+            <a:r>
+              <a:rPr lang="fr-FR" sz="900" i="1" dirty="0"/>
+              <a:t> on </a:t>
+            </a:r>
+            <a:r>
+              <a:rPr lang="fr-FR" sz="900" i="1" dirty="0">
+                <a:hlinkClick r:id="rId3"/>
+              </a:rPr>
+              <a:t>flaticon.com</a:t>
+            </a:r>
+            <a:endParaRPr lang="fr-FR" sz="900" i="1" dirty="0"/>
+          </a:p>
+        </p:txBody>
+      </p:sp>
       <p:pic>
         <p:nvPicPr>
-          <p:cNvPr id="16" name="Image 15">
-            <a:extLst>
-              <a:ext uri="{FF2B5EF4-FFF2-40B4-BE49-F238E27FC236}">
-                <a16:creationId xmlns:a16="http://schemas.microsoft.com/office/drawing/2014/main" id="{60C1D9E4-D029-49D0-8678-D11BF8471068}"/>
+          <p:cNvPr id="12" name="Image 11">
+            <a:extLst>
+              <a:ext uri="{FF2B5EF4-FFF2-40B4-BE49-F238E27FC236}">
+                <a16:creationId xmlns:a16="http://schemas.microsoft.com/office/drawing/2014/main" id="{77F24F2D-9CDF-4806-9E82-8D67C1C99BE0}"/>
               </a:ext>
             </a:extLst>
           </p:cNvPr>
@@ -4320,7 +4373,7 @@
           <p:nvPr/>
         </p:nvPicPr>
         <p:blipFill>
-          <a:blip r:embed="rId3">
+          <a:blip r:embed="rId4">
             <a:extLst>
               <a:ext uri="{28A0092B-C50C-407E-A947-70E740481C1C}">
                 <a14:useLocalDpi xmlns:a14="http://schemas.microsoft.com/office/drawing/2010/main" val="0"/>
@@ -4333,20 +4386,74 @@
         </p:blipFill>
         <p:spPr>
           <a:xfrm>
-            <a:off x="2373377" y="1276623"/>
-            <a:ext cx="786208" cy="741001"/>
+            <a:off x="7941577" y="2301717"/>
+            <a:ext cx="1177617" cy="1177617"/>
           </a:xfrm>
           <a:prstGeom prst="rect">
             <a:avLst/>
           </a:prstGeom>
         </p:spPr>
       </p:pic>
+      <p:sp>
+        <p:nvSpPr>
+          <p:cNvPr id="11" name="Rectangle : coins arrondis 10">
+            <a:extLst>
+              <a:ext uri="{FF2B5EF4-FFF2-40B4-BE49-F238E27FC236}">
+                <a16:creationId xmlns:a16="http://schemas.microsoft.com/office/drawing/2014/main" id="{8E5F2233-FFCC-4D62-B90E-415506057971}"/>
+              </a:ext>
+            </a:extLst>
+          </p:cNvPr>
+          <p:cNvSpPr/>
+          <p:nvPr/>
+        </p:nvSpPr>
+        <p:spPr>
+          <a:xfrm>
+            <a:off x="2281804" y="1568741"/>
+            <a:ext cx="7239699" cy="4682640"/>
+          </a:xfrm>
+          <a:prstGeom prst="roundRect">
+            <a:avLst/>
+          </a:prstGeom>
+          <a:noFill/>
+          <a:ln>
+            <a:solidFill>
+              <a:schemeClr val="bg1">
+                <a:lumMod val="75000"/>
+              </a:schemeClr>
+            </a:solidFill>
+          </a:ln>
+        </p:spPr>
+        <p:style>
+          <a:lnRef idx="2">
+            <a:schemeClr val="accent1">
+              <a:shade val="50000"/>
+            </a:schemeClr>
+          </a:lnRef>
+          <a:fillRef idx="1">
+            <a:schemeClr val="accent1"/>
+          </a:fillRef>
+          <a:effectRef idx="0">
+            <a:schemeClr val="accent1"/>
+          </a:effectRef>
+          <a:fontRef idx="minor">
+            <a:schemeClr val="lt1"/>
+          </a:fontRef>
+        </p:style>
+        <p:txBody>
+          <a:bodyPr rtlCol="0" anchor="ctr"/>
+          <a:lstStyle/>
+          <a:p>
+            <a:pPr algn="ctr"/>
+            <a:endParaRPr lang="fr-FR" dirty="0"/>
+          </a:p>
+        </p:txBody>
+      </p:sp>
       <p:pic>
         <p:nvPicPr>
-          <p:cNvPr id="18" name="Image 17" descr="Une image contenant dessin&#10;&#10;Description générée automatiquement">
-            <a:extLst>
-              <a:ext uri="{FF2B5EF4-FFF2-40B4-BE49-F238E27FC236}">
-                <a16:creationId xmlns:a16="http://schemas.microsoft.com/office/drawing/2014/main" id="{21A5158D-8994-4F1C-B984-26CC4EFE8227}"/>
+          <p:cNvPr id="2" name="Image 1">
+            <a:extLst>
+              <a:ext uri="{FF2B5EF4-FFF2-40B4-BE49-F238E27FC236}">
+                <a16:creationId xmlns:a16="http://schemas.microsoft.com/office/drawing/2014/main" id="{73DE0790-501A-489C-A2FD-6F020E79DE93}"/>
               </a:ext>
             </a:extLst>
           </p:cNvPr>
@@ -4356,21 +4463,15 @@
           <p:nvPr/>
         </p:nvPicPr>
         <p:blipFill>
-          <a:blip r:embed="rId4">
-            <a:extLst>
-              <a:ext uri="{28A0092B-C50C-407E-A947-70E740481C1C}">
-                <a14:useLocalDpi xmlns:a14="http://schemas.microsoft.com/office/drawing/2010/main" val="0"/>
-              </a:ext>
-            </a:extLst>
-          </a:blip>
+          <a:blip r:embed="rId5"/>
           <a:stretch>
             <a:fillRect/>
           </a:stretch>
         </p:blipFill>
         <p:spPr>
           <a:xfrm>
-            <a:off x="8684518" y="1353255"/>
-            <a:ext cx="741001" cy="741001"/>
+            <a:off x="2747367" y="1699989"/>
+            <a:ext cx="4728648" cy="2689458"/>
           </a:xfrm>
           <a:prstGeom prst="rect">
             <a:avLst/>
@@ -4379,46 +4480,10 @@
       </p:pic>
       <p:pic>
         <p:nvPicPr>
-          <p:cNvPr id="20" name="Image 19">
-            <a:extLst>
-              <a:ext uri="{FF2B5EF4-FFF2-40B4-BE49-F238E27FC236}">
-                <a16:creationId xmlns:a16="http://schemas.microsoft.com/office/drawing/2014/main" id="{AE822D5C-875C-4922-B73D-6B4D07D07FE4}"/>
-              </a:ext>
-            </a:extLst>
-          </p:cNvPr>
-          <p:cNvPicPr>
-            <a:picLocks noChangeAspect="1"/>
-          </p:cNvPicPr>
-          <p:nvPr/>
-        </p:nvPicPr>
-        <p:blipFill>
-          <a:blip r:embed="rId5">
-            <a:extLst>
-              <a:ext uri="{28A0092B-C50C-407E-A947-70E740481C1C}">
-                <a14:useLocalDpi xmlns:a14="http://schemas.microsoft.com/office/drawing/2010/main" val="0"/>
-              </a:ext>
-            </a:extLst>
-          </a:blip>
-          <a:stretch>
-            <a:fillRect/>
-          </a:stretch>
-        </p:blipFill>
-        <p:spPr>
-          <a:xfrm>
-            <a:off x="5602759" y="1347066"/>
-            <a:ext cx="684305" cy="684305"/>
-          </a:xfrm>
-          <a:prstGeom prst="rect">
-            <a:avLst/>
-          </a:prstGeom>
-        </p:spPr>
-      </p:pic>
-      <p:pic>
-        <p:nvPicPr>
-          <p:cNvPr id="3" name="Image 2">
-            <a:extLst>
-              <a:ext uri="{FF2B5EF4-FFF2-40B4-BE49-F238E27FC236}">
-                <a16:creationId xmlns:a16="http://schemas.microsoft.com/office/drawing/2014/main" id="{B97D9111-1698-471D-BC3F-CD741CA06167}"/>
+          <p:cNvPr id="5" name="Image 4">
+            <a:extLst>
+              <a:ext uri="{FF2B5EF4-FFF2-40B4-BE49-F238E27FC236}">
+                <a16:creationId xmlns:a16="http://schemas.microsoft.com/office/drawing/2014/main" id="{38B45B98-ADF5-4511-ADC6-4AC032D5C34D}"/>
               </a:ext>
             </a:extLst>
           </p:cNvPr>
@@ -4435,117 +4500,18 @@
         </p:blipFill>
         <p:spPr>
           <a:xfrm>
-            <a:off x="1574878" y="2356536"/>
-            <a:ext cx="2478365" cy="3737534"/>
-          </a:xfrm>
-          <a:prstGeom prst="roundRect">
-            <a:avLst>
-              <a:gd name="adj" fmla="val 8594"/>
-            </a:avLst>
-          </a:prstGeom>
-          <a:solidFill>
-            <a:srgbClr val="FFFFFF">
-              <a:shade val="85000"/>
-            </a:srgbClr>
-          </a:solidFill>
-          <a:ln>
-            <a:noFill/>
-          </a:ln>
-          <a:effectLst>
-            <a:reflection blurRad="12700" stA="38000" endPos="28000" dist="5000" dir="5400000" sy="-100000" algn="bl" rotWithShape="0"/>
-          </a:effectLst>
-        </p:spPr>
-      </p:pic>
-      <p:pic>
-        <p:nvPicPr>
-          <p:cNvPr id="4" name="Image 3">
-            <a:extLst>
-              <a:ext uri="{FF2B5EF4-FFF2-40B4-BE49-F238E27FC236}">
-                <a16:creationId xmlns:a16="http://schemas.microsoft.com/office/drawing/2014/main" id="{188C34F9-1FD6-4E15-B056-E12CFF3A1DF5}"/>
-              </a:ext>
-            </a:extLst>
-          </p:cNvPr>
-          <p:cNvPicPr>
-            <a:picLocks noChangeAspect="1"/>
-          </p:cNvPicPr>
-          <p:nvPr/>
-        </p:nvPicPr>
-        <p:blipFill>
-          <a:blip r:embed="rId7"/>
-          <a:stretch>
-            <a:fillRect/>
-          </a:stretch>
-        </p:blipFill>
-        <p:spPr>
-          <a:xfrm>
-            <a:off x="4696027" y="2356536"/>
-            <a:ext cx="2485062" cy="3737534"/>
-          </a:xfrm>
-          <a:prstGeom prst="roundRect">
-            <a:avLst>
-              <a:gd name="adj" fmla="val 8594"/>
-            </a:avLst>
-          </a:prstGeom>
-          <a:solidFill>
-            <a:srgbClr val="FFFFFF">
-              <a:shade val="85000"/>
-            </a:srgbClr>
-          </a:solidFill>
-          <a:ln>
-            <a:noFill/>
-          </a:ln>
-          <a:effectLst>
-            <a:reflection blurRad="12700" stA="38000" endPos="28000" dist="5000" dir="5400000" sy="-100000" algn="bl" rotWithShape="0"/>
-          </a:effectLst>
-        </p:spPr>
-      </p:pic>
-      <p:pic>
-        <p:nvPicPr>
-          <p:cNvPr id="5" name="Image 4">
-            <a:extLst>
-              <a:ext uri="{FF2B5EF4-FFF2-40B4-BE49-F238E27FC236}">
-                <a16:creationId xmlns:a16="http://schemas.microsoft.com/office/drawing/2014/main" id="{EE6F88F3-CDB4-4F2F-B9D4-CC84CC4BEB0E}"/>
-              </a:ext>
-            </a:extLst>
-          </p:cNvPr>
-          <p:cNvPicPr>
-            <a:picLocks noChangeAspect="1"/>
-          </p:cNvPicPr>
-          <p:nvPr/>
-        </p:nvPicPr>
-        <p:blipFill>
-          <a:blip r:embed="rId8"/>
-          <a:stretch>
-            <a:fillRect/>
-          </a:stretch>
-        </p:blipFill>
-        <p:spPr>
-          <a:xfrm>
-            <a:off x="7825673" y="2356536"/>
-            <a:ext cx="2495016" cy="3737534"/>
-          </a:xfrm>
-          <a:prstGeom prst="roundRect">
-            <a:avLst>
-              <a:gd name="adj" fmla="val 8594"/>
-            </a:avLst>
-          </a:prstGeom>
-          <a:solidFill>
-            <a:srgbClr val="FFFFFF">
-              <a:shade val="85000"/>
-            </a:srgbClr>
-          </a:solidFill>
-          <a:ln>
-            <a:noFill/>
-          </a:ln>
-          <a:effectLst>
-            <a:reflection blurRad="12700" stA="38000" endPos="28000" dist="5000" dir="5400000" sy="-100000" algn="bl" rotWithShape="0"/>
-          </a:effectLst>
+            <a:off x="2747367" y="4489143"/>
+            <a:ext cx="6414841" cy="1577129"/>
+          </a:xfrm>
+          <a:prstGeom prst="rect">
+            <a:avLst/>
+          </a:prstGeom>
         </p:spPr>
       </p:pic>
     </p:spTree>
     <p:extLst>
       <p:ext uri="{BB962C8B-B14F-4D97-AF65-F5344CB8AC3E}">
-        <p14:creationId xmlns:p14="http://schemas.microsoft.com/office/powerpoint/2010/main" val="2640285512"/>
+        <p14:creationId xmlns:p14="http://schemas.microsoft.com/office/powerpoint/2010/main" val="317845907"/>
       </p:ext>
     </p:extLst>
   </p:cSld>
@@ -4632,416 +4598,6 @@
             <a:fld id="{9FF3A6CB-1D4F-4755-92CD-46E1CA3E33B0}" type="slidenum">
               <a:rPr lang="fr-FR" smtClean="0"/>
               <a:t>11</a:t>
-            </a:fld>
-            <a:endParaRPr lang="fr-FR"/>
-          </a:p>
-        </p:txBody>
-      </p:sp>
-      <p:sp>
-        <p:nvSpPr>
-          <p:cNvPr id="8" name="Rectangle 7">
-            <a:extLst>
-              <a:ext uri="{FF2B5EF4-FFF2-40B4-BE49-F238E27FC236}">
-                <a16:creationId xmlns:a16="http://schemas.microsoft.com/office/drawing/2014/main" id="{D945A592-8B05-4162-B887-3AF9CDC328ED}"/>
-              </a:ext>
-            </a:extLst>
-          </p:cNvPr>
-          <p:cNvSpPr/>
-          <p:nvPr/>
-        </p:nvSpPr>
-        <p:spPr>
-          <a:xfrm>
-            <a:off x="0" y="0"/>
-            <a:ext cx="12192000" cy="1048624"/>
-          </a:xfrm>
-          <a:prstGeom prst="rect">
-            <a:avLst/>
-          </a:prstGeom>
-          <a:solidFill>
-            <a:srgbClr val="7451EB"/>
-          </a:solidFill>
-          <a:ln>
-            <a:noFill/>
-          </a:ln>
-        </p:spPr>
-        <p:style>
-          <a:lnRef idx="2">
-            <a:schemeClr val="accent1">
-              <a:shade val="50000"/>
-            </a:schemeClr>
-          </a:lnRef>
-          <a:fillRef idx="1">
-            <a:schemeClr val="accent1"/>
-          </a:fillRef>
-          <a:effectRef idx="0">
-            <a:schemeClr val="accent1"/>
-          </a:effectRef>
-          <a:fontRef idx="minor">
-            <a:schemeClr val="lt1"/>
-          </a:fontRef>
-        </p:style>
-        <p:txBody>
-          <a:bodyPr rtlCol="0" anchor="ctr"/>
-          <a:lstStyle/>
-          <a:p>
-            <a:r>
-              <a:rPr lang="fr-FR" dirty="0"/>
-              <a:t>	</a:t>
-            </a:r>
-            <a:r>
-              <a:rPr lang="fr-FR" sz="3200" b="1" dirty="0"/>
-              <a:t>Validation W3C</a:t>
-            </a:r>
-            <a:endParaRPr lang="fr-FR" b="1" dirty="0"/>
-          </a:p>
-        </p:txBody>
-      </p:sp>
-      <p:sp>
-        <p:nvSpPr>
-          <p:cNvPr id="46" name="Rectangle 45">
-            <a:extLst>
-              <a:ext uri="{FF2B5EF4-FFF2-40B4-BE49-F238E27FC236}">
-                <a16:creationId xmlns:a16="http://schemas.microsoft.com/office/drawing/2014/main" id="{89B49342-8407-487F-93F9-3A290CD951B4}"/>
-              </a:ext>
-            </a:extLst>
-          </p:cNvPr>
-          <p:cNvSpPr/>
-          <p:nvPr/>
-        </p:nvSpPr>
-        <p:spPr>
-          <a:xfrm>
-            <a:off x="0" y="949322"/>
-            <a:ext cx="12192000" cy="45719"/>
-          </a:xfrm>
-          <a:prstGeom prst="rect">
-            <a:avLst/>
-          </a:prstGeom>
-          <a:solidFill>
-            <a:schemeClr val="bg1"/>
-          </a:solidFill>
-          <a:ln>
-            <a:noFill/>
-          </a:ln>
-        </p:spPr>
-        <p:style>
-          <a:lnRef idx="2">
-            <a:schemeClr val="accent1">
-              <a:shade val="50000"/>
-            </a:schemeClr>
-          </a:lnRef>
-          <a:fillRef idx="1">
-            <a:schemeClr val="accent1"/>
-          </a:fillRef>
-          <a:effectRef idx="0">
-            <a:schemeClr val="accent1"/>
-          </a:effectRef>
-          <a:fontRef idx="minor">
-            <a:schemeClr val="lt1"/>
-          </a:fontRef>
-        </p:style>
-        <p:txBody>
-          <a:bodyPr rtlCol="0" anchor="ctr"/>
-          <a:lstStyle/>
-          <a:p>
-            <a:pPr algn="ctr"/>
-            <a:endParaRPr lang="fr-FR"/>
-          </a:p>
-        </p:txBody>
-      </p:sp>
-      <p:sp>
-        <p:nvSpPr>
-          <p:cNvPr id="10" name="ZoneTexte 9">
-            <a:extLst>
-              <a:ext uri="{FF2B5EF4-FFF2-40B4-BE49-F238E27FC236}">
-                <a16:creationId xmlns:a16="http://schemas.microsoft.com/office/drawing/2014/main" id="{8766B9F4-7AD4-4D9A-8246-95FCCDF35855}"/>
-              </a:ext>
-            </a:extLst>
-          </p:cNvPr>
-          <p:cNvSpPr txBox="1"/>
-          <p:nvPr/>
-        </p:nvSpPr>
-        <p:spPr>
-          <a:xfrm>
-            <a:off x="738231" y="6370623"/>
-            <a:ext cx="3531765" cy="230832"/>
-          </a:xfrm>
-          <a:prstGeom prst="rect">
-            <a:avLst/>
-          </a:prstGeom>
-          <a:noFill/>
-        </p:spPr>
-        <p:txBody>
-          <a:bodyPr wrap="square" rtlCol="0">
-            <a:spAutoFit/>
-          </a:bodyPr>
-          <a:lstStyle/>
-          <a:p>
-            <a:r>
-              <a:rPr lang="fr-FR" sz="900" i="1" dirty="0" err="1"/>
-              <a:t>Icons</a:t>
-            </a:r>
-            <a:r>
-              <a:rPr lang="fr-FR" sz="900" i="1" dirty="0"/>
-              <a:t> pack by </a:t>
-            </a:r>
-            <a:r>
-              <a:rPr lang="fr-FR" sz="900" i="1" dirty="0" err="1"/>
-              <a:t>Freepik</a:t>
-            </a:r>
-            <a:r>
-              <a:rPr lang="fr-FR" sz="900" i="1" dirty="0"/>
-              <a:t> on </a:t>
-            </a:r>
-            <a:r>
-              <a:rPr lang="fr-FR" sz="900" i="1" dirty="0">
-                <a:hlinkClick r:id="rId3"/>
-              </a:rPr>
-              <a:t>flaticon.com</a:t>
-            </a:r>
-            <a:endParaRPr lang="fr-FR" sz="900" i="1" dirty="0"/>
-          </a:p>
-        </p:txBody>
-      </p:sp>
-      <p:pic>
-        <p:nvPicPr>
-          <p:cNvPr id="12" name="Image 11">
-            <a:extLst>
-              <a:ext uri="{FF2B5EF4-FFF2-40B4-BE49-F238E27FC236}">
-                <a16:creationId xmlns:a16="http://schemas.microsoft.com/office/drawing/2014/main" id="{77F24F2D-9CDF-4806-9E82-8D67C1C99BE0}"/>
-              </a:ext>
-            </a:extLst>
-          </p:cNvPr>
-          <p:cNvPicPr>
-            <a:picLocks noChangeAspect="1"/>
-          </p:cNvPicPr>
-          <p:nvPr/>
-        </p:nvPicPr>
-        <p:blipFill>
-          <a:blip r:embed="rId4">
-            <a:extLst>
-              <a:ext uri="{28A0092B-C50C-407E-A947-70E740481C1C}">
-                <a14:useLocalDpi xmlns:a14="http://schemas.microsoft.com/office/drawing/2010/main" val="0"/>
-              </a:ext>
-            </a:extLst>
-          </a:blip>
-          <a:stretch>
-            <a:fillRect/>
-          </a:stretch>
-        </p:blipFill>
-        <p:spPr>
-          <a:xfrm>
-            <a:off x="7941577" y="2301717"/>
-            <a:ext cx="1177617" cy="1177617"/>
-          </a:xfrm>
-          <a:prstGeom prst="rect">
-            <a:avLst/>
-          </a:prstGeom>
-        </p:spPr>
-      </p:pic>
-      <p:sp>
-        <p:nvSpPr>
-          <p:cNvPr id="11" name="Rectangle : coins arrondis 10">
-            <a:extLst>
-              <a:ext uri="{FF2B5EF4-FFF2-40B4-BE49-F238E27FC236}">
-                <a16:creationId xmlns:a16="http://schemas.microsoft.com/office/drawing/2014/main" id="{8E5F2233-FFCC-4D62-B90E-415506057971}"/>
-              </a:ext>
-            </a:extLst>
-          </p:cNvPr>
-          <p:cNvSpPr/>
-          <p:nvPr/>
-        </p:nvSpPr>
-        <p:spPr>
-          <a:xfrm>
-            <a:off x="2281804" y="1568741"/>
-            <a:ext cx="7239699" cy="4682640"/>
-          </a:xfrm>
-          <a:prstGeom prst="roundRect">
-            <a:avLst/>
-          </a:prstGeom>
-          <a:noFill/>
-          <a:ln>
-            <a:solidFill>
-              <a:schemeClr val="bg1">
-                <a:lumMod val="75000"/>
-              </a:schemeClr>
-            </a:solidFill>
-          </a:ln>
-        </p:spPr>
-        <p:style>
-          <a:lnRef idx="2">
-            <a:schemeClr val="accent1">
-              <a:shade val="50000"/>
-            </a:schemeClr>
-          </a:lnRef>
-          <a:fillRef idx="1">
-            <a:schemeClr val="accent1"/>
-          </a:fillRef>
-          <a:effectRef idx="0">
-            <a:schemeClr val="accent1"/>
-          </a:effectRef>
-          <a:fontRef idx="minor">
-            <a:schemeClr val="lt1"/>
-          </a:fontRef>
-        </p:style>
-        <p:txBody>
-          <a:bodyPr rtlCol="0" anchor="ctr"/>
-          <a:lstStyle/>
-          <a:p>
-            <a:pPr algn="ctr"/>
-            <a:endParaRPr lang="fr-FR" dirty="0"/>
-          </a:p>
-        </p:txBody>
-      </p:sp>
-      <p:pic>
-        <p:nvPicPr>
-          <p:cNvPr id="2" name="Image 1">
-            <a:extLst>
-              <a:ext uri="{FF2B5EF4-FFF2-40B4-BE49-F238E27FC236}">
-                <a16:creationId xmlns:a16="http://schemas.microsoft.com/office/drawing/2014/main" id="{73DE0790-501A-489C-A2FD-6F020E79DE93}"/>
-              </a:ext>
-            </a:extLst>
-          </p:cNvPr>
-          <p:cNvPicPr>
-            <a:picLocks noChangeAspect="1"/>
-          </p:cNvPicPr>
-          <p:nvPr/>
-        </p:nvPicPr>
-        <p:blipFill>
-          <a:blip r:embed="rId5"/>
-          <a:stretch>
-            <a:fillRect/>
-          </a:stretch>
-        </p:blipFill>
-        <p:spPr>
-          <a:xfrm>
-            <a:off x="2747367" y="1699989"/>
-            <a:ext cx="4728648" cy="2689458"/>
-          </a:xfrm>
-          <a:prstGeom prst="rect">
-            <a:avLst/>
-          </a:prstGeom>
-        </p:spPr>
-      </p:pic>
-      <p:pic>
-        <p:nvPicPr>
-          <p:cNvPr id="5" name="Image 4">
-            <a:extLst>
-              <a:ext uri="{FF2B5EF4-FFF2-40B4-BE49-F238E27FC236}">
-                <a16:creationId xmlns:a16="http://schemas.microsoft.com/office/drawing/2014/main" id="{38B45B98-ADF5-4511-ADC6-4AC032D5C34D}"/>
-              </a:ext>
-            </a:extLst>
-          </p:cNvPr>
-          <p:cNvPicPr>
-            <a:picLocks noChangeAspect="1"/>
-          </p:cNvPicPr>
-          <p:nvPr/>
-        </p:nvPicPr>
-        <p:blipFill>
-          <a:blip r:embed="rId6"/>
-          <a:stretch>
-            <a:fillRect/>
-          </a:stretch>
-        </p:blipFill>
-        <p:spPr>
-          <a:xfrm>
-            <a:off x="2747367" y="4489143"/>
-            <a:ext cx="6414841" cy="1577129"/>
-          </a:xfrm>
-          <a:prstGeom prst="rect">
-            <a:avLst/>
-          </a:prstGeom>
-        </p:spPr>
-      </p:pic>
-    </p:spTree>
-    <p:extLst>
-      <p:ext uri="{BB962C8B-B14F-4D97-AF65-F5344CB8AC3E}">
-        <p14:creationId xmlns:p14="http://schemas.microsoft.com/office/powerpoint/2010/main" val="317845907"/>
-      </p:ext>
-    </p:extLst>
-  </p:cSld>
-  <p:clrMapOvr>
-    <a:masterClrMapping/>
-  </p:clrMapOvr>
-</p:sld>
-</file>
-
-<file path=ppt/slides/slide12.xml><?xml version="1.0" encoding="utf-8"?>
-<p:sld xmlns:a="http://schemas.openxmlformats.org/drawingml/2006/main" xmlns:r="http://schemas.openxmlformats.org/officeDocument/2006/relationships" xmlns:p="http://schemas.openxmlformats.org/presentationml/2006/main">
-  <p:cSld>
-    <p:spTree>
-      <p:nvGrpSpPr>
-        <p:cNvPr id="1" name=""/>
-        <p:cNvGrpSpPr/>
-        <p:nvPr/>
-      </p:nvGrpSpPr>
-      <p:grpSpPr>
-        <a:xfrm>
-          <a:off x="0" y="0"/>
-          <a:ext cx="0" cy="0"/>
-          <a:chOff x="0" y="0"/>
-          <a:chExt cx="0" cy="0"/>
-        </a:xfrm>
-      </p:grpSpPr>
-      <p:pic>
-        <p:nvPicPr>
-          <p:cNvPr id="6" name="Image 5">
-            <a:extLst>
-              <a:ext uri="{FF2B5EF4-FFF2-40B4-BE49-F238E27FC236}">
-                <a16:creationId xmlns:a16="http://schemas.microsoft.com/office/drawing/2014/main" id="{3AA74EE9-4C10-4F2F-866B-5957AC828613}"/>
-              </a:ext>
-            </a:extLst>
-          </p:cNvPr>
-          <p:cNvPicPr>
-            <a:picLocks noChangeAspect="1"/>
-          </p:cNvPicPr>
-          <p:nvPr/>
-        </p:nvPicPr>
-        <p:blipFill>
-          <a:blip r:embed="rId2">
-            <a:extLst>
-              <a:ext uri="{28A0092B-C50C-407E-A947-70E740481C1C}">
-                <a14:useLocalDpi xmlns:a14="http://schemas.microsoft.com/office/drawing/2010/main" val="0"/>
-              </a:ext>
-            </a:extLst>
-          </a:blip>
-          <a:stretch>
-            <a:fillRect/>
-          </a:stretch>
-        </p:blipFill>
-        <p:spPr>
-          <a:xfrm>
-            <a:off x="157066" y="6251381"/>
-            <a:ext cx="453636" cy="453636"/>
-          </a:xfrm>
-          <a:prstGeom prst="rect">
-            <a:avLst/>
-          </a:prstGeom>
-        </p:spPr>
-      </p:pic>
-      <p:sp>
-        <p:nvSpPr>
-          <p:cNvPr id="7" name="Espace réservé du numéro de diapositive 6">
-            <a:extLst>
-              <a:ext uri="{FF2B5EF4-FFF2-40B4-BE49-F238E27FC236}">
-                <a16:creationId xmlns:a16="http://schemas.microsoft.com/office/drawing/2014/main" id="{92DC8857-AC2A-48D9-8952-C025F1DB1EFC}"/>
-              </a:ext>
-            </a:extLst>
-          </p:cNvPr>
-          <p:cNvSpPr>
-            <a:spLocks noGrp="1"/>
-          </p:cNvSpPr>
-          <p:nvPr>
-            <p:ph type="sldNum" sz="quarter" idx="12"/>
-          </p:nvPr>
-        </p:nvSpPr>
-        <p:spPr/>
-        <p:txBody>
-          <a:bodyPr/>
-          <a:lstStyle/>
-          <a:p>
-            <a:fld id="{9FF3A6CB-1D4F-4755-92CD-46E1CA3E33B0}" type="slidenum">
-              <a:rPr lang="fr-FR" smtClean="0"/>
-              <a:t>12</a:t>
             </a:fld>
             <a:endParaRPr lang="fr-FR"/>
           </a:p>
@@ -5396,7 +4952,7 @@
         </p:nvGrpSpPr>
         <p:grpSpPr>
           <a:xfrm>
-            <a:off x="2874933" y="4917313"/>
+            <a:off x="2874933" y="4464307"/>
             <a:ext cx="6442134" cy="448445"/>
             <a:chOff x="1734754" y="3496161"/>
             <a:chExt cx="6442134" cy="448445"/>
@@ -5524,7 +5080,7 @@
         </p:nvGrpSpPr>
         <p:grpSpPr>
           <a:xfrm>
-            <a:off x="2874933" y="4352023"/>
+            <a:off x="2874933" y="3899017"/>
             <a:ext cx="6442134" cy="448445"/>
             <a:chOff x="1734754" y="4078470"/>
             <a:chExt cx="6442134" cy="448445"/>
@@ -5640,10 +5196,10 @@
       </p:grpSp>
       <p:grpSp>
         <p:nvGrpSpPr>
-          <p:cNvPr id="10" name="Groupe 9">
-            <a:extLst>
-              <a:ext uri="{FF2B5EF4-FFF2-40B4-BE49-F238E27FC236}">
-                <a16:creationId xmlns:a16="http://schemas.microsoft.com/office/drawing/2014/main" id="{A773147F-1B3D-47BC-98FD-70A7F6082748}"/>
+          <p:cNvPr id="12" name="Groupe 11">
+            <a:extLst>
+              <a:ext uri="{FF2B5EF4-FFF2-40B4-BE49-F238E27FC236}">
+                <a16:creationId xmlns:a16="http://schemas.microsoft.com/office/drawing/2014/main" id="{1361B0FA-943D-4943-92CC-63AC8FF53E07}"/>
               </a:ext>
             </a:extLst>
           </p:cNvPr>
@@ -5652,207 +5208,7 @@
         </p:nvGrpSpPr>
         <p:grpSpPr>
           <a:xfrm>
-            <a:off x="2874933" y="1459405"/>
-            <a:ext cx="6442134" cy="448445"/>
-            <a:chOff x="1734754" y="2304"/>
-            <a:chExt cx="6442134" cy="448445"/>
-          </a:xfrm>
-        </p:grpSpPr>
-        <p:sp>
-          <p:nvSpPr>
-            <p:cNvPr id="44" name="Flèche : pentagone 43">
-              <a:extLst>
-                <a:ext uri="{FF2B5EF4-FFF2-40B4-BE49-F238E27FC236}">
-                  <a16:creationId xmlns:a16="http://schemas.microsoft.com/office/drawing/2014/main" id="{A3B484EC-E28E-4A0D-B580-704829801932}"/>
-                </a:ext>
-              </a:extLst>
-            </p:cNvPr>
-            <p:cNvSpPr/>
-            <p:nvPr/>
-          </p:nvSpPr>
-          <p:spPr>
-            <a:xfrm rot="10800000">
-              <a:off x="1734754" y="2304"/>
-              <a:ext cx="6442134" cy="448445"/>
-            </a:xfrm>
-            <a:prstGeom prst="homePlate">
-              <a:avLst/>
-            </a:prstGeom>
-            <a:solidFill>
-              <a:srgbClr val="7451EB"/>
-            </a:solidFill>
-            <a:ln>
-              <a:noFill/>
-            </a:ln>
-          </p:spPr>
-          <p:style>
-            <a:lnRef idx="2">
-              <a:scrgbClr r="0" g="0" b="0"/>
-            </a:lnRef>
-            <a:fillRef idx="1">
-              <a:scrgbClr r="0" g="0" b="0"/>
-            </a:fillRef>
-            <a:effectRef idx="0">
-              <a:schemeClr val="accent1">
-                <a:hueOff val="0"/>
-                <a:satOff val="0"/>
-                <a:lumOff val="0"/>
-                <a:alphaOff val="0"/>
-              </a:schemeClr>
-            </a:effectRef>
-            <a:fontRef idx="minor">
-              <a:schemeClr val="lt1"/>
-            </a:fontRef>
-          </p:style>
-        </p:sp>
-        <p:sp>
-          <p:nvSpPr>
-            <p:cNvPr id="45" name="Flèche : pentagone 4">
-              <a:extLst>
-                <a:ext uri="{FF2B5EF4-FFF2-40B4-BE49-F238E27FC236}">
-                  <a16:creationId xmlns:a16="http://schemas.microsoft.com/office/drawing/2014/main" id="{6D92ABC3-10E9-4BA0-B59E-A8205735AD7E}"/>
-                </a:ext>
-              </a:extLst>
-            </p:cNvPr>
-            <p:cNvSpPr txBox="1"/>
-            <p:nvPr/>
-          </p:nvSpPr>
-          <p:spPr>
-            <a:xfrm rot="21600000">
-              <a:off x="1846865" y="2304"/>
-              <a:ext cx="6330023" cy="448445"/>
-            </a:xfrm>
-            <a:prstGeom prst="rect">
-              <a:avLst/>
-            </a:prstGeom>
-          </p:spPr>
-          <p:style>
-            <a:lnRef idx="0">
-              <a:scrgbClr r="0" g="0" b="0"/>
-            </a:lnRef>
-            <a:fillRef idx="0">
-              <a:scrgbClr r="0" g="0" b="0"/>
-            </a:fillRef>
-            <a:effectRef idx="0">
-              <a:scrgbClr r="0" g="0" b="0"/>
-            </a:effectRef>
-            <a:fontRef idx="minor">
-              <a:schemeClr val="lt1"/>
-            </a:fontRef>
-          </p:style>
-          <p:txBody>
-            <a:bodyPr spcFirstLastPara="0" vert="horz" wrap="square" lIns="197752" tIns="76200" rIns="142240" bIns="76200" numCol="1" spcCol="1270" anchor="ctr" anchorCtr="0">
-              <a:noAutofit/>
-            </a:bodyPr>
-            <a:lstStyle/>
-            <a:p>
-              <a:pPr marL="0" lvl="0" indent="0" defTabSz="889000">
-                <a:lnSpc>
-                  <a:spcPct val="90000"/>
-                </a:lnSpc>
-                <a:spcBef>
-                  <a:spcPct val="0"/>
-                </a:spcBef>
-                <a:spcAft>
-                  <a:spcPct val="35000"/>
-                </a:spcAft>
-                <a:buNone/>
-              </a:pPr>
-              <a:r>
-                <a:rPr lang="fr-FR" sz="2000" kern="1200" dirty="0"/>
-                <a:t>Qui suis-je ?</a:t>
-              </a:r>
-            </a:p>
-          </p:txBody>
-        </p:sp>
-      </p:grpSp>
-      <p:sp>
-        <p:nvSpPr>
-          <p:cNvPr id="11" name="Ellipse 10">
-            <a:extLst>
-              <a:ext uri="{FF2B5EF4-FFF2-40B4-BE49-F238E27FC236}">
-                <a16:creationId xmlns:a16="http://schemas.microsoft.com/office/drawing/2014/main" id="{592F5BEB-2E6B-48BD-AB80-7AF73EC03587}"/>
-              </a:ext>
-            </a:extLst>
-          </p:cNvPr>
-          <p:cNvSpPr/>
-          <p:nvPr/>
-        </p:nvSpPr>
-        <p:spPr>
-          <a:xfrm>
-            <a:off x="2650710" y="1459405"/>
-            <a:ext cx="448445" cy="448445"/>
-          </a:xfrm>
-          <a:prstGeom prst="ellipse">
-            <a:avLst/>
-          </a:prstGeom>
-        </p:spPr>
-        <p:style>
-          <a:lnRef idx="2">
-            <a:schemeClr val="lt1">
-              <a:hueOff val="0"/>
-              <a:satOff val="0"/>
-              <a:lumOff val="0"/>
-              <a:alphaOff val="0"/>
-            </a:schemeClr>
-          </a:lnRef>
-          <a:fillRef idx="1">
-            <a:schemeClr val="accent1">
-              <a:tint val="50000"/>
-              <a:hueOff val="0"/>
-              <a:satOff val="0"/>
-              <a:lumOff val="0"/>
-              <a:alphaOff val="0"/>
-            </a:schemeClr>
-          </a:fillRef>
-          <a:effectRef idx="0">
-            <a:schemeClr val="accent1">
-              <a:tint val="50000"/>
-              <a:hueOff val="0"/>
-              <a:satOff val="0"/>
-              <a:lumOff val="0"/>
-              <a:alphaOff val="0"/>
-            </a:schemeClr>
-          </a:effectRef>
-          <a:fontRef idx="minor">
-            <a:schemeClr val="lt1">
-              <a:hueOff val="0"/>
-              <a:satOff val="0"/>
-              <a:lumOff val="0"/>
-              <a:alphaOff val="0"/>
-            </a:schemeClr>
-          </a:fontRef>
-        </p:style>
-        <p:txBody>
-          <a:bodyPr/>
-          <a:lstStyle/>
-          <a:p>
-            <a:r>
-              <a:rPr lang="fr-FR" b="1" dirty="0">
-                <a:solidFill>
-                  <a:srgbClr val="7451EB"/>
-                </a:solidFill>
-              </a:rPr>
-              <a:t>1</a:t>
-            </a:r>
-          </a:p>
-        </p:txBody>
-      </p:sp>
-      <p:grpSp>
-        <p:nvGrpSpPr>
-          <p:cNvPr id="12" name="Groupe 11">
-            <a:extLst>
-              <a:ext uri="{FF2B5EF4-FFF2-40B4-BE49-F238E27FC236}">
-                <a16:creationId xmlns:a16="http://schemas.microsoft.com/office/drawing/2014/main" id="{1361B0FA-943D-4943-92CC-63AC8FF53E07}"/>
-              </a:ext>
-            </a:extLst>
-          </p:cNvPr>
-          <p:cNvGrpSpPr/>
-          <p:nvPr/>
-        </p:nvGrpSpPr>
-        <p:grpSpPr>
-          <a:xfrm>
-            <a:off x="2874933" y="2041714"/>
+            <a:off x="2874933" y="1588708"/>
             <a:ext cx="6442134" cy="448445"/>
             <a:chOff x="1734754" y="584613"/>
             <a:chExt cx="6442134" cy="448445"/>
@@ -5980,7 +5336,7 @@
         </p:nvSpPr>
         <p:spPr>
           <a:xfrm>
-            <a:off x="2650710" y="2041714"/>
+            <a:off x="2650710" y="1588708"/>
             <a:ext cx="448445" cy="448445"/>
           </a:xfrm>
           <a:prstGeom prst="ellipse">
@@ -6033,7 +5389,7 @@
                   <a:srgbClr val="7451EB"/>
                 </a:solidFill>
               </a:rPr>
-              <a:t>2</a:t>
+              <a:t>1</a:t>
             </a:r>
           </a:p>
         </p:txBody>
@@ -6052,7 +5408,7 @@
         </p:nvGrpSpPr>
         <p:grpSpPr>
           <a:xfrm>
-            <a:off x="2874933" y="2624024"/>
+            <a:off x="2874933" y="2171018"/>
             <a:ext cx="6442134" cy="448445"/>
             <a:chOff x="1734754" y="1166923"/>
             <a:chExt cx="6442134" cy="448445"/>
@@ -6185,7 +5541,7 @@
         </p:nvSpPr>
         <p:spPr>
           <a:xfrm>
-            <a:off x="2650710" y="2624024"/>
+            <a:off x="2650710" y="2171018"/>
             <a:ext cx="448445" cy="448445"/>
           </a:xfrm>
           <a:prstGeom prst="ellipse">
@@ -6238,7 +5594,7 @@
                   <a:srgbClr val="7451EB"/>
                 </a:solidFill>
               </a:rPr>
-              <a:t>3</a:t>
+              <a:t>2</a:t>
             </a:r>
           </a:p>
         </p:txBody>
@@ -6257,7 +5613,7 @@
         </p:nvGrpSpPr>
         <p:grpSpPr>
           <a:xfrm>
-            <a:off x="2874933" y="3206333"/>
+            <a:off x="2874933" y="2753327"/>
             <a:ext cx="6442134" cy="448445"/>
             <a:chOff x="1734754" y="1749232"/>
             <a:chExt cx="6442134" cy="448445"/>
@@ -6385,7 +5741,7 @@
         </p:nvSpPr>
         <p:spPr>
           <a:xfrm>
-            <a:off x="2650710" y="3206333"/>
+            <a:off x="2650710" y="2753327"/>
             <a:ext cx="448445" cy="448445"/>
           </a:xfrm>
           <a:prstGeom prst="ellipse">
@@ -6438,7 +5794,7 @@
                   <a:srgbClr val="7451EB"/>
                 </a:solidFill>
               </a:rPr>
-              <a:t>4</a:t>
+              <a:t>3</a:t>
             </a:r>
           </a:p>
         </p:txBody>
@@ -6457,7 +5813,7 @@
         </p:nvGrpSpPr>
         <p:grpSpPr>
           <a:xfrm>
-            <a:off x="2874933" y="5498045"/>
+            <a:off x="2874933" y="5045039"/>
             <a:ext cx="6442134" cy="448445"/>
             <a:chOff x="1734754" y="2331542"/>
             <a:chExt cx="6442134" cy="448445"/>
@@ -6585,7 +5941,7 @@
         </p:nvSpPr>
         <p:spPr>
           <a:xfrm>
-            <a:off x="2650711" y="4329190"/>
+            <a:off x="2650711" y="3876184"/>
             <a:ext cx="448445" cy="448445"/>
           </a:xfrm>
           <a:prstGeom prst="ellipse">
@@ -6638,7 +5994,7 @@
                   <a:srgbClr val="7451EB"/>
                 </a:solidFill>
               </a:rPr>
-              <a:t>6</a:t>
+              <a:t>5</a:t>
             </a:r>
           </a:p>
         </p:txBody>
@@ -6657,7 +6013,7 @@
         </p:nvGrpSpPr>
         <p:grpSpPr>
           <a:xfrm>
-            <a:off x="2874933" y="6080354"/>
+            <a:off x="2874933" y="5627348"/>
             <a:ext cx="6442134" cy="448445"/>
             <a:chOff x="1734754" y="2913851"/>
             <a:chExt cx="6442134" cy="448445"/>
@@ -6785,7 +6141,7 @@
         </p:nvSpPr>
         <p:spPr>
           <a:xfrm>
-            <a:off x="2650711" y="4911499"/>
+            <a:off x="2650711" y="4458493"/>
             <a:ext cx="448445" cy="448445"/>
           </a:xfrm>
           <a:prstGeom prst="ellipse">
@@ -6838,7 +6194,7 @@
                   <a:srgbClr val="7451EB"/>
                 </a:solidFill>
               </a:rPr>
-              <a:t>7</a:t>
+              <a:t>6</a:t>
             </a:r>
           </a:p>
         </p:txBody>
@@ -6857,7 +6213,7 @@
         </p:nvSpPr>
         <p:spPr>
           <a:xfrm>
-            <a:off x="2650711" y="5493809"/>
+            <a:off x="2650711" y="5040803"/>
             <a:ext cx="448445" cy="448445"/>
           </a:xfrm>
           <a:prstGeom prst="ellipse">
@@ -6910,7 +6266,7 @@
                   <a:srgbClr val="7451EB"/>
                 </a:solidFill>
               </a:rPr>
-              <a:t>8</a:t>
+              <a:t>7</a:t>
             </a:r>
           </a:p>
         </p:txBody>
@@ -6929,7 +6285,7 @@
         </p:nvSpPr>
         <p:spPr>
           <a:xfrm>
-            <a:off x="2650711" y="6076118"/>
+            <a:off x="2650711" y="5623112"/>
             <a:ext cx="448445" cy="448445"/>
           </a:xfrm>
           <a:prstGeom prst="ellipse">
@@ -6982,7 +6338,7 @@
                   <a:srgbClr val="7451EB"/>
                 </a:solidFill>
               </a:rPr>
-              <a:t>9</a:t>
+              <a:t>8</a:t>
             </a:r>
           </a:p>
         </p:txBody>
@@ -7001,7 +6357,7 @@
         </p:nvGrpSpPr>
         <p:grpSpPr>
           <a:xfrm>
-            <a:off x="2874933" y="3788642"/>
+            <a:off x="2874933" y="3335636"/>
             <a:ext cx="6442134" cy="448445"/>
             <a:chOff x="1734754" y="1749232"/>
             <a:chExt cx="6442134" cy="448445"/>
@@ -7129,7 +6485,7 @@
         </p:nvSpPr>
         <p:spPr>
           <a:xfrm>
-            <a:off x="2650710" y="3788642"/>
+            <a:off x="2650710" y="3335636"/>
             <a:ext cx="448445" cy="448445"/>
           </a:xfrm>
           <a:prstGeom prst="ellipse">
@@ -7182,7 +6538,7 @@
                   <a:srgbClr val="7451EB"/>
                 </a:solidFill>
               </a:rPr>
-              <a:t>5</a:t>
+              <a:t>4</a:t>
             </a:r>
           </a:p>
         </p:txBody>
@@ -7335,7 +6691,7 @@
             </a:r>
             <a:r>
               <a:rPr lang="fr-FR" sz="3200" b="1" dirty="0"/>
-              <a:t>Qui suis-je ?</a:t>
+              <a:t>Les grandes lignes du projet</a:t>
             </a:r>
             <a:endParaRPr lang="fr-FR" b="1" dirty="0"/>
           </a:p>
@@ -7395,10 +6751,10 @@
       </p:sp>
       <p:sp>
         <p:nvSpPr>
-          <p:cNvPr id="9" name="ZoneTexte 8">
-            <a:extLst>
-              <a:ext uri="{FF2B5EF4-FFF2-40B4-BE49-F238E27FC236}">
-                <a16:creationId xmlns:a16="http://schemas.microsoft.com/office/drawing/2014/main" id="{EA34978E-D5D5-4513-BBA6-BB5B1F6310EE}"/>
+          <p:cNvPr id="10" name="ZoneTexte 9">
+            <a:extLst>
+              <a:ext uri="{FF2B5EF4-FFF2-40B4-BE49-F238E27FC236}">
+                <a16:creationId xmlns:a16="http://schemas.microsoft.com/office/drawing/2014/main" id="{8766B9F4-7AD4-4D9A-8246-95FCCDF35855}"/>
               </a:ext>
             </a:extLst>
           </p:cNvPr>
@@ -7407,8 +6763,8 @@
         </p:nvSpPr>
         <p:spPr>
           <a:xfrm>
-            <a:off x="1508449" y="4004237"/>
-            <a:ext cx="9265298" cy="1754326"/>
+            <a:off x="738231" y="6370623"/>
+            <a:ext cx="3531765" cy="230832"/>
           </a:xfrm>
           <a:prstGeom prst="rect">
             <a:avLst/>
@@ -7421,20 +6777,129 @@
           </a:bodyPr>
           <a:lstStyle/>
           <a:p>
-            <a:pPr algn="just"/>
-            <a:r>
-              <a:rPr lang="fr-FR" i="1" dirty="0"/>
-              <a:t>« 15 années passées dans le secteur de l'audiovisuel en qualité de Responsable Etudes et Développement, 15 années à m'interroger sur le code qui pourrait me passionner. Le code civil ? Le code de la propriété intellectuelle ?  Le code vestimentaire pour la réunion d'aujourd'hui ? Le digicode qui ouvre la porte vers une nouvelle vie ? Aujourd'hui mon choix est fait, mon quotidien sera ponctué de balises, de margin, de flex, de commit et de tout ce qu'il me reste à découvrir. Le seul regret serait de ne pas avoir essayé. »</a:t>
-            </a:r>
-          </a:p>
-        </p:txBody>
-      </p:sp>
+            <a:r>
+              <a:rPr lang="fr-FR" sz="900" i="1" dirty="0" err="1"/>
+              <a:t>Icons</a:t>
+            </a:r>
+            <a:r>
+              <a:rPr lang="fr-FR" sz="900" i="1" dirty="0"/>
+              <a:t> pack by </a:t>
+            </a:r>
+            <a:r>
+              <a:rPr lang="fr-FR" sz="900" i="1" dirty="0" err="1"/>
+              <a:t>Freepik</a:t>
+            </a:r>
+            <a:r>
+              <a:rPr lang="fr-FR" sz="900" i="1" dirty="0"/>
+              <a:t> on </a:t>
+            </a:r>
+            <a:r>
+              <a:rPr lang="fr-FR" sz="900" i="1" dirty="0">
+                <a:hlinkClick r:id="rId3"/>
+              </a:rPr>
+              <a:t>flaticon.com</a:t>
+            </a:r>
+            <a:endParaRPr lang="fr-FR" sz="900" i="1" dirty="0"/>
+          </a:p>
+        </p:txBody>
+      </p:sp>
+      <p:sp>
+        <p:nvSpPr>
+          <p:cNvPr id="16" name="ZoneTexte 15">
+            <a:extLst>
+              <a:ext uri="{FF2B5EF4-FFF2-40B4-BE49-F238E27FC236}">
+                <a16:creationId xmlns:a16="http://schemas.microsoft.com/office/drawing/2014/main" id="{C51F9AE8-A161-4AE4-A61B-DA88D1D7AA0A}"/>
+              </a:ext>
+            </a:extLst>
+          </p:cNvPr>
+          <p:cNvSpPr txBox="1"/>
+          <p:nvPr/>
+        </p:nvSpPr>
+        <p:spPr>
+          <a:xfrm>
+            <a:off x="3777692" y="1597836"/>
+            <a:ext cx="4636616" cy="400110"/>
+          </a:xfrm>
+          <a:prstGeom prst="rect">
+            <a:avLst/>
+          </a:prstGeom>
+          <a:solidFill>
+            <a:srgbClr val="579B88"/>
+          </a:solidFill>
+        </p:spPr>
+        <p:txBody>
+          <a:bodyPr wrap="square" rtlCol="0">
+            <a:spAutoFit/>
+          </a:bodyPr>
+          <a:lstStyle/>
+          <a:p>
+            <a:pPr algn="ctr"/>
+            <a:r>
+              <a:rPr lang="fr-FR" sz="2000" b="1" dirty="0">
+                <a:solidFill>
+                  <a:srgbClr val="F6C94C"/>
+                </a:solidFill>
+              </a:rPr>
+              <a:t>ETUDE DU BRIEF &amp; DE LA MAQUETTE</a:t>
+            </a:r>
+          </a:p>
+        </p:txBody>
+      </p:sp>
+      <p:cxnSp>
+        <p:nvCxnSpPr>
+          <p:cNvPr id="17" name="Connecteur droit avec flèche 16">
+            <a:extLst>
+              <a:ext uri="{FF2B5EF4-FFF2-40B4-BE49-F238E27FC236}">
+                <a16:creationId xmlns:a16="http://schemas.microsoft.com/office/drawing/2014/main" id="{4357F416-E23D-463B-8426-670280126515}"/>
+              </a:ext>
+            </a:extLst>
+          </p:cNvPr>
+          <p:cNvCxnSpPr>
+            <a:cxnSpLocks/>
+          </p:cNvCxnSpPr>
+          <p:nvPr/>
+        </p:nvCxnSpPr>
+        <p:spPr>
+          <a:xfrm flipV="1">
+            <a:off x="3092910" y="4005164"/>
+            <a:ext cx="0" cy="1141289"/>
+          </a:xfrm>
+          <a:prstGeom prst="straightConnector1">
+            <a:avLst/>
+          </a:prstGeom>
+          <a:ln w="22225" cap="rnd">
+            <a:solidFill>
+              <a:schemeClr val="tx1">
+                <a:lumMod val="75000"/>
+                <a:lumOff val="25000"/>
+              </a:schemeClr>
+            </a:solidFill>
+            <a:prstDash val="sysDash"/>
+            <a:headEnd type="triangle" w="lg" len="med"/>
+            <a:tailEnd type="none"/>
+          </a:ln>
+        </p:spPr>
+        <p:style>
+          <a:lnRef idx="1">
+            <a:schemeClr val="accent1"/>
+          </a:lnRef>
+          <a:fillRef idx="0">
+            <a:schemeClr val="accent1"/>
+          </a:fillRef>
+          <a:effectRef idx="0">
+            <a:schemeClr val="accent1"/>
+          </a:effectRef>
+          <a:fontRef idx="minor">
+            <a:schemeClr val="tx1"/>
+          </a:fontRef>
+        </p:style>
+      </p:cxnSp>
       <p:pic>
         <p:nvPicPr>
-          <p:cNvPr id="4" name="Image 3">
-            <a:extLst>
-              <a:ext uri="{FF2B5EF4-FFF2-40B4-BE49-F238E27FC236}">
-                <a16:creationId xmlns:a16="http://schemas.microsoft.com/office/drawing/2014/main" id="{8705ECDC-ADCB-497D-9938-BDC5C78DF334}"/>
+          <p:cNvPr id="22" name="Image 21">
+            <a:extLst>
+              <a:ext uri="{FF2B5EF4-FFF2-40B4-BE49-F238E27FC236}">
+                <a16:creationId xmlns:a16="http://schemas.microsoft.com/office/drawing/2014/main" id="{8E72FCC2-66E9-4C34-BB77-782F47449967}"/>
               </a:ext>
             </a:extLst>
           </p:cNvPr>
@@ -7444,7 +6909,7 @@
           <p:nvPr/>
         </p:nvPicPr>
         <p:blipFill>
-          <a:blip r:embed="rId3">
+          <a:blip r:embed="rId4">
             <a:extLst>
               <a:ext uri="{28A0092B-C50C-407E-A947-70E740481C1C}">
                 <a14:useLocalDpi xmlns:a14="http://schemas.microsoft.com/office/drawing/2010/main" val="0"/>
@@ -7457,31 +6922,440 @@
         </p:blipFill>
         <p:spPr>
           <a:xfrm>
-            <a:off x="5061031" y="1650553"/>
-            <a:ext cx="2069938" cy="1950327"/>
-          </a:xfrm>
-          <a:prstGeom prst="roundRect">
-            <a:avLst>
-              <a:gd name="adj" fmla="val 8594"/>
-            </a:avLst>
+            <a:off x="2782128" y="1525689"/>
+            <a:ext cx="497399" cy="497399"/>
+          </a:xfrm>
+          <a:prstGeom prst="rect">
+            <a:avLst/>
+          </a:prstGeom>
+        </p:spPr>
+      </p:pic>
+      <p:sp>
+        <p:nvSpPr>
+          <p:cNvPr id="26" name="ZoneTexte 25">
+            <a:extLst>
+              <a:ext uri="{FF2B5EF4-FFF2-40B4-BE49-F238E27FC236}">
+                <a16:creationId xmlns:a16="http://schemas.microsoft.com/office/drawing/2014/main" id="{33F8DDD5-3C52-4264-8024-A79CC2D6D1F0}"/>
+              </a:ext>
+            </a:extLst>
+          </p:cNvPr>
+          <p:cNvSpPr txBox="1"/>
+          <p:nvPr/>
+        </p:nvSpPr>
+        <p:spPr>
+          <a:xfrm>
+            <a:off x="3777227" y="5248340"/>
+            <a:ext cx="4636616" cy="400110"/>
+          </a:xfrm>
+          <a:prstGeom prst="rect">
+            <a:avLst/>
           </a:prstGeom>
           <a:solidFill>
-            <a:srgbClr val="FFFFFF">
-              <a:shade val="85000"/>
-            </a:srgbClr>
+            <a:srgbClr val="579B88"/>
           </a:solidFill>
-          <a:ln>
-            <a:noFill/>
+        </p:spPr>
+        <p:txBody>
+          <a:bodyPr wrap="square" rtlCol="0">
+            <a:spAutoFit/>
+          </a:bodyPr>
+          <a:lstStyle/>
+          <a:p>
+            <a:pPr algn="ctr"/>
+            <a:r>
+              <a:rPr lang="fr-FR" sz="2000" b="1" dirty="0">
+                <a:solidFill>
+                  <a:srgbClr val="F6C94C"/>
+                </a:solidFill>
+              </a:rPr>
+              <a:t>MISE EN LIGNE DU SITE INTERNET</a:t>
+            </a:r>
+          </a:p>
+        </p:txBody>
+      </p:sp>
+      <p:sp>
+        <p:nvSpPr>
+          <p:cNvPr id="24" name="ZoneTexte 23">
+            <a:extLst>
+              <a:ext uri="{FF2B5EF4-FFF2-40B4-BE49-F238E27FC236}">
+                <a16:creationId xmlns:a16="http://schemas.microsoft.com/office/drawing/2014/main" id="{02E04DE6-E2B1-4807-A4D1-F1CC8247530E}"/>
+              </a:ext>
+            </a:extLst>
+          </p:cNvPr>
+          <p:cNvSpPr txBox="1"/>
+          <p:nvPr/>
+        </p:nvSpPr>
+        <p:spPr>
+          <a:xfrm>
+            <a:off x="3755455" y="3896658"/>
+            <a:ext cx="4636614" cy="369332"/>
+          </a:xfrm>
+          <a:prstGeom prst="rect">
+            <a:avLst/>
+          </a:prstGeom>
+          <a:noFill/>
+        </p:spPr>
+        <p:txBody>
+          <a:bodyPr wrap="square" rtlCol="0">
+            <a:spAutoFit/>
+          </a:bodyPr>
+          <a:lstStyle/>
+          <a:p>
+            <a:pPr algn="ctr"/>
+            <a:r>
+              <a:rPr lang="fr-FR" b="1" dirty="0"/>
+              <a:t>HTML5 + CSS3</a:t>
+            </a:r>
+          </a:p>
+        </p:txBody>
+      </p:sp>
+      <p:sp>
+        <p:nvSpPr>
+          <p:cNvPr id="28" name="ZoneTexte 27">
+            <a:extLst>
+              <a:ext uri="{FF2B5EF4-FFF2-40B4-BE49-F238E27FC236}">
+                <a16:creationId xmlns:a16="http://schemas.microsoft.com/office/drawing/2014/main" id="{97F3559E-967E-43D4-B1FB-DCAB56BD15B8}"/>
+              </a:ext>
+            </a:extLst>
+          </p:cNvPr>
+          <p:cNvSpPr txBox="1"/>
+          <p:nvPr/>
+        </p:nvSpPr>
+        <p:spPr>
+          <a:xfrm>
+            <a:off x="3766341" y="2221508"/>
+            <a:ext cx="4636614" cy="369332"/>
+          </a:xfrm>
+          <a:prstGeom prst="rect">
+            <a:avLst/>
+          </a:prstGeom>
+          <a:noFill/>
+        </p:spPr>
+        <p:txBody>
+          <a:bodyPr wrap="square" rtlCol="0">
+            <a:spAutoFit/>
+          </a:bodyPr>
+          <a:lstStyle/>
+          <a:p>
+            <a:pPr algn="ctr"/>
+            <a:r>
+              <a:rPr lang="fr-FR" b="1" dirty="0"/>
+              <a:t>CHARTE GRAPHIQUE</a:t>
+            </a:r>
+          </a:p>
+        </p:txBody>
+      </p:sp>
+      <p:sp>
+        <p:nvSpPr>
+          <p:cNvPr id="29" name="ZoneTexte 28">
+            <a:extLst>
+              <a:ext uri="{FF2B5EF4-FFF2-40B4-BE49-F238E27FC236}">
+                <a16:creationId xmlns:a16="http://schemas.microsoft.com/office/drawing/2014/main" id="{80B20B70-2CF7-48D1-915A-808F6229CC68}"/>
+              </a:ext>
+            </a:extLst>
+          </p:cNvPr>
+          <p:cNvSpPr txBox="1"/>
+          <p:nvPr/>
+        </p:nvSpPr>
+        <p:spPr>
+          <a:xfrm>
+            <a:off x="3766341" y="2712769"/>
+            <a:ext cx="4636614" cy="369332"/>
+          </a:xfrm>
+          <a:prstGeom prst="rect">
+            <a:avLst/>
+          </a:prstGeom>
+          <a:noFill/>
+        </p:spPr>
+        <p:txBody>
+          <a:bodyPr wrap="square" rtlCol="0">
+            <a:spAutoFit/>
+          </a:bodyPr>
+          <a:lstStyle/>
+          <a:p>
+            <a:pPr algn="ctr"/>
+            <a:r>
+              <a:rPr lang="fr-FR" b="1" dirty="0"/>
+              <a:t>ANIMATIONS + DÉGRADÉS</a:t>
+            </a:r>
+          </a:p>
+        </p:txBody>
+      </p:sp>
+      <p:sp>
+        <p:nvSpPr>
+          <p:cNvPr id="30" name="ZoneTexte 29">
+            <a:extLst>
+              <a:ext uri="{FF2B5EF4-FFF2-40B4-BE49-F238E27FC236}">
+                <a16:creationId xmlns:a16="http://schemas.microsoft.com/office/drawing/2014/main" id="{AFD172E4-A370-453B-8DAC-1BA35A7B6482}"/>
+              </a:ext>
+            </a:extLst>
+          </p:cNvPr>
+          <p:cNvSpPr txBox="1"/>
+          <p:nvPr/>
+        </p:nvSpPr>
+        <p:spPr>
+          <a:xfrm>
+            <a:off x="3777229" y="3203858"/>
+            <a:ext cx="4636614" cy="369332"/>
+          </a:xfrm>
+          <a:prstGeom prst="rect">
+            <a:avLst/>
+          </a:prstGeom>
+          <a:noFill/>
+        </p:spPr>
+        <p:txBody>
+          <a:bodyPr wrap="square" rtlCol="0">
+            <a:spAutoFit/>
+          </a:bodyPr>
+          <a:lstStyle/>
+          <a:p>
+            <a:pPr algn="ctr"/>
+            <a:r>
+              <a:rPr lang="fr-FR" b="1" dirty="0"/>
+              <a:t>GOOGLE FONTS</a:t>
+            </a:r>
+          </a:p>
+        </p:txBody>
+      </p:sp>
+      <p:sp>
+        <p:nvSpPr>
+          <p:cNvPr id="31" name="ZoneTexte 30">
+            <a:extLst>
+              <a:ext uri="{FF2B5EF4-FFF2-40B4-BE49-F238E27FC236}">
+                <a16:creationId xmlns:a16="http://schemas.microsoft.com/office/drawing/2014/main" id="{E0AC7ABC-4052-4646-87B7-706DD100F78B}"/>
+              </a:ext>
+            </a:extLst>
+          </p:cNvPr>
+          <p:cNvSpPr txBox="1"/>
+          <p:nvPr/>
+        </p:nvSpPr>
+        <p:spPr>
+          <a:xfrm>
+            <a:off x="3766341" y="4314021"/>
+            <a:ext cx="4636614" cy="369332"/>
+          </a:xfrm>
+          <a:prstGeom prst="rect">
+            <a:avLst/>
+          </a:prstGeom>
+          <a:noFill/>
+        </p:spPr>
+        <p:txBody>
+          <a:bodyPr wrap="square" rtlCol="0">
+            <a:spAutoFit/>
+          </a:bodyPr>
+          <a:lstStyle/>
+          <a:p>
+            <a:pPr algn="ctr"/>
+            <a:r>
+              <a:rPr lang="fr-FR" b="1" dirty="0"/>
+              <a:t>GIT GITHUB GITHUBPAGES</a:t>
+            </a:r>
+          </a:p>
+        </p:txBody>
+      </p:sp>
+      <p:pic>
+        <p:nvPicPr>
+          <p:cNvPr id="27" name="Image 26">
+            <a:extLst>
+              <a:ext uri="{FF2B5EF4-FFF2-40B4-BE49-F238E27FC236}">
+                <a16:creationId xmlns:a16="http://schemas.microsoft.com/office/drawing/2014/main" id="{6F781E0A-7F75-47EE-8DA6-5555ED337C39}"/>
+              </a:ext>
+            </a:extLst>
+          </p:cNvPr>
+          <p:cNvPicPr>
+            <a:picLocks noChangeAspect="1"/>
+          </p:cNvPicPr>
+          <p:nvPr/>
+        </p:nvPicPr>
+        <p:blipFill>
+          <a:blip r:embed="rId5">
+            <a:extLst>
+              <a:ext uri="{28A0092B-C50C-407E-A947-70E740481C1C}">
+                <a14:useLocalDpi xmlns:a14="http://schemas.microsoft.com/office/drawing/2010/main" val="0"/>
+              </a:ext>
+            </a:extLst>
+          </a:blip>
+          <a:stretch>
+            <a:fillRect/>
+          </a:stretch>
+        </p:blipFill>
+        <p:spPr>
+          <a:xfrm>
+            <a:off x="2818897" y="5183415"/>
+            <a:ext cx="548026" cy="548026"/>
+          </a:xfrm>
+          <a:prstGeom prst="rect">
+            <a:avLst/>
+          </a:prstGeom>
+        </p:spPr>
+      </p:pic>
+      <p:pic>
+        <p:nvPicPr>
+          <p:cNvPr id="33" name="Image 32">
+            <a:extLst>
+              <a:ext uri="{FF2B5EF4-FFF2-40B4-BE49-F238E27FC236}">
+                <a16:creationId xmlns:a16="http://schemas.microsoft.com/office/drawing/2014/main" id="{0B4510CF-E46B-4D34-92EA-A98FF934A02B}"/>
+              </a:ext>
+            </a:extLst>
+          </p:cNvPr>
+          <p:cNvPicPr>
+            <a:picLocks noChangeAspect="1"/>
+          </p:cNvPicPr>
+          <p:nvPr/>
+        </p:nvPicPr>
+        <p:blipFill>
+          <a:blip r:embed="rId6">
+            <a:extLst>
+              <a:ext uri="{28A0092B-C50C-407E-A947-70E740481C1C}">
+                <a14:useLocalDpi xmlns:a14="http://schemas.microsoft.com/office/drawing/2010/main" val="0"/>
+              </a:ext>
+            </a:extLst>
+          </a:blip>
+          <a:stretch>
+            <a:fillRect/>
+          </a:stretch>
+        </p:blipFill>
+        <p:spPr>
+          <a:xfrm>
+            <a:off x="2859817" y="3471450"/>
+            <a:ext cx="466186" cy="466186"/>
+          </a:xfrm>
+          <a:prstGeom prst="rect">
+            <a:avLst/>
+          </a:prstGeom>
+        </p:spPr>
+      </p:pic>
+      <p:cxnSp>
+        <p:nvCxnSpPr>
+          <p:cNvPr id="36" name="Connecteur droit avec flèche 35">
+            <a:extLst>
+              <a:ext uri="{FF2B5EF4-FFF2-40B4-BE49-F238E27FC236}">
+                <a16:creationId xmlns:a16="http://schemas.microsoft.com/office/drawing/2014/main" id="{C0907BF5-3ED7-4F03-93F8-94C74140430B}"/>
+              </a:ext>
+            </a:extLst>
+          </p:cNvPr>
+          <p:cNvCxnSpPr>
+            <a:cxnSpLocks/>
+          </p:cNvCxnSpPr>
+          <p:nvPr/>
+        </p:nvCxnSpPr>
+        <p:spPr>
+          <a:xfrm flipV="1">
+            <a:off x="3092910" y="2190390"/>
+            <a:ext cx="0" cy="1229786"/>
+          </a:xfrm>
+          <a:prstGeom prst="straightConnector1">
+            <a:avLst/>
+          </a:prstGeom>
+          <a:ln w="22225" cap="rnd">
+            <a:solidFill>
+              <a:schemeClr val="tx1">
+                <a:lumMod val="75000"/>
+                <a:lumOff val="25000"/>
+              </a:schemeClr>
+            </a:solidFill>
+            <a:prstDash val="sysDash"/>
+            <a:headEnd type="none" w="lg" len="med"/>
+            <a:tailEnd type="oval"/>
           </a:ln>
-          <a:effectLst>
-            <a:reflection blurRad="12700" stA="38000" endPos="28000" dist="5000" dir="5400000" sy="-100000" algn="bl" rotWithShape="0"/>
-          </a:effectLst>
-        </p:spPr>
-      </p:pic>
+        </p:spPr>
+        <p:style>
+          <a:lnRef idx="1">
+            <a:schemeClr val="accent1"/>
+          </a:lnRef>
+          <a:fillRef idx="0">
+            <a:schemeClr val="accent1"/>
+          </a:fillRef>
+          <a:effectRef idx="0">
+            <a:schemeClr val="accent1"/>
+          </a:effectRef>
+          <a:fontRef idx="minor">
+            <a:schemeClr val="tx1"/>
+          </a:fontRef>
+        </p:style>
+      </p:cxnSp>
+      <p:sp>
+        <p:nvSpPr>
+          <p:cNvPr id="2" name="ZoneTexte 1">
+            <a:extLst>
+              <a:ext uri="{FF2B5EF4-FFF2-40B4-BE49-F238E27FC236}">
+                <a16:creationId xmlns:a16="http://schemas.microsoft.com/office/drawing/2014/main" id="{03BB9289-2915-499A-8300-479C4B4F4087}"/>
+              </a:ext>
+            </a:extLst>
+          </p:cNvPr>
+          <p:cNvSpPr txBox="1"/>
+          <p:nvPr/>
+        </p:nvSpPr>
+        <p:spPr>
+          <a:xfrm>
+            <a:off x="3907942" y="5932908"/>
+            <a:ext cx="4211272" cy="369332"/>
+          </a:xfrm>
+          <a:prstGeom prst="rect">
+            <a:avLst/>
+          </a:prstGeom>
+          <a:noFill/>
+        </p:spPr>
+        <p:txBody>
+          <a:bodyPr wrap="square" rtlCol="0">
+            <a:spAutoFit/>
+          </a:bodyPr>
+          <a:lstStyle/>
+          <a:p>
+            <a:pPr algn="ctr"/>
+            <a:r>
+              <a:rPr lang="fr-FR" dirty="0"/>
+              <a:t>Lien vers le site web « ohmyfood » : </a:t>
+            </a:r>
+            <a:r>
+              <a:rPr lang="fr-FR" dirty="0">
+                <a:hlinkClick r:id="rId7"/>
+              </a:rPr>
+              <a:t>ICI</a:t>
+            </a:r>
+            <a:endParaRPr lang="fr-FR" dirty="0"/>
+          </a:p>
+        </p:txBody>
+      </p:sp>
+      <p:sp>
+        <p:nvSpPr>
+          <p:cNvPr id="21" name="ZoneTexte 20">
+            <a:extLst>
+              <a:ext uri="{FF2B5EF4-FFF2-40B4-BE49-F238E27FC236}">
+                <a16:creationId xmlns:a16="http://schemas.microsoft.com/office/drawing/2014/main" id="{90ED2903-8BC2-4D43-BD96-8F26B2C02AF5}"/>
+              </a:ext>
+            </a:extLst>
+          </p:cNvPr>
+          <p:cNvSpPr txBox="1"/>
+          <p:nvPr/>
+        </p:nvSpPr>
+        <p:spPr>
+          <a:xfrm>
+            <a:off x="3766341" y="4710414"/>
+            <a:ext cx="4636614" cy="369332"/>
+          </a:xfrm>
+          <a:prstGeom prst="rect">
+            <a:avLst/>
+          </a:prstGeom>
+          <a:noFill/>
+        </p:spPr>
+        <p:txBody>
+          <a:bodyPr wrap="square" rtlCol="0">
+            <a:spAutoFit/>
+          </a:bodyPr>
+          <a:lstStyle/>
+          <a:p>
+            <a:pPr algn="ctr"/>
+            <a:r>
+              <a:rPr lang="fr-FR" b="1" dirty="0"/>
+              <a:t>VALIDATION W3C HTML &amp; CSS</a:t>
+            </a:r>
+          </a:p>
+        </p:txBody>
+      </p:sp>
     </p:spTree>
     <p:extLst>
       <p:ext uri="{BB962C8B-B14F-4D97-AF65-F5344CB8AC3E}">
-        <p14:creationId xmlns:p14="http://schemas.microsoft.com/office/powerpoint/2010/main" val="3429094904"/>
+        <p14:creationId xmlns:p14="http://schemas.microsoft.com/office/powerpoint/2010/main" val="1140986770"/>
       </p:ext>
     </p:extLst>
   </p:cSld>
@@ -7626,7 +7500,7 @@
             </a:r>
             <a:r>
               <a:rPr lang="fr-FR" sz="3200" b="1" dirty="0"/>
-              <a:t>Les grandes lignes du projet</a:t>
+              <a:t>Le responsive sur mobile</a:t>
             </a:r>
             <a:endParaRPr lang="fr-FR" b="1" dirty="0"/>
           </a:p>
@@ -7740,10 +7614,10 @@
       </p:sp>
       <p:sp>
         <p:nvSpPr>
-          <p:cNvPr id="16" name="ZoneTexte 15">
-            <a:extLst>
-              <a:ext uri="{FF2B5EF4-FFF2-40B4-BE49-F238E27FC236}">
-                <a16:creationId xmlns:a16="http://schemas.microsoft.com/office/drawing/2014/main" id="{C51F9AE8-A161-4AE4-A61B-DA88D1D7AA0A}"/>
+          <p:cNvPr id="2" name="ZoneTexte 1">
+            <a:extLst>
+              <a:ext uri="{FF2B5EF4-FFF2-40B4-BE49-F238E27FC236}">
+                <a16:creationId xmlns:a16="http://schemas.microsoft.com/office/drawing/2014/main" id="{63845823-1D09-4D3B-A49D-903E9270F422}"/>
               </a:ext>
             </a:extLst>
           </p:cNvPr>
@@ -7752,89 +7626,92 @@
         </p:nvSpPr>
         <p:spPr>
           <a:xfrm>
-            <a:off x="3777692" y="1597836"/>
-            <a:ext cx="4636616" cy="400110"/>
+            <a:off x="4307619" y="1120407"/>
+            <a:ext cx="3741575" cy="461665"/>
           </a:xfrm>
           <a:prstGeom prst="rect">
+            <a:avLst/>
+          </a:prstGeom>
+          <a:noFill/>
+        </p:spPr>
+        <p:txBody>
+          <a:bodyPr wrap="square" rtlCol="0">
+            <a:spAutoFit/>
+          </a:bodyPr>
+          <a:lstStyle/>
+          <a:p>
+            <a:pPr algn="ctr"/>
+            <a:r>
+              <a:rPr lang="fr-FR" sz="2400" b="1" dirty="0">
+                <a:solidFill>
+                  <a:srgbClr val="2D3142"/>
+                </a:solidFill>
+              </a:rPr>
+              <a:t>« Mobile First ! »</a:t>
+            </a:r>
+          </a:p>
+        </p:txBody>
+      </p:sp>
+      <p:sp>
+        <p:nvSpPr>
+          <p:cNvPr id="16" name="Flèche : droite rayée 15">
+            <a:extLst>
+              <a:ext uri="{FF2B5EF4-FFF2-40B4-BE49-F238E27FC236}">
+                <a16:creationId xmlns:a16="http://schemas.microsoft.com/office/drawing/2014/main" id="{2846A6C0-52C7-44AF-95F4-941936EAB02D}"/>
+              </a:ext>
+            </a:extLst>
+          </p:cNvPr>
+          <p:cNvSpPr/>
+          <p:nvPr/>
+        </p:nvSpPr>
+        <p:spPr>
+          <a:xfrm rot="16200000">
+            <a:off x="5696316" y="3593406"/>
+            <a:ext cx="976832" cy="557765"/>
+          </a:xfrm>
+          <a:prstGeom prst="stripedRightArrow">
             <a:avLst/>
           </a:prstGeom>
           <a:solidFill>
             <a:srgbClr val="579B88"/>
           </a:solidFill>
-        </p:spPr>
-        <p:txBody>
-          <a:bodyPr wrap="square" rtlCol="0">
-            <a:spAutoFit/>
-          </a:bodyPr>
-          <a:lstStyle/>
-          <a:p>
-            <a:pPr algn="ctr"/>
-            <a:r>
-              <a:rPr lang="fr-FR" sz="2000" b="1" dirty="0">
-                <a:solidFill>
-                  <a:srgbClr val="F6C94C"/>
-                </a:solidFill>
-              </a:rPr>
-              <a:t>ETUDE DU BRIEF &amp; DE LA MAQUETTE</a:t>
-            </a:r>
-          </a:p>
-        </p:txBody>
-      </p:sp>
-      <p:cxnSp>
-        <p:nvCxnSpPr>
-          <p:cNvPr id="17" name="Connecteur droit avec flèche 16">
-            <a:extLst>
-              <a:ext uri="{FF2B5EF4-FFF2-40B4-BE49-F238E27FC236}">
-                <a16:creationId xmlns:a16="http://schemas.microsoft.com/office/drawing/2014/main" id="{4357F416-E23D-463B-8426-670280126515}"/>
-              </a:ext>
-            </a:extLst>
-          </p:cNvPr>
-          <p:cNvCxnSpPr>
-            <a:cxnSpLocks/>
-          </p:cNvCxnSpPr>
-          <p:nvPr/>
-        </p:nvCxnSpPr>
-        <p:spPr>
-          <a:xfrm flipV="1">
-            <a:off x="3092910" y="4005164"/>
-            <a:ext cx="0" cy="1141289"/>
-          </a:xfrm>
-          <a:prstGeom prst="straightConnector1">
-            <a:avLst/>
-          </a:prstGeom>
-          <a:ln w="22225" cap="rnd">
+          <a:ln>
             <a:solidFill>
-              <a:schemeClr val="tx1">
-                <a:lumMod val="75000"/>
-                <a:lumOff val="25000"/>
-              </a:schemeClr>
+              <a:srgbClr val="F6C94C"/>
             </a:solidFill>
-            <a:prstDash val="sysDash"/>
-            <a:headEnd type="triangle" w="lg" len="med"/>
-            <a:tailEnd type="none"/>
           </a:ln>
         </p:spPr>
         <p:style>
-          <a:lnRef idx="1">
-            <a:schemeClr val="accent1"/>
+          <a:lnRef idx="2">
+            <a:schemeClr val="accent1">
+              <a:shade val="50000"/>
+            </a:schemeClr>
           </a:lnRef>
-          <a:fillRef idx="0">
+          <a:fillRef idx="1">
             <a:schemeClr val="accent1"/>
           </a:fillRef>
           <a:effectRef idx="0">
             <a:schemeClr val="accent1"/>
           </a:effectRef>
           <a:fontRef idx="minor">
-            <a:schemeClr val="tx1"/>
+            <a:schemeClr val="lt1"/>
           </a:fontRef>
         </p:style>
-      </p:cxnSp>
+        <p:txBody>
+          <a:bodyPr rtlCol="0" anchor="ctr"/>
+          <a:lstStyle/>
+          <a:p>
+            <a:pPr algn="ctr"/>
+            <a:endParaRPr lang="fr-FR" dirty="0"/>
+          </a:p>
+        </p:txBody>
+      </p:sp>
       <p:pic>
         <p:nvPicPr>
-          <p:cNvPr id="22" name="Image 21">
-            <a:extLst>
-              <a:ext uri="{FF2B5EF4-FFF2-40B4-BE49-F238E27FC236}">
-                <a16:creationId xmlns:a16="http://schemas.microsoft.com/office/drawing/2014/main" id="{8E72FCC2-66E9-4C34-BB77-782F47449967}"/>
+          <p:cNvPr id="4" name="Image 3" descr="Une image contenant capture d’écran&#10;&#10;Description générée automatiquement">
+            <a:extLst>
+              <a:ext uri="{FF2B5EF4-FFF2-40B4-BE49-F238E27FC236}">
+                <a16:creationId xmlns:a16="http://schemas.microsoft.com/office/drawing/2014/main" id="{226EA300-4239-49F6-9FD4-6D3B7EA22D9D}"/>
               </a:ext>
             </a:extLst>
           </p:cNvPr>
@@ -7857,242 +7734,20 @@
         </p:blipFill>
         <p:spPr>
           <a:xfrm>
-            <a:off x="2782128" y="1525689"/>
-            <a:ext cx="497399" cy="497399"/>
+            <a:off x="3325755" y="1645932"/>
+            <a:ext cx="2617717" cy="4710418"/>
           </a:xfrm>
           <a:prstGeom prst="rect">
             <a:avLst/>
           </a:prstGeom>
         </p:spPr>
       </p:pic>
-      <p:sp>
-        <p:nvSpPr>
-          <p:cNvPr id="26" name="ZoneTexte 25">
-            <a:extLst>
-              <a:ext uri="{FF2B5EF4-FFF2-40B4-BE49-F238E27FC236}">
-                <a16:creationId xmlns:a16="http://schemas.microsoft.com/office/drawing/2014/main" id="{33F8DDD5-3C52-4264-8024-A79CC2D6D1F0}"/>
-              </a:ext>
-            </a:extLst>
-          </p:cNvPr>
-          <p:cNvSpPr txBox="1"/>
-          <p:nvPr/>
-        </p:nvSpPr>
-        <p:spPr>
-          <a:xfrm>
-            <a:off x="3777227" y="5248340"/>
-            <a:ext cx="4636616" cy="400110"/>
-          </a:xfrm>
-          <a:prstGeom prst="rect">
-            <a:avLst/>
-          </a:prstGeom>
-          <a:solidFill>
-            <a:srgbClr val="579B88"/>
-          </a:solidFill>
-        </p:spPr>
-        <p:txBody>
-          <a:bodyPr wrap="square" rtlCol="0">
-            <a:spAutoFit/>
-          </a:bodyPr>
-          <a:lstStyle/>
-          <a:p>
-            <a:pPr algn="ctr"/>
-            <a:r>
-              <a:rPr lang="fr-FR" sz="2000" b="1" dirty="0">
-                <a:solidFill>
-                  <a:srgbClr val="F6C94C"/>
-                </a:solidFill>
-              </a:rPr>
-              <a:t>MISE EN LIGNE DU SITE INTERNET</a:t>
-            </a:r>
-          </a:p>
-        </p:txBody>
-      </p:sp>
-      <p:sp>
-        <p:nvSpPr>
-          <p:cNvPr id="24" name="ZoneTexte 23">
-            <a:extLst>
-              <a:ext uri="{FF2B5EF4-FFF2-40B4-BE49-F238E27FC236}">
-                <a16:creationId xmlns:a16="http://schemas.microsoft.com/office/drawing/2014/main" id="{02E04DE6-E2B1-4807-A4D1-F1CC8247530E}"/>
-              </a:ext>
-            </a:extLst>
-          </p:cNvPr>
-          <p:cNvSpPr txBox="1"/>
-          <p:nvPr/>
-        </p:nvSpPr>
-        <p:spPr>
-          <a:xfrm>
-            <a:off x="3755455" y="3896658"/>
-            <a:ext cx="4636614" cy="369332"/>
-          </a:xfrm>
-          <a:prstGeom prst="rect">
-            <a:avLst/>
-          </a:prstGeom>
-          <a:noFill/>
-        </p:spPr>
-        <p:txBody>
-          <a:bodyPr wrap="square" rtlCol="0">
-            <a:spAutoFit/>
-          </a:bodyPr>
-          <a:lstStyle/>
-          <a:p>
-            <a:pPr algn="ctr"/>
-            <a:r>
-              <a:rPr lang="fr-FR" b="1" dirty="0"/>
-              <a:t>HTML5 + CSS3</a:t>
-            </a:r>
-          </a:p>
-        </p:txBody>
-      </p:sp>
-      <p:sp>
-        <p:nvSpPr>
-          <p:cNvPr id="28" name="ZoneTexte 27">
-            <a:extLst>
-              <a:ext uri="{FF2B5EF4-FFF2-40B4-BE49-F238E27FC236}">
-                <a16:creationId xmlns:a16="http://schemas.microsoft.com/office/drawing/2014/main" id="{97F3559E-967E-43D4-B1FB-DCAB56BD15B8}"/>
-              </a:ext>
-            </a:extLst>
-          </p:cNvPr>
-          <p:cNvSpPr txBox="1"/>
-          <p:nvPr/>
-        </p:nvSpPr>
-        <p:spPr>
-          <a:xfrm>
-            <a:off x="3766341" y="2221508"/>
-            <a:ext cx="4636614" cy="369332"/>
-          </a:xfrm>
-          <a:prstGeom prst="rect">
-            <a:avLst/>
-          </a:prstGeom>
-          <a:noFill/>
-        </p:spPr>
-        <p:txBody>
-          <a:bodyPr wrap="square" rtlCol="0">
-            <a:spAutoFit/>
-          </a:bodyPr>
-          <a:lstStyle/>
-          <a:p>
-            <a:pPr algn="ctr"/>
-            <a:r>
-              <a:rPr lang="fr-FR" b="1" dirty="0"/>
-              <a:t>CHARTE GRAPHIQUE</a:t>
-            </a:r>
-          </a:p>
-        </p:txBody>
-      </p:sp>
-      <p:sp>
-        <p:nvSpPr>
-          <p:cNvPr id="29" name="ZoneTexte 28">
-            <a:extLst>
-              <a:ext uri="{FF2B5EF4-FFF2-40B4-BE49-F238E27FC236}">
-                <a16:creationId xmlns:a16="http://schemas.microsoft.com/office/drawing/2014/main" id="{80B20B70-2CF7-48D1-915A-808F6229CC68}"/>
-              </a:ext>
-            </a:extLst>
-          </p:cNvPr>
-          <p:cNvSpPr txBox="1"/>
-          <p:nvPr/>
-        </p:nvSpPr>
-        <p:spPr>
-          <a:xfrm>
-            <a:off x="3766341" y="2712769"/>
-            <a:ext cx="4636614" cy="369332"/>
-          </a:xfrm>
-          <a:prstGeom prst="rect">
-            <a:avLst/>
-          </a:prstGeom>
-          <a:noFill/>
-        </p:spPr>
-        <p:txBody>
-          <a:bodyPr wrap="square" rtlCol="0">
-            <a:spAutoFit/>
-          </a:bodyPr>
-          <a:lstStyle/>
-          <a:p>
-            <a:pPr algn="ctr"/>
-            <a:r>
-              <a:rPr lang="fr-FR" b="1" dirty="0"/>
-              <a:t>ANIMATIONS + DÉGRADÉS</a:t>
-            </a:r>
-          </a:p>
-        </p:txBody>
-      </p:sp>
-      <p:sp>
-        <p:nvSpPr>
-          <p:cNvPr id="30" name="ZoneTexte 29">
-            <a:extLst>
-              <a:ext uri="{FF2B5EF4-FFF2-40B4-BE49-F238E27FC236}">
-                <a16:creationId xmlns:a16="http://schemas.microsoft.com/office/drawing/2014/main" id="{AFD172E4-A370-453B-8DAC-1BA35A7B6482}"/>
-              </a:ext>
-            </a:extLst>
-          </p:cNvPr>
-          <p:cNvSpPr txBox="1"/>
-          <p:nvPr/>
-        </p:nvSpPr>
-        <p:spPr>
-          <a:xfrm>
-            <a:off x="3777229" y="3203858"/>
-            <a:ext cx="4636614" cy="369332"/>
-          </a:xfrm>
-          <a:prstGeom prst="rect">
-            <a:avLst/>
-          </a:prstGeom>
-          <a:noFill/>
-        </p:spPr>
-        <p:txBody>
-          <a:bodyPr wrap="square" rtlCol="0">
-            <a:spAutoFit/>
-          </a:bodyPr>
-          <a:lstStyle/>
-          <a:p>
-            <a:pPr algn="ctr"/>
-            <a:r>
-              <a:rPr lang="fr-FR" b="1" dirty="0"/>
-              <a:t>GOOGLE FONTS</a:t>
-            </a:r>
-          </a:p>
-        </p:txBody>
-      </p:sp>
-      <p:sp>
-        <p:nvSpPr>
-          <p:cNvPr id="31" name="ZoneTexte 30">
-            <a:extLst>
-              <a:ext uri="{FF2B5EF4-FFF2-40B4-BE49-F238E27FC236}">
-                <a16:creationId xmlns:a16="http://schemas.microsoft.com/office/drawing/2014/main" id="{E0AC7ABC-4052-4646-87B7-706DD100F78B}"/>
-              </a:ext>
-            </a:extLst>
-          </p:cNvPr>
-          <p:cNvSpPr txBox="1"/>
-          <p:nvPr/>
-        </p:nvSpPr>
-        <p:spPr>
-          <a:xfrm>
-            <a:off x="3766341" y="4314021"/>
-            <a:ext cx="4636614" cy="369332"/>
-          </a:xfrm>
-          <a:prstGeom prst="rect">
-            <a:avLst/>
-          </a:prstGeom>
-          <a:noFill/>
-        </p:spPr>
-        <p:txBody>
-          <a:bodyPr wrap="square" rtlCol="0">
-            <a:spAutoFit/>
-          </a:bodyPr>
-          <a:lstStyle/>
-          <a:p>
-            <a:pPr algn="ctr"/>
-            <a:r>
-              <a:rPr lang="fr-FR" b="1" dirty="0"/>
-              <a:t>GIT GITHUB GITHUBPAGES</a:t>
-            </a:r>
-          </a:p>
-        </p:txBody>
-      </p:sp>
       <p:pic>
         <p:nvPicPr>
-          <p:cNvPr id="27" name="Image 26">
-            <a:extLst>
-              <a:ext uri="{FF2B5EF4-FFF2-40B4-BE49-F238E27FC236}">
-                <a16:creationId xmlns:a16="http://schemas.microsoft.com/office/drawing/2014/main" id="{6F781E0A-7F75-47EE-8DA6-5555ED337C39}"/>
+          <p:cNvPr id="9" name="Image 8" descr="Une image contenant capture d’écran&#10;&#10;Description générée automatiquement">
+            <a:extLst>
+              <a:ext uri="{FF2B5EF4-FFF2-40B4-BE49-F238E27FC236}">
+                <a16:creationId xmlns:a16="http://schemas.microsoft.com/office/drawing/2014/main" id="{C530841A-9761-4118-A316-AAE256D4AE34}"/>
               </a:ext>
             </a:extLst>
           </p:cNvPr>
@@ -8115,8 +7770,8 @@
         </p:blipFill>
         <p:spPr>
           <a:xfrm>
-            <a:off x="2818897" y="5183415"/>
-            <a:ext cx="548026" cy="548026"/>
+            <a:off x="6383479" y="1641549"/>
+            <a:ext cx="2617717" cy="4710418"/>
           </a:xfrm>
           <a:prstGeom prst="rect">
             <a:avLst/>
@@ -8125,10 +7780,11 @@
       </p:pic>
       <p:pic>
         <p:nvPicPr>
-          <p:cNvPr id="33" name="Image 32">
-            <a:extLst>
-              <a:ext uri="{FF2B5EF4-FFF2-40B4-BE49-F238E27FC236}">
-                <a16:creationId xmlns:a16="http://schemas.microsoft.com/office/drawing/2014/main" id="{0B4510CF-E46B-4D34-92EA-A98FF934A02B}"/>
+          <p:cNvPr id="12" name="Image 11" descr="Une image contenant dessin, signe&#10;&#10;Description générée automatiquement">
+            <a:hlinkClick r:id="rId6"/>
+            <a:extLst>
+              <a:ext uri="{FF2B5EF4-FFF2-40B4-BE49-F238E27FC236}">
+                <a16:creationId xmlns:a16="http://schemas.microsoft.com/office/drawing/2014/main" id="{EDA2DE9B-898C-4870-AEA7-1900D7993FA4}"/>
               </a:ext>
             </a:extLst>
           </p:cNvPr>
@@ -8138,7 +7794,7 @@
           <p:nvPr/>
         </p:nvPicPr>
         <p:blipFill>
-          <a:blip r:embed="rId6">
+          <a:blip r:embed="rId7">
             <a:extLst>
               <a:ext uri="{28A0092B-C50C-407E-A947-70E740481C1C}">
                 <a14:useLocalDpi xmlns:a14="http://schemas.microsoft.com/office/drawing/2010/main" val="0"/>
@@ -8151,146 +7807,18 @@
         </p:blipFill>
         <p:spPr>
           <a:xfrm>
-            <a:off x="2859817" y="3471450"/>
-            <a:ext cx="466186" cy="466186"/>
+            <a:off x="5145631" y="5504353"/>
+            <a:ext cx="915857" cy="915857"/>
           </a:xfrm>
           <a:prstGeom prst="rect">
             <a:avLst/>
           </a:prstGeom>
         </p:spPr>
       </p:pic>
-      <p:cxnSp>
-        <p:nvCxnSpPr>
-          <p:cNvPr id="36" name="Connecteur droit avec flèche 35">
-            <a:extLst>
-              <a:ext uri="{FF2B5EF4-FFF2-40B4-BE49-F238E27FC236}">
-                <a16:creationId xmlns:a16="http://schemas.microsoft.com/office/drawing/2014/main" id="{C0907BF5-3ED7-4F03-93F8-94C74140430B}"/>
-              </a:ext>
-            </a:extLst>
-          </p:cNvPr>
-          <p:cNvCxnSpPr>
-            <a:cxnSpLocks/>
-          </p:cNvCxnSpPr>
-          <p:nvPr/>
-        </p:nvCxnSpPr>
-        <p:spPr>
-          <a:xfrm flipV="1">
-            <a:off x="3092910" y="2190390"/>
-            <a:ext cx="0" cy="1229786"/>
-          </a:xfrm>
-          <a:prstGeom prst="straightConnector1">
-            <a:avLst/>
-          </a:prstGeom>
-          <a:ln w="22225" cap="rnd">
-            <a:solidFill>
-              <a:schemeClr val="tx1">
-                <a:lumMod val="75000"/>
-                <a:lumOff val="25000"/>
-              </a:schemeClr>
-            </a:solidFill>
-            <a:prstDash val="sysDash"/>
-            <a:headEnd type="none" w="lg" len="med"/>
-            <a:tailEnd type="oval"/>
-          </a:ln>
-        </p:spPr>
-        <p:style>
-          <a:lnRef idx="1">
-            <a:schemeClr val="accent1"/>
-          </a:lnRef>
-          <a:fillRef idx="0">
-            <a:schemeClr val="accent1"/>
-          </a:fillRef>
-          <a:effectRef idx="0">
-            <a:schemeClr val="accent1"/>
-          </a:effectRef>
-          <a:fontRef idx="minor">
-            <a:schemeClr val="tx1"/>
-          </a:fontRef>
-        </p:style>
-      </p:cxnSp>
-      <p:sp>
-        <p:nvSpPr>
-          <p:cNvPr id="2" name="ZoneTexte 1">
-            <a:extLst>
-              <a:ext uri="{FF2B5EF4-FFF2-40B4-BE49-F238E27FC236}">
-                <a16:creationId xmlns:a16="http://schemas.microsoft.com/office/drawing/2014/main" id="{03BB9289-2915-499A-8300-479C4B4F4087}"/>
-              </a:ext>
-            </a:extLst>
-          </p:cNvPr>
-          <p:cNvSpPr txBox="1"/>
-          <p:nvPr/>
-        </p:nvSpPr>
-        <p:spPr>
-          <a:xfrm>
-            <a:off x="3907942" y="5932908"/>
-            <a:ext cx="4211272" cy="369332"/>
-          </a:xfrm>
-          <a:prstGeom prst="rect">
-            <a:avLst/>
-          </a:prstGeom>
-          <a:noFill/>
-        </p:spPr>
-        <p:txBody>
-          <a:bodyPr wrap="square" rtlCol="0">
-            <a:spAutoFit/>
-          </a:bodyPr>
-          <a:lstStyle/>
-          <a:p>
-            <a:pPr algn="ctr"/>
-            <a:r>
-              <a:rPr lang="fr-FR" dirty="0"/>
-              <a:t>Lien vers le site web « ohmyfood » : </a:t>
-            </a:r>
-            <a:r>
-              <a:rPr lang="fr-FR" dirty="0">
-                <a:hlinkClick r:id="rId7"/>
-              </a:rPr>
-              <a:t>ICI</a:t>
-            </a:r>
-            <a:endParaRPr lang="fr-FR" dirty="0"/>
-          </a:p>
-        </p:txBody>
-      </p:sp>
-      <p:sp>
-        <p:nvSpPr>
-          <p:cNvPr id="21" name="ZoneTexte 20">
-            <a:extLst>
-              <a:ext uri="{FF2B5EF4-FFF2-40B4-BE49-F238E27FC236}">
-                <a16:creationId xmlns:a16="http://schemas.microsoft.com/office/drawing/2014/main" id="{90ED2903-8BC2-4D43-BD96-8F26B2C02AF5}"/>
-              </a:ext>
-            </a:extLst>
-          </p:cNvPr>
-          <p:cNvSpPr txBox="1"/>
-          <p:nvPr/>
-        </p:nvSpPr>
-        <p:spPr>
-          <a:xfrm>
-            <a:off x="3766341" y="4710414"/>
-            <a:ext cx="4636614" cy="369332"/>
-          </a:xfrm>
-          <a:prstGeom prst="rect">
-            <a:avLst/>
-          </a:prstGeom>
-          <a:noFill/>
-        </p:spPr>
-        <p:txBody>
-          <a:bodyPr wrap="square" rtlCol="0">
-            <a:spAutoFit/>
-          </a:bodyPr>
-          <a:lstStyle/>
-          <a:p>
-            <a:pPr algn="ctr"/>
-            <a:r>
-              <a:rPr lang="fr-FR" b="1" dirty="0"/>
-              <a:t>VALIDATION W3C HTML &amp; CSS</a:t>
-            </a:r>
-          </a:p>
-        </p:txBody>
-      </p:sp>
     </p:spTree>
     <p:extLst>
       <p:ext uri="{BB962C8B-B14F-4D97-AF65-F5344CB8AC3E}">
-        <p14:creationId xmlns:p14="http://schemas.microsoft.com/office/powerpoint/2010/main" val="1140986770"/>
+        <p14:creationId xmlns:p14="http://schemas.microsoft.com/office/powerpoint/2010/main" val="3266215989"/>
       </p:ext>
     </p:extLst>
   </p:cSld>
@@ -8435,7 +7963,7 @@
             </a:r>
             <a:r>
               <a:rPr lang="fr-FR" sz="3200" b="1" dirty="0"/>
-              <a:t>Le responsive sur mobile</a:t>
+              <a:t>Le responsive sur tablette</a:t>
             </a:r>
             <a:endParaRPr lang="fr-FR" b="1" dirty="0"/>
           </a:p>
@@ -8547,52 +8075,56 @@
           </a:p>
         </p:txBody>
       </p:sp>
-      <p:sp>
-        <p:nvSpPr>
-          <p:cNvPr id="2" name="ZoneTexte 1">
-            <a:extLst>
-              <a:ext uri="{FF2B5EF4-FFF2-40B4-BE49-F238E27FC236}">
-                <a16:creationId xmlns:a16="http://schemas.microsoft.com/office/drawing/2014/main" id="{63845823-1D09-4D3B-A49D-903E9270F422}"/>
-              </a:ext>
-            </a:extLst>
-          </p:cNvPr>
-          <p:cNvSpPr txBox="1"/>
-          <p:nvPr/>
-        </p:nvSpPr>
-        <p:spPr>
-          <a:xfrm>
-            <a:off x="4307619" y="1120407"/>
-            <a:ext cx="3741575" cy="461665"/>
+      <p:pic>
+        <p:nvPicPr>
+          <p:cNvPr id="16" name="Image 15" descr="Une image contenant capture d’écran&#10;&#10;Description générée automatiquement">
+            <a:extLst>
+              <a:ext uri="{FF2B5EF4-FFF2-40B4-BE49-F238E27FC236}">
+                <a16:creationId xmlns:a16="http://schemas.microsoft.com/office/drawing/2014/main" id="{10497297-1AC6-4D78-88F4-2B7D34BA5155}"/>
+              </a:ext>
+            </a:extLst>
+          </p:cNvPr>
+          <p:cNvPicPr>
+            <a:picLocks noChangeAspect="1"/>
+          </p:cNvPicPr>
+          <p:nvPr/>
+        </p:nvPicPr>
+        <p:blipFill>
+          <a:blip r:embed="rId4">
+            <a:extLst>
+              <a:ext uri="{28A0092B-C50C-407E-A947-70E740481C1C}">
+                <a14:useLocalDpi xmlns:a14="http://schemas.microsoft.com/office/drawing/2010/main" val="0"/>
+              </a:ext>
+            </a:extLst>
+          </a:blip>
+          <a:stretch>
+            <a:fillRect/>
+          </a:stretch>
+        </p:blipFill>
+        <p:spPr>
+          <a:xfrm>
+            <a:off x="4378883" y="1483312"/>
+            <a:ext cx="2629813" cy="4519992"/>
           </a:xfrm>
           <a:prstGeom prst="rect">
             <a:avLst/>
           </a:prstGeom>
-          <a:noFill/>
-        </p:spPr>
-        <p:txBody>
-          <a:bodyPr wrap="square" rtlCol="0">
-            <a:spAutoFit/>
-          </a:bodyPr>
-          <a:lstStyle/>
-          <a:p>
-            <a:pPr algn="ctr"/>
-            <a:r>
-              <a:rPr lang="fr-FR" sz="2400" b="1" dirty="0">
-                <a:solidFill>
-                  <a:srgbClr val="2D3142"/>
-                </a:solidFill>
-              </a:rPr>
-              <a:t>« Mobile First ! »</a:t>
-            </a:r>
-          </a:p>
-        </p:txBody>
-      </p:sp>
-      <p:sp>
-        <p:nvSpPr>
-          <p:cNvPr id="16" name="Flèche : droite rayée 15">
-            <a:extLst>
-              <a:ext uri="{FF2B5EF4-FFF2-40B4-BE49-F238E27FC236}">
-                <a16:creationId xmlns:a16="http://schemas.microsoft.com/office/drawing/2014/main" id="{2846A6C0-52C7-44AF-95F4-941936EAB02D}"/>
+          <a:ln w="190500">
+            <a:solidFill>
+              <a:schemeClr val="tx1">
+                <a:lumMod val="75000"/>
+                <a:lumOff val="25000"/>
+              </a:schemeClr>
+            </a:solidFill>
+          </a:ln>
+        </p:spPr>
+      </p:pic>
+      <p:sp>
+        <p:nvSpPr>
+          <p:cNvPr id="12" name="Rectangle 11">
+            <a:extLst>
+              <a:ext uri="{FF2B5EF4-FFF2-40B4-BE49-F238E27FC236}">
+                <a16:creationId xmlns:a16="http://schemas.microsoft.com/office/drawing/2014/main" id="{050E6D26-DA63-40B1-8924-4E1E2DA60ABC}"/>
               </a:ext>
             </a:extLst>
           </p:cNvPr>
@@ -8600,19 +8132,25 @@
           <p:nvPr/>
         </p:nvSpPr>
         <p:spPr>
-          <a:xfrm rot="16200000">
-            <a:off x="5696316" y="3593406"/>
-            <a:ext cx="976832" cy="557765"/>
-          </a:xfrm>
-          <a:prstGeom prst="stripedRightArrow">
+          <a:xfrm>
+            <a:off x="4269996" y="5860062"/>
+            <a:ext cx="2738700" cy="141921"/>
+          </a:xfrm>
+          <a:prstGeom prst="rect">
             <a:avLst/>
           </a:prstGeom>
           <a:solidFill>
-            <a:srgbClr val="579B88"/>
+            <a:schemeClr val="tx1">
+              <a:lumMod val="75000"/>
+              <a:lumOff val="25000"/>
+            </a:schemeClr>
           </a:solidFill>
           <a:ln>
             <a:solidFill>
-              <a:srgbClr val="F6C94C"/>
+              <a:schemeClr val="tx1">
+                <a:lumMod val="75000"/>
+                <a:lumOff val="25000"/>
+              </a:schemeClr>
             </a:solidFill>
           </a:ln>
         </p:spPr>
@@ -8637,16 +8175,137 @@
           <a:lstStyle/>
           <a:p>
             <a:pPr algn="ctr"/>
+            <a:endParaRPr lang="fr-FR"/>
+          </a:p>
+        </p:txBody>
+      </p:sp>
+      <p:sp>
+        <p:nvSpPr>
+          <p:cNvPr id="3" name="Ellipse 2">
+            <a:extLst>
+              <a:ext uri="{FF2B5EF4-FFF2-40B4-BE49-F238E27FC236}">
+                <a16:creationId xmlns:a16="http://schemas.microsoft.com/office/drawing/2014/main" id="{DCC7AF27-2EA4-4C67-A8A0-79815B9B1D65}"/>
+              </a:ext>
+            </a:extLst>
+          </p:cNvPr>
+          <p:cNvSpPr/>
+          <p:nvPr/>
+        </p:nvSpPr>
+        <p:spPr>
+          <a:xfrm>
+            <a:off x="5581822" y="5906274"/>
+            <a:ext cx="223934" cy="223936"/>
+          </a:xfrm>
+          <a:prstGeom prst="ellipse">
+            <a:avLst/>
+          </a:prstGeom>
+          <a:solidFill>
+            <a:schemeClr val="tx1">
+              <a:lumMod val="65000"/>
+              <a:lumOff val="35000"/>
+            </a:schemeClr>
+          </a:solidFill>
+          <a:ln>
+            <a:solidFill>
+              <a:schemeClr val="tx1">
+                <a:lumMod val="75000"/>
+                <a:lumOff val="25000"/>
+              </a:schemeClr>
+            </a:solidFill>
+          </a:ln>
+        </p:spPr>
+        <p:style>
+          <a:lnRef idx="2">
+            <a:schemeClr val="accent1">
+              <a:shade val="50000"/>
+            </a:schemeClr>
+          </a:lnRef>
+          <a:fillRef idx="1">
+            <a:schemeClr val="accent1"/>
+          </a:fillRef>
+          <a:effectRef idx="0">
+            <a:schemeClr val="accent1"/>
+          </a:effectRef>
+          <a:fontRef idx="minor">
+            <a:schemeClr val="lt1"/>
+          </a:fontRef>
+        </p:style>
+        <p:txBody>
+          <a:bodyPr rtlCol="0" anchor="ctr"/>
+          <a:lstStyle/>
+          <a:p>
+            <a:pPr algn="ctr"/>
             <a:endParaRPr lang="fr-FR" dirty="0"/>
+          </a:p>
+        </p:txBody>
+      </p:sp>
+      <p:sp>
+        <p:nvSpPr>
+          <p:cNvPr id="2" name="Rectangle 1">
+            <a:extLst>
+              <a:ext uri="{FF2B5EF4-FFF2-40B4-BE49-F238E27FC236}">
+                <a16:creationId xmlns:a16="http://schemas.microsoft.com/office/drawing/2014/main" id="{BBFDC35B-7C88-4328-8BFF-DEC843BD0AEB}"/>
+              </a:ext>
+            </a:extLst>
+          </p:cNvPr>
+          <p:cNvSpPr/>
+          <p:nvPr/>
+        </p:nvSpPr>
+        <p:spPr>
+          <a:xfrm>
+            <a:off x="4269996" y="1411176"/>
+            <a:ext cx="2821481" cy="137796"/>
+          </a:xfrm>
+          <a:prstGeom prst="rect">
+            <a:avLst/>
+          </a:prstGeom>
+          <a:solidFill>
+            <a:schemeClr val="tx1">
+              <a:lumMod val="75000"/>
+              <a:lumOff val="25000"/>
+            </a:schemeClr>
+          </a:solidFill>
+          <a:ln>
+            <a:solidFill>
+              <a:schemeClr val="tx1">
+                <a:lumMod val="75000"/>
+                <a:lumOff val="25000"/>
+              </a:schemeClr>
+            </a:solidFill>
+          </a:ln>
+        </p:spPr>
+        <p:style>
+          <a:lnRef idx="2">
+            <a:schemeClr val="accent1">
+              <a:shade val="50000"/>
+            </a:schemeClr>
+          </a:lnRef>
+          <a:fillRef idx="1">
+            <a:schemeClr val="accent1"/>
+          </a:fillRef>
+          <a:effectRef idx="0">
+            <a:schemeClr val="accent1"/>
+          </a:effectRef>
+          <a:fontRef idx="minor">
+            <a:schemeClr val="lt1"/>
+          </a:fontRef>
+        </p:style>
+        <p:txBody>
+          <a:bodyPr rtlCol="0" anchor="ctr"/>
+          <a:lstStyle/>
+          <a:p>
+            <a:pPr algn="ctr"/>
+            <a:endParaRPr lang="fr-FR"/>
           </a:p>
         </p:txBody>
       </p:sp>
       <p:pic>
         <p:nvPicPr>
-          <p:cNvPr id="4" name="Image 3" descr="Une image contenant capture d’écran&#10;&#10;Description générée automatiquement">
-            <a:extLst>
-              <a:ext uri="{FF2B5EF4-FFF2-40B4-BE49-F238E27FC236}">
-                <a16:creationId xmlns:a16="http://schemas.microsoft.com/office/drawing/2014/main" id="{226EA300-4239-49F6-9FD4-6D3B7EA22D9D}"/>
+          <p:cNvPr id="20" name="Image 19" descr="Une image contenant dessin, signe&#10;&#10;Description générée automatiquement">
+            <a:hlinkClick r:id="rId5"/>
+            <a:extLst>
+              <a:ext uri="{FF2B5EF4-FFF2-40B4-BE49-F238E27FC236}">
+                <a16:creationId xmlns:a16="http://schemas.microsoft.com/office/drawing/2014/main" id="{46FBEC4E-9A46-4E8F-90C3-875B69536739}"/>
               </a:ext>
             </a:extLst>
           </p:cNvPr>
@@ -8656,7 +8315,7 @@
           <p:nvPr/>
         </p:nvPicPr>
         <p:blipFill>
-          <a:blip r:embed="rId4">
+          <a:blip r:embed="rId6">
             <a:extLst>
               <a:ext uri="{28A0092B-C50C-407E-A947-70E740481C1C}">
                 <a14:useLocalDpi xmlns:a14="http://schemas.microsoft.com/office/drawing/2010/main" val="0"/>
@@ -8669,80 +8328,7 @@
         </p:blipFill>
         <p:spPr>
           <a:xfrm>
-            <a:off x="3325755" y="1645932"/>
-            <a:ext cx="2617717" cy="4710418"/>
-          </a:xfrm>
-          <a:prstGeom prst="rect">
-            <a:avLst/>
-          </a:prstGeom>
-        </p:spPr>
-      </p:pic>
-      <p:pic>
-        <p:nvPicPr>
-          <p:cNvPr id="9" name="Image 8" descr="Une image contenant capture d’écran&#10;&#10;Description générée automatiquement">
-            <a:extLst>
-              <a:ext uri="{FF2B5EF4-FFF2-40B4-BE49-F238E27FC236}">
-                <a16:creationId xmlns:a16="http://schemas.microsoft.com/office/drawing/2014/main" id="{C530841A-9761-4118-A316-AAE256D4AE34}"/>
-              </a:ext>
-            </a:extLst>
-          </p:cNvPr>
-          <p:cNvPicPr>
-            <a:picLocks noChangeAspect="1"/>
-          </p:cNvPicPr>
-          <p:nvPr/>
-        </p:nvPicPr>
-        <p:blipFill>
-          <a:blip r:embed="rId5">
-            <a:extLst>
-              <a:ext uri="{28A0092B-C50C-407E-A947-70E740481C1C}">
-                <a14:useLocalDpi xmlns:a14="http://schemas.microsoft.com/office/drawing/2010/main" val="0"/>
-              </a:ext>
-            </a:extLst>
-          </a:blip>
-          <a:stretch>
-            <a:fillRect/>
-          </a:stretch>
-        </p:blipFill>
-        <p:spPr>
-          <a:xfrm>
-            <a:off x="6383479" y="1641549"/>
-            <a:ext cx="2617717" cy="4710418"/>
-          </a:xfrm>
-          <a:prstGeom prst="rect">
-            <a:avLst/>
-          </a:prstGeom>
-        </p:spPr>
-      </p:pic>
-      <p:pic>
-        <p:nvPicPr>
-          <p:cNvPr id="12" name="Image 11" descr="Une image contenant dessin, signe&#10;&#10;Description générée automatiquement">
-            <a:hlinkClick r:id="rId6"/>
-            <a:extLst>
-              <a:ext uri="{FF2B5EF4-FFF2-40B4-BE49-F238E27FC236}">
-                <a16:creationId xmlns:a16="http://schemas.microsoft.com/office/drawing/2014/main" id="{EDA2DE9B-898C-4870-AEA7-1900D7993FA4}"/>
-              </a:ext>
-            </a:extLst>
-          </p:cNvPr>
-          <p:cNvPicPr>
-            <a:picLocks noChangeAspect="1"/>
-          </p:cNvPicPr>
-          <p:nvPr/>
-        </p:nvPicPr>
-        <p:blipFill>
-          <a:blip r:embed="rId7">
-            <a:extLst>
-              <a:ext uri="{28A0092B-C50C-407E-A947-70E740481C1C}">
-                <a14:useLocalDpi xmlns:a14="http://schemas.microsoft.com/office/drawing/2010/main" val="0"/>
-              </a:ext>
-            </a:extLst>
-          </a:blip>
-          <a:stretch>
-            <a:fillRect/>
-          </a:stretch>
-        </p:blipFill>
-        <p:spPr>
-          <a:xfrm>
-            <a:off x="5145631" y="5504353"/>
+            <a:off x="6694308" y="5672281"/>
             <a:ext cx="915857" cy="915857"/>
           </a:xfrm>
           <a:prstGeom prst="rect">
@@ -8753,7 +8339,7 @@
     </p:spTree>
     <p:extLst>
       <p:ext uri="{BB962C8B-B14F-4D97-AF65-F5344CB8AC3E}">
-        <p14:creationId xmlns:p14="http://schemas.microsoft.com/office/powerpoint/2010/main" val="3266215989"/>
+        <p14:creationId xmlns:p14="http://schemas.microsoft.com/office/powerpoint/2010/main" val="537032516"/>
       </p:ext>
     </p:extLst>
   </p:cSld>
@@ -8782,10 +8368,10 @@
       </p:grpSpPr>
       <p:pic>
         <p:nvPicPr>
-          <p:cNvPr id="6" name="Image 5">
-            <a:extLst>
-              <a:ext uri="{FF2B5EF4-FFF2-40B4-BE49-F238E27FC236}">
-                <a16:creationId xmlns:a16="http://schemas.microsoft.com/office/drawing/2014/main" id="{3AA74EE9-4C10-4F2F-866B-5957AC828613}"/>
+          <p:cNvPr id="14" name="Image 13">
+            <a:extLst>
+              <a:ext uri="{FF2B5EF4-FFF2-40B4-BE49-F238E27FC236}">
+                <a16:creationId xmlns:a16="http://schemas.microsoft.com/office/drawing/2014/main" id="{7B7B0955-2751-4AD4-8913-513F2B92DB42}"/>
               </a:ext>
             </a:extLst>
           </p:cNvPr>
@@ -8795,7 +8381,47 @@
           <p:nvPr/>
         </p:nvPicPr>
         <p:blipFill>
-          <a:blip r:embed="rId2">
+          <a:blip r:embed="rId2"/>
+          <a:stretch>
+            <a:fillRect/>
+          </a:stretch>
+        </p:blipFill>
+        <p:spPr>
+          <a:xfrm>
+            <a:off x="738231" y="1778467"/>
+            <a:ext cx="1846413" cy="2626671"/>
+          </a:xfrm>
+          <a:prstGeom prst="rect">
+            <a:avLst/>
+          </a:prstGeom>
+          <a:ln>
+            <a:noFill/>
+          </a:ln>
+          <a:effectLst>
+            <a:outerShdw blurRad="292100" dist="139700" dir="2700000" algn="tl" rotWithShape="0">
+              <a:srgbClr val="333333">
+                <a:alpha val="65000"/>
+              </a:srgbClr>
+            </a:outerShdw>
+          </a:effectLst>
+        </p:spPr>
+      </p:pic>
+      <p:pic>
+        <p:nvPicPr>
+          <p:cNvPr id="6" name="Image 5">
+            <a:extLst>
+              <a:ext uri="{FF2B5EF4-FFF2-40B4-BE49-F238E27FC236}">
+                <a16:creationId xmlns:a16="http://schemas.microsoft.com/office/drawing/2014/main" id="{3AA74EE9-4C10-4F2F-866B-5957AC828613}"/>
+              </a:ext>
+            </a:extLst>
+          </p:cNvPr>
+          <p:cNvPicPr>
+            <a:picLocks noChangeAspect="1"/>
+          </p:cNvPicPr>
+          <p:nvPr/>
+        </p:nvPicPr>
+        <p:blipFill>
+          <a:blip r:embed="rId3">
             <a:extLst>
               <a:ext uri="{28A0092B-C50C-407E-A947-70E740481C1C}">
                 <a14:useLocalDpi xmlns:a14="http://schemas.microsoft.com/office/drawing/2010/main" val="0"/>
@@ -8841,7 +8467,7 @@
               <a:rPr lang="fr-FR" smtClean="0"/>
               <a:t>6</a:t>
             </a:fld>
-            <a:endParaRPr lang="fr-FR"/>
+            <a:endParaRPr lang="fr-FR" dirty="0"/>
           </a:p>
         </p:txBody>
       </p:sp>
@@ -8898,7 +8524,7 @@
             </a:r>
             <a:r>
               <a:rPr lang="fr-FR" sz="3200" b="1" dirty="0"/>
-              <a:t>Le responsive sur tablette</a:t>
+              <a:t>Polices, animations et dégradés</a:t>
             </a:r>
             <a:endParaRPr lang="fr-FR" b="1" dirty="0"/>
           </a:p>
@@ -9002,7 +8628,7 @@
             </a:r>
             <a:r>
               <a:rPr lang="fr-FR" sz="900" i="1" dirty="0">
-                <a:hlinkClick r:id="rId3"/>
+                <a:hlinkClick r:id="rId4"/>
               </a:rPr>
               <a:t>flaticon.com</a:t>
             </a:r>
@@ -9012,10 +8638,10 @@
       </p:sp>
       <p:pic>
         <p:nvPicPr>
-          <p:cNvPr id="16" name="Image 15" descr="Une image contenant capture d’écran&#10;&#10;Description générée automatiquement">
-            <a:extLst>
-              <a:ext uri="{FF2B5EF4-FFF2-40B4-BE49-F238E27FC236}">
-                <a16:creationId xmlns:a16="http://schemas.microsoft.com/office/drawing/2014/main" id="{10497297-1AC6-4D78-88F4-2B7D34BA5155}"/>
+          <p:cNvPr id="5" name="Image 4" descr="Une image contenant miroir&#10;&#10;Description générée automatiquement">
+            <a:extLst>
+              <a:ext uri="{FF2B5EF4-FFF2-40B4-BE49-F238E27FC236}">
+                <a16:creationId xmlns:a16="http://schemas.microsoft.com/office/drawing/2014/main" id="{88F53C94-A164-439E-BAD3-41C17F4B7870}"/>
               </a:ext>
             </a:extLst>
           </p:cNvPr>
@@ -9025,7 +8651,7 @@
           <p:nvPr/>
         </p:nvPicPr>
         <p:blipFill>
-          <a:blip r:embed="rId4">
+          <a:blip r:embed="rId5">
             <a:extLst>
               <a:ext uri="{28A0092B-C50C-407E-A947-70E740481C1C}">
                 <a14:useLocalDpi xmlns:a14="http://schemas.microsoft.com/office/drawing/2010/main" val="0"/>
@@ -9038,209 +8664,20 @@
         </p:blipFill>
         <p:spPr>
           <a:xfrm>
-            <a:off x="4378883" y="1483312"/>
-            <a:ext cx="2629813" cy="4519992"/>
+            <a:off x="1514152" y="3472292"/>
+            <a:ext cx="324724" cy="187594"/>
           </a:xfrm>
           <a:prstGeom prst="rect">
             <a:avLst/>
           </a:prstGeom>
-          <a:ln w="190500">
-            <a:solidFill>
-              <a:schemeClr val="tx1">
-                <a:lumMod val="75000"/>
-                <a:lumOff val="25000"/>
-              </a:schemeClr>
-            </a:solidFill>
-          </a:ln>
         </p:spPr>
       </p:pic>
-      <p:sp>
-        <p:nvSpPr>
-          <p:cNvPr id="12" name="Rectangle 11">
-            <a:extLst>
-              <a:ext uri="{FF2B5EF4-FFF2-40B4-BE49-F238E27FC236}">
-                <a16:creationId xmlns:a16="http://schemas.microsoft.com/office/drawing/2014/main" id="{050E6D26-DA63-40B1-8924-4E1E2DA60ABC}"/>
-              </a:ext>
-            </a:extLst>
-          </p:cNvPr>
-          <p:cNvSpPr/>
-          <p:nvPr/>
-        </p:nvSpPr>
-        <p:spPr>
-          <a:xfrm>
-            <a:off x="4269996" y="5860062"/>
-            <a:ext cx="2738700" cy="141921"/>
-          </a:xfrm>
-          <a:prstGeom prst="rect">
-            <a:avLst/>
-          </a:prstGeom>
-          <a:solidFill>
-            <a:schemeClr val="tx1">
-              <a:lumMod val="75000"/>
-              <a:lumOff val="25000"/>
-            </a:schemeClr>
-          </a:solidFill>
-          <a:ln>
-            <a:solidFill>
-              <a:schemeClr val="tx1">
-                <a:lumMod val="75000"/>
-                <a:lumOff val="25000"/>
-              </a:schemeClr>
-            </a:solidFill>
-          </a:ln>
-        </p:spPr>
-        <p:style>
-          <a:lnRef idx="2">
-            <a:schemeClr val="accent1">
-              <a:shade val="50000"/>
-            </a:schemeClr>
-          </a:lnRef>
-          <a:fillRef idx="1">
-            <a:schemeClr val="accent1"/>
-          </a:fillRef>
-          <a:effectRef idx="0">
-            <a:schemeClr val="accent1"/>
-          </a:effectRef>
-          <a:fontRef idx="minor">
-            <a:schemeClr val="lt1"/>
-          </a:fontRef>
-        </p:style>
-        <p:txBody>
-          <a:bodyPr rtlCol="0" anchor="ctr"/>
-          <a:lstStyle/>
-          <a:p>
-            <a:pPr algn="ctr"/>
-            <a:endParaRPr lang="fr-FR"/>
-          </a:p>
-        </p:txBody>
-      </p:sp>
-      <p:sp>
-        <p:nvSpPr>
-          <p:cNvPr id="3" name="Ellipse 2">
-            <a:extLst>
-              <a:ext uri="{FF2B5EF4-FFF2-40B4-BE49-F238E27FC236}">
-                <a16:creationId xmlns:a16="http://schemas.microsoft.com/office/drawing/2014/main" id="{DCC7AF27-2EA4-4C67-A8A0-79815B9B1D65}"/>
-              </a:ext>
-            </a:extLst>
-          </p:cNvPr>
-          <p:cNvSpPr/>
-          <p:nvPr/>
-        </p:nvSpPr>
-        <p:spPr>
-          <a:xfrm>
-            <a:off x="5581822" y="5906274"/>
-            <a:ext cx="223934" cy="223936"/>
-          </a:xfrm>
-          <a:prstGeom prst="ellipse">
-            <a:avLst/>
-          </a:prstGeom>
-          <a:solidFill>
-            <a:schemeClr val="tx1">
-              <a:lumMod val="65000"/>
-              <a:lumOff val="35000"/>
-            </a:schemeClr>
-          </a:solidFill>
-          <a:ln>
-            <a:solidFill>
-              <a:schemeClr val="tx1">
-                <a:lumMod val="75000"/>
-                <a:lumOff val="25000"/>
-              </a:schemeClr>
-            </a:solidFill>
-          </a:ln>
-        </p:spPr>
-        <p:style>
-          <a:lnRef idx="2">
-            <a:schemeClr val="accent1">
-              <a:shade val="50000"/>
-            </a:schemeClr>
-          </a:lnRef>
-          <a:fillRef idx="1">
-            <a:schemeClr val="accent1"/>
-          </a:fillRef>
-          <a:effectRef idx="0">
-            <a:schemeClr val="accent1"/>
-          </a:effectRef>
-          <a:fontRef idx="minor">
-            <a:schemeClr val="lt1"/>
-          </a:fontRef>
-        </p:style>
-        <p:txBody>
-          <a:bodyPr rtlCol="0" anchor="ctr"/>
-          <a:lstStyle/>
-          <a:p>
-            <a:pPr algn="ctr"/>
-            <a:endParaRPr lang="fr-FR" dirty="0"/>
-          </a:p>
-        </p:txBody>
-      </p:sp>
-      <p:sp>
-        <p:nvSpPr>
-          <p:cNvPr id="2" name="Rectangle 1">
-            <a:extLst>
-              <a:ext uri="{FF2B5EF4-FFF2-40B4-BE49-F238E27FC236}">
-                <a16:creationId xmlns:a16="http://schemas.microsoft.com/office/drawing/2014/main" id="{BBFDC35B-7C88-4328-8BFF-DEC843BD0AEB}"/>
-              </a:ext>
-            </a:extLst>
-          </p:cNvPr>
-          <p:cNvSpPr/>
-          <p:nvPr/>
-        </p:nvSpPr>
-        <p:spPr>
-          <a:xfrm>
-            <a:off x="4269996" y="1411176"/>
-            <a:ext cx="2821481" cy="137796"/>
-          </a:xfrm>
-          <a:prstGeom prst="rect">
-            <a:avLst/>
-          </a:prstGeom>
-          <a:solidFill>
-            <a:schemeClr val="tx1">
-              <a:lumMod val="75000"/>
-              <a:lumOff val="25000"/>
-            </a:schemeClr>
-          </a:solidFill>
-          <a:ln>
-            <a:solidFill>
-              <a:schemeClr val="tx1">
-                <a:lumMod val="75000"/>
-                <a:lumOff val="25000"/>
-              </a:schemeClr>
-            </a:solidFill>
-          </a:ln>
-        </p:spPr>
-        <p:style>
-          <a:lnRef idx="2">
-            <a:schemeClr val="accent1">
-              <a:shade val="50000"/>
-            </a:schemeClr>
-          </a:lnRef>
-          <a:fillRef idx="1">
-            <a:schemeClr val="accent1"/>
-          </a:fillRef>
-          <a:effectRef idx="0">
-            <a:schemeClr val="accent1"/>
-          </a:effectRef>
-          <a:fontRef idx="minor">
-            <a:schemeClr val="lt1"/>
-          </a:fontRef>
-        </p:style>
-        <p:txBody>
-          <a:bodyPr rtlCol="0" anchor="ctr"/>
-          <a:lstStyle/>
-          <a:p>
-            <a:pPr algn="ctr"/>
-            <a:endParaRPr lang="fr-FR"/>
-          </a:p>
-        </p:txBody>
-      </p:sp>
       <p:pic>
         <p:nvPicPr>
-          <p:cNvPr id="20" name="Image 19" descr="Une image contenant dessin, signe&#10;&#10;Description générée automatiquement">
-            <a:hlinkClick r:id="rId5"/>
-            <a:extLst>
-              <a:ext uri="{FF2B5EF4-FFF2-40B4-BE49-F238E27FC236}">
-                <a16:creationId xmlns:a16="http://schemas.microsoft.com/office/drawing/2014/main" id="{46FBEC4E-9A46-4E8F-90C3-875B69536739}"/>
+          <p:cNvPr id="13" name="Image 12">
+            <a:extLst>
+              <a:ext uri="{FF2B5EF4-FFF2-40B4-BE49-F238E27FC236}">
+                <a16:creationId xmlns:a16="http://schemas.microsoft.com/office/drawing/2014/main" id="{3D57B04D-2D83-42A3-988F-B557B112CBA6}"/>
               </a:ext>
             </a:extLst>
           </p:cNvPr>
@@ -9250,7 +8687,206 @@
           <p:nvPr/>
         </p:nvPicPr>
         <p:blipFill>
-          <a:blip r:embed="rId6">
+          <a:blip r:embed="rId6"/>
+          <a:stretch>
+            <a:fillRect/>
+          </a:stretch>
+        </p:blipFill>
+        <p:spPr>
+          <a:xfrm>
+            <a:off x="2672835" y="1783118"/>
+            <a:ext cx="1851539" cy="2622019"/>
+          </a:xfrm>
+          <a:prstGeom prst="rect">
+            <a:avLst/>
+          </a:prstGeom>
+          <a:ln>
+            <a:noFill/>
+          </a:ln>
+          <a:effectLst>
+            <a:outerShdw blurRad="292100" dist="139700" dir="2700000" algn="tl" rotWithShape="0">
+              <a:srgbClr val="333333">
+                <a:alpha val="65000"/>
+              </a:srgbClr>
+            </a:outerShdw>
+          </a:effectLst>
+        </p:spPr>
+      </p:pic>
+      <p:pic>
+        <p:nvPicPr>
+          <p:cNvPr id="11" name="Image 10">
+            <a:extLst>
+              <a:ext uri="{FF2B5EF4-FFF2-40B4-BE49-F238E27FC236}">
+                <a16:creationId xmlns:a16="http://schemas.microsoft.com/office/drawing/2014/main" id="{F1F654AD-1274-4D4A-A792-70B841315262}"/>
+              </a:ext>
+            </a:extLst>
+          </p:cNvPr>
+          <p:cNvPicPr>
+            <a:picLocks noChangeAspect="1"/>
+          </p:cNvPicPr>
+          <p:nvPr/>
+        </p:nvPicPr>
+        <p:blipFill>
+          <a:blip r:embed="rId7"/>
+          <a:stretch>
+            <a:fillRect/>
+          </a:stretch>
+        </p:blipFill>
+        <p:spPr>
+          <a:xfrm>
+            <a:off x="4612565" y="1778467"/>
+            <a:ext cx="1851538" cy="2622018"/>
+          </a:xfrm>
+          <a:prstGeom prst="rect">
+            <a:avLst/>
+          </a:prstGeom>
+          <a:ln>
+            <a:noFill/>
+          </a:ln>
+          <a:effectLst>
+            <a:outerShdw blurRad="292100" dist="139700" dir="2700000" algn="tl" rotWithShape="0">
+              <a:srgbClr val="333333">
+                <a:alpha val="65000"/>
+              </a:srgbClr>
+            </a:outerShdw>
+          </a:effectLst>
+        </p:spPr>
+      </p:pic>
+      <p:sp>
+        <p:nvSpPr>
+          <p:cNvPr id="16" name="ZoneTexte 15">
+            <a:extLst>
+              <a:ext uri="{FF2B5EF4-FFF2-40B4-BE49-F238E27FC236}">
+                <a16:creationId xmlns:a16="http://schemas.microsoft.com/office/drawing/2014/main" id="{ABF6A737-D5D3-4951-9006-B317DB5B455D}"/>
+              </a:ext>
+            </a:extLst>
+          </p:cNvPr>
+          <p:cNvSpPr txBox="1"/>
+          <p:nvPr/>
+        </p:nvSpPr>
+        <p:spPr>
+          <a:xfrm>
+            <a:off x="7977930" y="1378411"/>
+            <a:ext cx="4093828" cy="307777"/>
+          </a:xfrm>
+          <a:prstGeom prst="rect">
+            <a:avLst/>
+          </a:prstGeom>
+          <a:noFill/>
+        </p:spPr>
+        <p:txBody>
+          <a:bodyPr wrap="square" rtlCol="0">
+            <a:spAutoFit/>
+          </a:bodyPr>
+          <a:lstStyle/>
+          <a:p>
+            <a:r>
+              <a:rPr lang="fr-FR" sz="1400" b="1" u="sng" dirty="0">
+                <a:solidFill>
+                  <a:srgbClr val="2D3142"/>
+                </a:solidFill>
+              </a:rPr>
+              <a:t>Utilisation des polices google fonts</a:t>
+            </a:r>
+          </a:p>
+        </p:txBody>
+      </p:sp>
+      <p:sp>
+        <p:nvSpPr>
+          <p:cNvPr id="17" name="ZoneTexte 16">
+            <a:extLst>
+              <a:ext uri="{FF2B5EF4-FFF2-40B4-BE49-F238E27FC236}">
+                <a16:creationId xmlns:a16="http://schemas.microsoft.com/office/drawing/2014/main" id="{3BF84199-FAFF-4C23-9582-F8C70F8D4977}"/>
+              </a:ext>
+            </a:extLst>
+          </p:cNvPr>
+          <p:cNvSpPr txBox="1"/>
+          <p:nvPr/>
+        </p:nvSpPr>
+        <p:spPr>
+          <a:xfrm>
+            <a:off x="659332" y="1378411"/>
+            <a:ext cx="4452910" cy="307777"/>
+          </a:xfrm>
+          <a:prstGeom prst="rect">
+            <a:avLst/>
+          </a:prstGeom>
+          <a:noFill/>
+        </p:spPr>
+        <p:txBody>
+          <a:bodyPr wrap="square" rtlCol="0">
+            <a:spAutoFit/>
+          </a:bodyPr>
+          <a:lstStyle/>
+          <a:p>
+            <a:r>
+              <a:rPr lang="fr-FR" sz="1400" b="1" u="sng" dirty="0">
+                <a:solidFill>
+                  <a:srgbClr val="2D3142"/>
+                </a:solidFill>
+              </a:rPr>
+              <a:t>Linear Gradient, zoom et opacité au survol de la souris</a:t>
+            </a:r>
+          </a:p>
+        </p:txBody>
+      </p:sp>
+      <p:pic>
+        <p:nvPicPr>
+          <p:cNvPr id="15" name="Image 14">
+            <a:extLst>
+              <a:ext uri="{FF2B5EF4-FFF2-40B4-BE49-F238E27FC236}">
+                <a16:creationId xmlns:a16="http://schemas.microsoft.com/office/drawing/2014/main" id="{2758C2DF-3693-4808-A3A2-0F6355B2CA09}"/>
+              </a:ext>
+            </a:extLst>
+          </p:cNvPr>
+          <p:cNvPicPr>
+            <a:picLocks noChangeAspect="1"/>
+          </p:cNvPicPr>
+          <p:nvPr/>
+        </p:nvPicPr>
+        <p:blipFill>
+          <a:blip r:embed="rId8"/>
+          <a:stretch>
+            <a:fillRect/>
+          </a:stretch>
+        </p:blipFill>
+        <p:spPr>
+          <a:xfrm>
+            <a:off x="8072155" y="1778467"/>
+            <a:ext cx="3281645" cy="2622018"/>
+          </a:xfrm>
+          <a:prstGeom prst="rect">
+            <a:avLst/>
+          </a:prstGeom>
+          <a:ln>
+            <a:noFill/>
+          </a:ln>
+          <a:effectLst>
+            <a:outerShdw blurRad="292100" dist="139700" dir="2700000" algn="tl" rotWithShape="0">
+              <a:srgbClr val="333333">
+                <a:alpha val="65000"/>
+              </a:srgbClr>
+            </a:outerShdw>
+          </a:effectLst>
+        </p:spPr>
+      </p:pic>
+      <p:pic>
+        <p:nvPicPr>
+          <p:cNvPr id="19" name="Image 18" descr="Une image contenant dessin, signe&#10;&#10;Description générée automatiquement">
+            <a:hlinkClick r:id="rId9"/>
+            <a:extLst>
+              <a:ext uri="{FF2B5EF4-FFF2-40B4-BE49-F238E27FC236}">
+                <a16:creationId xmlns:a16="http://schemas.microsoft.com/office/drawing/2014/main" id="{0C736204-41A1-48D3-80D2-53CBB71A739B}"/>
+              </a:ext>
+            </a:extLst>
+          </p:cNvPr>
+          <p:cNvPicPr>
+            <a:picLocks noChangeAspect="1"/>
+          </p:cNvPicPr>
+          <p:nvPr/>
+        </p:nvPicPr>
+        <p:blipFill>
+          <a:blip r:embed="rId10">
             <a:extLst>
               <a:ext uri="{28A0092B-C50C-407E-A947-70E740481C1C}">
                 <a14:useLocalDpi xmlns:a14="http://schemas.microsoft.com/office/drawing/2010/main" val="0"/>
@@ -9263,18 +8899,212 @@
         </p:blipFill>
         <p:spPr>
           <a:xfrm>
-            <a:off x="6694308" y="5672281"/>
+            <a:off x="6810200" y="2734145"/>
             <a:ext cx="915857" cy="915857"/>
           </a:xfrm>
           <a:prstGeom prst="rect">
             <a:avLst/>
           </a:prstGeom>
+        </p:spPr>
+      </p:pic>
+      <p:pic>
+        <p:nvPicPr>
+          <p:cNvPr id="18" name="Image 17">
+            <a:extLst>
+              <a:ext uri="{FF2B5EF4-FFF2-40B4-BE49-F238E27FC236}">
+                <a16:creationId xmlns:a16="http://schemas.microsoft.com/office/drawing/2014/main" id="{E523E330-2C27-49F0-A8FB-BDD23F015376}"/>
+              </a:ext>
+            </a:extLst>
+          </p:cNvPr>
+          <p:cNvPicPr>
+            <a:picLocks noChangeAspect="1"/>
+          </p:cNvPicPr>
+          <p:nvPr/>
+        </p:nvPicPr>
+        <p:blipFill>
+          <a:blip r:embed="rId11"/>
+          <a:stretch>
+            <a:fillRect/>
+          </a:stretch>
+        </p:blipFill>
+        <p:spPr>
+          <a:xfrm>
+            <a:off x="738231" y="5130328"/>
+            <a:ext cx="6677025" cy="800100"/>
+          </a:xfrm>
+          <a:prstGeom prst="rect">
+            <a:avLst/>
+          </a:prstGeom>
+          <a:ln>
+            <a:noFill/>
+          </a:ln>
+          <a:effectLst>
+            <a:outerShdw blurRad="292100" dist="139700" dir="2700000" algn="tl" rotWithShape="0">
+              <a:srgbClr val="333333">
+                <a:alpha val="65000"/>
+              </a:srgbClr>
+            </a:outerShdw>
+          </a:effectLst>
+        </p:spPr>
+      </p:pic>
+      <p:pic>
+        <p:nvPicPr>
+          <p:cNvPr id="21" name="Image 20" descr="Une image contenant miroir&#10;&#10;Description générée automatiquement">
+            <a:extLst>
+              <a:ext uri="{FF2B5EF4-FFF2-40B4-BE49-F238E27FC236}">
+                <a16:creationId xmlns:a16="http://schemas.microsoft.com/office/drawing/2014/main" id="{D8FA14AF-5125-4E6C-95D7-F559E9CA8AFD}"/>
+              </a:ext>
+            </a:extLst>
+          </p:cNvPr>
+          <p:cNvPicPr>
+            <a:picLocks noChangeAspect="1"/>
+          </p:cNvPicPr>
+          <p:nvPr/>
+        </p:nvPicPr>
+        <p:blipFill>
+          <a:blip r:embed="rId5">
+            <a:extLst>
+              <a:ext uri="{28A0092B-C50C-407E-A947-70E740481C1C}">
+                <a14:useLocalDpi xmlns:a14="http://schemas.microsoft.com/office/drawing/2010/main" val="0"/>
+              </a:ext>
+            </a:extLst>
+          </a:blip>
+          <a:stretch>
+            <a:fillRect/>
+          </a:stretch>
+        </p:blipFill>
+        <p:spPr>
+          <a:xfrm>
+            <a:off x="4612565" y="5631787"/>
+            <a:ext cx="380361" cy="219736"/>
+          </a:xfrm>
+          <a:prstGeom prst="rect">
+            <a:avLst/>
+          </a:prstGeom>
+        </p:spPr>
+      </p:pic>
+      <p:sp>
+        <p:nvSpPr>
+          <p:cNvPr id="23" name="ZoneTexte 22">
+            <a:extLst>
+              <a:ext uri="{FF2B5EF4-FFF2-40B4-BE49-F238E27FC236}">
+                <a16:creationId xmlns:a16="http://schemas.microsoft.com/office/drawing/2014/main" id="{FE1F9FAE-70D7-4021-858A-A8D8A46D6EA7}"/>
+              </a:ext>
+            </a:extLst>
+          </p:cNvPr>
+          <p:cNvSpPr txBox="1"/>
+          <p:nvPr/>
+        </p:nvSpPr>
+        <p:spPr>
+          <a:xfrm>
+            <a:off x="659332" y="4813903"/>
+            <a:ext cx="4452910" cy="307777"/>
+          </a:xfrm>
+          <a:prstGeom prst="rect">
+            <a:avLst/>
+          </a:prstGeom>
+          <a:noFill/>
+        </p:spPr>
+        <p:txBody>
+          <a:bodyPr wrap="square" rtlCol="0">
+            <a:spAutoFit/>
+          </a:bodyPr>
+          <a:lstStyle/>
+          <a:p>
+            <a:r>
+              <a:rPr lang="fr-FR" sz="1400" b="1" u="sng" dirty="0">
+                <a:solidFill>
+                  <a:srgbClr val="2D3142"/>
+                </a:solidFill>
+              </a:rPr>
+              <a:t>Soulignement au survol de la souris</a:t>
+            </a:r>
+          </a:p>
+        </p:txBody>
+      </p:sp>
+      <p:sp>
+        <p:nvSpPr>
+          <p:cNvPr id="25" name="ZoneTexte 24">
+            <a:extLst>
+              <a:ext uri="{FF2B5EF4-FFF2-40B4-BE49-F238E27FC236}">
+                <a16:creationId xmlns:a16="http://schemas.microsoft.com/office/drawing/2014/main" id="{24DB8E4F-56B2-4399-BB1E-D965B422D023}"/>
+              </a:ext>
+            </a:extLst>
+          </p:cNvPr>
+          <p:cNvSpPr txBox="1"/>
+          <p:nvPr/>
+        </p:nvSpPr>
+        <p:spPr>
+          <a:xfrm>
+            <a:off x="7977930" y="4819125"/>
+            <a:ext cx="4093828" cy="307777"/>
+          </a:xfrm>
+          <a:prstGeom prst="rect">
+            <a:avLst/>
+          </a:prstGeom>
+          <a:noFill/>
+        </p:spPr>
+        <p:txBody>
+          <a:bodyPr wrap="square" rtlCol="0">
+            <a:spAutoFit/>
+          </a:bodyPr>
+          <a:lstStyle/>
+          <a:p>
+            <a:r>
+              <a:rPr lang="fr-FR" sz="1400" b="1" u="sng" dirty="0">
+                <a:solidFill>
+                  <a:srgbClr val="2D3142"/>
+                </a:solidFill>
+              </a:rPr>
+              <a:t>Autres animations : wiggle &amp; dots</a:t>
+            </a:r>
+          </a:p>
+        </p:txBody>
+      </p:sp>
+      <p:pic>
+        <p:nvPicPr>
+          <p:cNvPr id="27" name="Image 26">
+            <a:extLst>
+              <a:ext uri="{FF2B5EF4-FFF2-40B4-BE49-F238E27FC236}">
+                <a16:creationId xmlns:a16="http://schemas.microsoft.com/office/drawing/2014/main" id="{D8E5B81E-7250-4742-B985-A597DAC87173}"/>
+              </a:ext>
+            </a:extLst>
+          </p:cNvPr>
+          <p:cNvPicPr>
+            <a:picLocks noChangeAspect="1"/>
+          </p:cNvPicPr>
+          <p:nvPr/>
+        </p:nvPicPr>
+        <p:blipFill>
+          <a:blip r:embed="rId12"/>
+          <a:stretch>
+            <a:fillRect/>
+          </a:stretch>
+        </p:blipFill>
+        <p:spPr>
+          <a:xfrm>
+            <a:off x="8072155" y="5130328"/>
+            <a:ext cx="3281645" cy="800100"/>
+          </a:xfrm>
+          <a:prstGeom prst="rect">
+            <a:avLst/>
+          </a:prstGeom>
+          <a:ln>
+            <a:noFill/>
+          </a:ln>
+          <a:effectLst>
+            <a:outerShdw blurRad="292100" dist="139700" dir="2700000" algn="tl" rotWithShape="0">
+              <a:srgbClr val="333333">
+                <a:alpha val="65000"/>
+              </a:srgbClr>
+            </a:outerShdw>
+          </a:effectLst>
         </p:spPr>
       </p:pic>
     </p:spTree>
     <p:extLst>
       <p:ext uri="{BB962C8B-B14F-4D97-AF65-F5344CB8AC3E}">
-        <p14:creationId xmlns:p14="http://schemas.microsoft.com/office/powerpoint/2010/main" val="537032516"/>
+        <p14:creationId xmlns:p14="http://schemas.microsoft.com/office/powerpoint/2010/main" val="1297712369"/>
       </p:ext>
     </p:extLst>
   </p:cSld>
@@ -9303,10 +9133,10 @@
       </p:grpSpPr>
       <p:pic>
         <p:nvPicPr>
-          <p:cNvPr id="14" name="Image 13">
-            <a:extLst>
-              <a:ext uri="{FF2B5EF4-FFF2-40B4-BE49-F238E27FC236}">
-                <a16:creationId xmlns:a16="http://schemas.microsoft.com/office/drawing/2014/main" id="{7B7B0955-2751-4AD4-8913-513F2B92DB42}"/>
+          <p:cNvPr id="2" name="Image 1">
+            <a:extLst>
+              <a:ext uri="{FF2B5EF4-FFF2-40B4-BE49-F238E27FC236}">
+                <a16:creationId xmlns:a16="http://schemas.microsoft.com/office/drawing/2014/main" id="{236E2BD7-E428-4E05-9791-BE536648D0FB}"/>
               </a:ext>
             </a:extLst>
           </p:cNvPr>
@@ -9323,21 +9153,24 @@
         </p:blipFill>
         <p:spPr>
           <a:xfrm>
-            <a:off x="738231" y="1778467"/>
-            <a:ext cx="1846413" cy="2626671"/>
-          </a:xfrm>
-          <a:prstGeom prst="rect">
-            <a:avLst/>
-          </a:prstGeom>
+            <a:off x="3242186" y="3437825"/>
+            <a:ext cx="5616588" cy="951831"/>
+          </a:xfrm>
+          <a:prstGeom prst="roundRect">
+            <a:avLst>
+              <a:gd name="adj" fmla="val 8594"/>
+            </a:avLst>
+          </a:prstGeom>
+          <a:solidFill>
+            <a:srgbClr val="FFFFFF">
+              <a:shade val="85000"/>
+            </a:srgbClr>
+          </a:solidFill>
           <a:ln>
             <a:noFill/>
           </a:ln>
           <a:effectLst>
-            <a:outerShdw blurRad="292100" dist="139700" dir="2700000" algn="tl" rotWithShape="0">
-              <a:srgbClr val="333333">
-                <a:alpha val="65000"/>
-              </a:srgbClr>
-            </a:outerShdw>
+            <a:reflection blurRad="12700" stA="38000" endPos="28000" dist="5000" dir="5400000" sy="-100000" algn="bl" rotWithShape="0"/>
           </a:effectLst>
         </p:spPr>
       </p:pic>
@@ -9402,7 +9235,7 @@
               <a:rPr lang="fr-FR" smtClean="0"/>
               <a:t>7</a:t>
             </a:fld>
-            <a:endParaRPr lang="fr-FR" dirty="0"/>
+            <a:endParaRPr lang="fr-FR"/>
           </a:p>
         </p:txBody>
       </p:sp>
@@ -9459,7 +9292,7 @@
             </a:r>
             <a:r>
               <a:rPr lang="fr-FR" sz="3200" b="1" dirty="0"/>
-              <a:t>Polices, animations et dégradés</a:t>
+              <a:t>Référencement</a:t>
             </a:r>
             <a:endParaRPr lang="fr-FR" b="1" dirty="0"/>
           </a:p>
@@ -9571,12 +9404,185 @@
           </a:p>
         </p:txBody>
       </p:sp>
+      <p:sp>
+        <p:nvSpPr>
+          <p:cNvPr id="9" name="ZoneTexte 8">
+            <a:extLst>
+              <a:ext uri="{FF2B5EF4-FFF2-40B4-BE49-F238E27FC236}">
+                <a16:creationId xmlns:a16="http://schemas.microsoft.com/office/drawing/2014/main" id="{A8CB0AD6-70A3-48CA-8EEF-118C92C1A336}"/>
+              </a:ext>
+            </a:extLst>
+          </p:cNvPr>
+          <p:cNvSpPr txBox="1"/>
+          <p:nvPr/>
+        </p:nvSpPr>
+        <p:spPr>
+          <a:xfrm>
+            <a:off x="4021340" y="2624332"/>
+            <a:ext cx="5724525" cy="646331"/>
+          </a:xfrm>
+          <a:prstGeom prst="rect">
+            <a:avLst/>
+          </a:prstGeom>
+          <a:noFill/>
+        </p:spPr>
+        <p:txBody>
+          <a:bodyPr wrap="square" rtlCol="0">
+            <a:spAutoFit/>
+          </a:bodyPr>
+          <a:lstStyle/>
+          <a:p>
+            <a:pPr algn="ctr"/>
+            <a:r>
+              <a:rPr lang="fr-FR" sz="3600" b="1" dirty="0">
+                <a:solidFill>
+                  <a:schemeClr val="tx1">
+                    <a:lumMod val="75000"/>
+                    <a:lumOff val="25000"/>
+                  </a:schemeClr>
+                </a:solidFill>
+              </a:rPr>
+              <a:t>&lt;strong&gt;…&lt;/strong&gt;</a:t>
+            </a:r>
+          </a:p>
+        </p:txBody>
+      </p:sp>
+      <p:sp>
+        <p:nvSpPr>
+          <p:cNvPr id="13" name="ZoneTexte 12">
+            <a:extLst>
+              <a:ext uri="{FF2B5EF4-FFF2-40B4-BE49-F238E27FC236}">
+                <a16:creationId xmlns:a16="http://schemas.microsoft.com/office/drawing/2014/main" id="{ABC42322-46EA-4F2B-9BCF-280A44B48B2D}"/>
+              </a:ext>
+            </a:extLst>
+          </p:cNvPr>
+          <p:cNvSpPr txBox="1"/>
+          <p:nvPr/>
+        </p:nvSpPr>
+        <p:spPr>
+          <a:xfrm>
+            <a:off x="2629947" y="1939136"/>
+            <a:ext cx="5724525" cy="646331"/>
+          </a:xfrm>
+          <a:prstGeom prst="rect">
+            <a:avLst/>
+          </a:prstGeom>
+          <a:noFill/>
+        </p:spPr>
+        <p:txBody>
+          <a:bodyPr wrap="square" rtlCol="0">
+            <a:spAutoFit/>
+          </a:bodyPr>
+          <a:lstStyle/>
+          <a:p>
+            <a:pPr algn="ctr"/>
+            <a:r>
+              <a:rPr lang="fr-FR" sz="3600" b="1" dirty="0">
+                <a:solidFill>
+                  <a:schemeClr val="tx1">
+                    <a:lumMod val="75000"/>
+                    <a:lumOff val="25000"/>
+                  </a:schemeClr>
+                </a:solidFill>
+              </a:rPr>
+              <a:t>&lt;h1&gt;…&lt;/h1&gt;</a:t>
+            </a:r>
+          </a:p>
+        </p:txBody>
+      </p:sp>
+      <p:sp>
+        <p:nvSpPr>
+          <p:cNvPr id="14" name="ZoneTexte 13">
+            <a:extLst>
+              <a:ext uri="{FF2B5EF4-FFF2-40B4-BE49-F238E27FC236}">
+                <a16:creationId xmlns:a16="http://schemas.microsoft.com/office/drawing/2014/main" id="{A7D37D44-F18D-4B68-BC0E-0205FB5E5314}"/>
+              </a:ext>
+            </a:extLst>
+          </p:cNvPr>
+          <p:cNvSpPr txBox="1"/>
+          <p:nvPr/>
+        </p:nvSpPr>
+        <p:spPr>
+          <a:xfrm>
+            <a:off x="1596656" y="4566434"/>
+            <a:ext cx="5724525" cy="646331"/>
+          </a:xfrm>
+          <a:prstGeom prst="rect">
+            <a:avLst/>
+          </a:prstGeom>
+          <a:noFill/>
+        </p:spPr>
+        <p:txBody>
+          <a:bodyPr wrap="square" rtlCol="0">
+            <a:spAutoFit/>
+          </a:bodyPr>
+          <a:lstStyle/>
+          <a:p>
+            <a:pPr algn="ctr"/>
+            <a:r>
+              <a:rPr lang="fr-FR" sz="3600" b="1" dirty="0">
+                <a:solidFill>
+                  <a:schemeClr val="tx1">
+                    <a:lumMod val="75000"/>
+                    <a:lumOff val="25000"/>
+                  </a:schemeClr>
+                </a:solidFill>
+              </a:rPr>
+              <a:t>&lt;h2&gt;…&lt;/h2&gt;</a:t>
+            </a:r>
+          </a:p>
+        </p:txBody>
+      </p:sp>
+      <p:sp>
+        <p:nvSpPr>
+          <p:cNvPr id="12" name="ZoneTexte 11">
+            <a:extLst>
+              <a:ext uri="{FF2B5EF4-FFF2-40B4-BE49-F238E27FC236}">
+                <a16:creationId xmlns:a16="http://schemas.microsoft.com/office/drawing/2014/main" id="{9AD5777F-1FE5-48D6-A649-B43A8B1D2FD8}"/>
+              </a:ext>
+            </a:extLst>
+          </p:cNvPr>
+          <p:cNvSpPr txBox="1"/>
+          <p:nvPr/>
+        </p:nvSpPr>
+        <p:spPr>
+          <a:xfrm>
+            <a:off x="1075188" y="1310683"/>
+            <a:ext cx="5724525" cy="646331"/>
+          </a:xfrm>
+          <a:prstGeom prst="rect">
+            <a:avLst/>
+          </a:prstGeom>
+          <a:noFill/>
+        </p:spPr>
+        <p:txBody>
+          <a:bodyPr wrap="square" rtlCol="0">
+            <a:spAutoFit/>
+          </a:bodyPr>
+          <a:lstStyle/>
+          <a:p>
+            <a:pPr algn="ctr"/>
+            <a:r>
+              <a:rPr lang="fr-FR" sz="3600" b="1" dirty="0">
+                <a:solidFill>
+                  <a:schemeClr val="tx1">
+                    <a:lumMod val="75000"/>
+                    <a:lumOff val="25000"/>
+                  </a:schemeClr>
+                </a:solidFill>
+              </a:rPr>
+              <a:t>&lt;meta&gt;</a:t>
+            </a:r>
+          </a:p>
+        </p:txBody>
+      </p:sp>
       <p:pic>
         <p:nvPicPr>
-          <p:cNvPr id="5" name="Image 4" descr="Une image contenant miroir&#10;&#10;Description générée automatiquement">
-            <a:extLst>
-              <a:ext uri="{FF2B5EF4-FFF2-40B4-BE49-F238E27FC236}">
-                <a16:creationId xmlns:a16="http://schemas.microsoft.com/office/drawing/2014/main" id="{88F53C94-A164-439E-BAD3-41C17F4B7870}"/>
+          <p:cNvPr id="15" name="Image 14" descr="Une image contenant dessin, signe&#10;&#10;Description générée automatiquement">
+            <a:hlinkClick r:id="rId5"/>
+            <a:extLst>
+              <a:ext uri="{FF2B5EF4-FFF2-40B4-BE49-F238E27FC236}">
+                <a16:creationId xmlns:a16="http://schemas.microsoft.com/office/drawing/2014/main" id="{D2DE5B8E-1229-444C-89F2-6756798984D9}"/>
               </a:ext>
             </a:extLst>
           </p:cNvPr>
@@ -9586,7 +9592,7 @@
           <p:nvPr/>
         </p:nvPicPr>
         <p:blipFill>
-          <a:blip r:embed="rId5">
+          <a:blip r:embed="rId6">
             <a:extLst>
               <a:ext uri="{28A0092B-C50C-407E-A947-70E740481C1C}">
                 <a14:useLocalDpi xmlns:a14="http://schemas.microsoft.com/office/drawing/2010/main" val="0"/>
@@ -9599,447 +9605,18 @@
         </p:blipFill>
         <p:spPr>
           <a:xfrm>
-            <a:off x="1514152" y="3472292"/>
-            <a:ext cx="324724" cy="187594"/>
+            <a:off x="3242186" y="2219073"/>
+            <a:ext cx="915857" cy="915857"/>
           </a:xfrm>
           <a:prstGeom prst="rect">
             <a:avLst/>
           </a:prstGeom>
-        </p:spPr>
-      </p:pic>
-      <p:pic>
-        <p:nvPicPr>
-          <p:cNvPr id="13" name="Image 12">
-            <a:extLst>
-              <a:ext uri="{FF2B5EF4-FFF2-40B4-BE49-F238E27FC236}">
-                <a16:creationId xmlns:a16="http://schemas.microsoft.com/office/drawing/2014/main" id="{3D57B04D-2D83-42A3-988F-B557B112CBA6}"/>
-              </a:ext>
-            </a:extLst>
-          </p:cNvPr>
-          <p:cNvPicPr>
-            <a:picLocks noChangeAspect="1"/>
-          </p:cNvPicPr>
-          <p:nvPr/>
-        </p:nvPicPr>
-        <p:blipFill>
-          <a:blip r:embed="rId6"/>
-          <a:stretch>
-            <a:fillRect/>
-          </a:stretch>
-        </p:blipFill>
-        <p:spPr>
-          <a:xfrm>
-            <a:off x="2672835" y="1783118"/>
-            <a:ext cx="1851539" cy="2622019"/>
-          </a:xfrm>
-          <a:prstGeom prst="rect">
-            <a:avLst/>
-          </a:prstGeom>
-          <a:ln>
-            <a:noFill/>
-          </a:ln>
-          <a:effectLst>
-            <a:outerShdw blurRad="292100" dist="139700" dir="2700000" algn="tl" rotWithShape="0">
-              <a:srgbClr val="333333">
-                <a:alpha val="65000"/>
-              </a:srgbClr>
-            </a:outerShdw>
-          </a:effectLst>
-        </p:spPr>
-      </p:pic>
-      <p:pic>
-        <p:nvPicPr>
-          <p:cNvPr id="11" name="Image 10">
-            <a:extLst>
-              <a:ext uri="{FF2B5EF4-FFF2-40B4-BE49-F238E27FC236}">
-                <a16:creationId xmlns:a16="http://schemas.microsoft.com/office/drawing/2014/main" id="{F1F654AD-1274-4D4A-A792-70B841315262}"/>
-              </a:ext>
-            </a:extLst>
-          </p:cNvPr>
-          <p:cNvPicPr>
-            <a:picLocks noChangeAspect="1"/>
-          </p:cNvPicPr>
-          <p:nvPr/>
-        </p:nvPicPr>
-        <p:blipFill>
-          <a:blip r:embed="rId7"/>
-          <a:stretch>
-            <a:fillRect/>
-          </a:stretch>
-        </p:blipFill>
-        <p:spPr>
-          <a:xfrm>
-            <a:off x="4612565" y="1778467"/>
-            <a:ext cx="1851538" cy="2622018"/>
-          </a:xfrm>
-          <a:prstGeom prst="rect">
-            <a:avLst/>
-          </a:prstGeom>
-          <a:ln>
-            <a:noFill/>
-          </a:ln>
-          <a:effectLst>
-            <a:outerShdw blurRad="292100" dist="139700" dir="2700000" algn="tl" rotWithShape="0">
-              <a:srgbClr val="333333">
-                <a:alpha val="65000"/>
-              </a:srgbClr>
-            </a:outerShdw>
-          </a:effectLst>
-        </p:spPr>
-      </p:pic>
-      <p:sp>
-        <p:nvSpPr>
-          <p:cNvPr id="16" name="ZoneTexte 15">
-            <a:extLst>
-              <a:ext uri="{FF2B5EF4-FFF2-40B4-BE49-F238E27FC236}">
-                <a16:creationId xmlns:a16="http://schemas.microsoft.com/office/drawing/2014/main" id="{ABF6A737-D5D3-4951-9006-B317DB5B455D}"/>
-              </a:ext>
-            </a:extLst>
-          </p:cNvPr>
-          <p:cNvSpPr txBox="1"/>
-          <p:nvPr/>
-        </p:nvSpPr>
-        <p:spPr>
-          <a:xfrm>
-            <a:off x="7977930" y="1378411"/>
-            <a:ext cx="4093828" cy="307777"/>
-          </a:xfrm>
-          <a:prstGeom prst="rect">
-            <a:avLst/>
-          </a:prstGeom>
-          <a:noFill/>
-        </p:spPr>
-        <p:txBody>
-          <a:bodyPr wrap="square" rtlCol="0">
-            <a:spAutoFit/>
-          </a:bodyPr>
-          <a:lstStyle/>
-          <a:p>
-            <a:r>
-              <a:rPr lang="fr-FR" sz="1400" b="1" u="sng" dirty="0">
-                <a:solidFill>
-                  <a:srgbClr val="2D3142"/>
-                </a:solidFill>
-              </a:rPr>
-              <a:t>Utilisation des polices google fonts</a:t>
-            </a:r>
-          </a:p>
-        </p:txBody>
-      </p:sp>
-      <p:sp>
-        <p:nvSpPr>
-          <p:cNvPr id="17" name="ZoneTexte 16">
-            <a:extLst>
-              <a:ext uri="{FF2B5EF4-FFF2-40B4-BE49-F238E27FC236}">
-                <a16:creationId xmlns:a16="http://schemas.microsoft.com/office/drawing/2014/main" id="{3BF84199-FAFF-4C23-9582-F8C70F8D4977}"/>
-              </a:ext>
-            </a:extLst>
-          </p:cNvPr>
-          <p:cNvSpPr txBox="1"/>
-          <p:nvPr/>
-        </p:nvSpPr>
-        <p:spPr>
-          <a:xfrm>
-            <a:off x="659332" y="1378411"/>
-            <a:ext cx="4452910" cy="307777"/>
-          </a:xfrm>
-          <a:prstGeom prst="rect">
-            <a:avLst/>
-          </a:prstGeom>
-          <a:noFill/>
-        </p:spPr>
-        <p:txBody>
-          <a:bodyPr wrap="square" rtlCol="0">
-            <a:spAutoFit/>
-          </a:bodyPr>
-          <a:lstStyle/>
-          <a:p>
-            <a:r>
-              <a:rPr lang="fr-FR" sz="1400" b="1" u="sng" dirty="0">
-                <a:solidFill>
-                  <a:srgbClr val="2D3142"/>
-                </a:solidFill>
-              </a:rPr>
-              <a:t>Linear Gradient, zoom et opacité au survol de la souris</a:t>
-            </a:r>
-          </a:p>
-        </p:txBody>
-      </p:sp>
-      <p:pic>
-        <p:nvPicPr>
-          <p:cNvPr id="15" name="Image 14">
-            <a:extLst>
-              <a:ext uri="{FF2B5EF4-FFF2-40B4-BE49-F238E27FC236}">
-                <a16:creationId xmlns:a16="http://schemas.microsoft.com/office/drawing/2014/main" id="{2758C2DF-3693-4808-A3A2-0F6355B2CA09}"/>
-              </a:ext>
-            </a:extLst>
-          </p:cNvPr>
-          <p:cNvPicPr>
-            <a:picLocks noChangeAspect="1"/>
-          </p:cNvPicPr>
-          <p:nvPr/>
-        </p:nvPicPr>
-        <p:blipFill>
-          <a:blip r:embed="rId8"/>
-          <a:stretch>
-            <a:fillRect/>
-          </a:stretch>
-        </p:blipFill>
-        <p:spPr>
-          <a:xfrm>
-            <a:off x="8072155" y="1778467"/>
-            <a:ext cx="3281645" cy="2622018"/>
-          </a:xfrm>
-          <a:prstGeom prst="rect">
-            <a:avLst/>
-          </a:prstGeom>
-          <a:ln>
-            <a:noFill/>
-          </a:ln>
-          <a:effectLst>
-            <a:outerShdw blurRad="292100" dist="139700" dir="2700000" algn="tl" rotWithShape="0">
-              <a:srgbClr val="333333">
-                <a:alpha val="65000"/>
-              </a:srgbClr>
-            </a:outerShdw>
-          </a:effectLst>
-        </p:spPr>
-      </p:pic>
-      <p:pic>
-        <p:nvPicPr>
-          <p:cNvPr id="19" name="Image 18" descr="Une image contenant dessin, signe&#10;&#10;Description générée automatiquement">
-            <a:hlinkClick r:id="rId9"/>
-            <a:extLst>
-              <a:ext uri="{FF2B5EF4-FFF2-40B4-BE49-F238E27FC236}">
-                <a16:creationId xmlns:a16="http://schemas.microsoft.com/office/drawing/2014/main" id="{0C736204-41A1-48D3-80D2-53CBB71A739B}"/>
-              </a:ext>
-            </a:extLst>
-          </p:cNvPr>
-          <p:cNvPicPr>
-            <a:picLocks noChangeAspect="1"/>
-          </p:cNvPicPr>
-          <p:nvPr/>
-        </p:nvPicPr>
-        <p:blipFill>
-          <a:blip r:embed="rId10">
-            <a:extLst>
-              <a:ext uri="{28A0092B-C50C-407E-A947-70E740481C1C}">
-                <a14:useLocalDpi xmlns:a14="http://schemas.microsoft.com/office/drawing/2010/main" val="0"/>
-              </a:ext>
-            </a:extLst>
-          </a:blip>
-          <a:stretch>
-            <a:fillRect/>
-          </a:stretch>
-        </p:blipFill>
-        <p:spPr>
-          <a:xfrm>
-            <a:off x="6810200" y="2734145"/>
-            <a:ext cx="915857" cy="915857"/>
-          </a:xfrm>
-          <a:prstGeom prst="rect">
-            <a:avLst/>
-          </a:prstGeom>
-        </p:spPr>
-      </p:pic>
-      <p:pic>
-        <p:nvPicPr>
-          <p:cNvPr id="18" name="Image 17">
-            <a:extLst>
-              <a:ext uri="{FF2B5EF4-FFF2-40B4-BE49-F238E27FC236}">
-                <a16:creationId xmlns:a16="http://schemas.microsoft.com/office/drawing/2014/main" id="{E523E330-2C27-49F0-A8FB-BDD23F015376}"/>
-              </a:ext>
-            </a:extLst>
-          </p:cNvPr>
-          <p:cNvPicPr>
-            <a:picLocks noChangeAspect="1"/>
-          </p:cNvPicPr>
-          <p:nvPr/>
-        </p:nvPicPr>
-        <p:blipFill>
-          <a:blip r:embed="rId11"/>
-          <a:stretch>
-            <a:fillRect/>
-          </a:stretch>
-        </p:blipFill>
-        <p:spPr>
-          <a:xfrm>
-            <a:off x="738231" y="5130328"/>
-            <a:ext cx="6677025" cy="800100"/>
-          </a:xfrm>
-          <a:prstGeom prst="rect">
-            <a:avLst/>
-          </a:prstGeom>
-          <a:ln>
-            <a:noFill/>
-          </a:ln>
-          <a:effectLst>
-            <a:outerShdw blurRad="292100" dist="139700" dir="2700000" algn="tl" rotWithShape="0">
-              <a:srgbClr val="333333">
-                <a:alpha val="65000"/>
-              </a:srgbClr>
-            </a:outerShdw>
-          </a:effectLst>
-        </p:spPr>
-      </p:pic>
-      <p:pic>
-        <p:nvPicPr>
-          <p:cNvPr id="21" name="Image 20" descr="Une image contenant miroir&#10;&#10;Description générée automatiquement">
-            <a:extLst>
-              <a:ext uri="{FF2B5EF4-FFF2-40B4-BE49-F238E27FC236}">
-                <a16:creationId xmlns:a16="http://schemas.microsoft.com/office/drawing/2014/main" id="{D8FA14AF-5125-4E6C-95D7-F559E9CA8AFD}"/>
-              </a:ext>
-            </a:extLst>
-          </p:cNvPr>
-          <p:cNvPicPr>
-            <a:picLocks noChangeAspect="1"/>
-          </p:cNvPicPr>
-          <p:nvPr/>
-        </p:nvPicPr>
-        <p:blipFill>
-          <a:blip r:embed="rId5">
-            <a:extLst>
-              <a:ext uri="{28A0092B-C50C-407E-A947-70E740481C1C}">
-                <a14:useLocalDpi xmlns:a14="http://schemas.microsoft.com/office/drawing/2010/main" val="0"/>
-              </a:ext>
-            </a:extLst>
-          </a:blip>
-          <a:stretch>
-            <a:fillRect/>
-          </a:stretch>
-        </p:blipFill>
-        <p:spPr>
-          <a:xfrm>
-            <a:off x="4612565" y="5631787"/>
-            <a:ext cx="380361" cy="219736"/>
-          </a:xfrm>
-          <a:prstGeom prst="rect">
-            <a:avLst/>
-          </a:prstGeom>
-        </p:spPr>
-      </p:pic>
-      <p:sp>
-        <p:nvSpPr>
-          <p:cNvPr id="23" name="ZoneTexte 22">
-            <a:extLst>
-              <a:ext uri="{FF2B5EF4-FFF2-40B4-BE49-F238E27FC236}">
-                <a16:creationId xmlns:a16="http://schemas.microsoft.com/office/drawing/2014/main" id="{FE1F9FAE-70D7-4021-858A-A8D8A46D6EA7}"/>
-              </a:ext>
-            </a:extLst>
-          </p:cNvPr>
-          <p:cNvSpPr txBox="1"/>
-          <p:nvPr/>
-        </p:nvSpPr>
-        <p:spPr>
-          <a:xfrm>
-            <a:off x="659332" y="4813903"/>
-            <a:ext cx="4452910" cy="307777"/>
-          </a:xfrm>
-          <a:prstGeom prst="rect">
-            <a:avLst/>
-          </a:prstGeom>
-          <a:noFill/>
-        </p:spPr>
-        <p:txBody>
-          <a:bodyPr wrap="square" rtlCol="0">
-            <a:spAutoFit/>
-          </a:bodyPr>
-          <a:lstStyle/>
-          <a:p>
-            <a:r>
-              <a:rPr lang="fr-FR" sz="1400" b="1" u="sng" dirty="0">
-                <a:solidFill>
-                  <a:srgbClr val="2D3142"/>
-                </a:solidFill>
-              </a:rPr>
-              <a:t>Soulignement au survol de la souris</a:t>
-            </a:r>
-          </a:p>
-        </p:txBody>
-      </p:sp>
-      <p:sp>
-        <p:nvSpPr>
-          <p:cNvPr id="25" name="ZoneTexte 24">
-            <a:extLst>
-              <a:ext uri="{FF2B5EF4-FFF2-40B4-BE49-F238E27FC236}">
-                <a16:creationId xmlns:a16="http://schemas.microsoft.com/office/drawing/2014/main" id="{24DB8E4F-56B2-4399-BB1E-D965B422D023}"/>
-              </a:ext>
-            </a:extLst>
-          </p:cNvPr>
-          <p:cNvSpPr txBox="1"/>
-          <p:nvPr/>
-        </p:nvSpPr>
-        <p:spPr>
-          <a:xfrm>
-            <a:off x="7977930" y="4819125"/>
-            <a:ext cx="4093828" cy="307777"/>
-          </a:xfrm>
-          <a:prstGeom prst="rect">
-            <a:avLst/>
-          </a:prstGeom>
-          <a:noFill/>
-        </p:spPr>
-        <p:txBody>
-          <a:bodyPr wrap="square" rtlCol="0">
-            <a:spAutoFit/>
-          </a:bodyPr>
-          <a:lstStyle/>
-          <a:p>
-            <a:r>
-              <a:rPr lang="fr-FR" sz="1400" b="1" u="sng" dirty="0">
-                <a:solidFill>
-                  <a:srgbClr val="2D3142"/>
-                </a:solidFill>
-              </a:rPr>
-              <a:t>Autres animations : wiggle &amp; dots</a:t>
-            </a:r>
-          </a:p>
-        </p:txBody>
-      </p:sp>
-      <p:pic>
-        <p:nvPicPr>
-          <p:cNvPr id="27" name="Image 26">
-            <a:extLst>
-              <a:ext uri="{FF2B5EF4-FFF2-40B4-BE49-F238E27FC236}">
-                <a16:creationId xmlns:a16="http://schemas.microsoft.com/office/drawing/2014/main" id="{D8E5B81E-7250-4742-B985-A597DAC87173}"/>
-              </a:ext>
-            </a:extLst>
-          </p:cNvPr>
-          <p:cNvPicPr>
-            <a:picLocks noChangeAspect="1"/>
-          </p:cNvPicPr>
-          <p:nvPr/>
-        </p:nvPicPr>
-        <p:blipFill>
-          <a:blip r:embed="rId12"/>
-          <a:stretch>
-            <a:fillRect/>
-          </a:stretch>
-        </p:blipFill>
-        <p:spPr>
-          <a:xfrm>
-            <a:off x="8072155" y="5130328"/>
-            <a:ext cx="3281645" cy="800100"/>
-          </a:xfrm>
-          <a:prstGeom prst="rect">
-            <a:avLst/>
-          </a:prstGeom>
-          <a:ln>
-            <a:noFill/>
-          </a:ln>
-          <a:effectLst>
-            <a:outerShdw blurRad="292100" dist="139700" dir="2700000" algn="tl" rotWithShape="0">
-              <a:srgbClr val="333333">
-                <a:alpha val="65000"/>
-              </a:srgbClr>
-            </a:outerShdw>
-          </a:effectLst>
         </p:spPr>
       </p:pic>
     </p:spTree>
     <p:extLst>
       <p:ext uri="{BB962C8B-B14F-4D97-AF65-F5344CB8AC3E}">
-        <p14:creationId xmlns:p14="http://schemas.microsoft.com/office/powerpoint/2010/main" val="1297712369"/>
+        <p14:creationId xmlns:p14="http://schemas.microsoft.com/office/powerpoint/2010/main" val="1404225248"/>
       </p:ext>
     </p:extLst>
   </p:cSld>
@@ -10068,10 +9645,10 @@
       </p:grpSpPr>
       <p:pic>
         <p:nvPicPr>
-          <p:cNvPr id="2" name="Image 1">
-            <a:extLst>
-              <a:ext uri="{FF2B5EF4-FFF2-40B4-BE49-F238E27FC236}">
-                <a16:creationId xmlns:a16="http://schemas.microsoft.com/office/drawing/2014/main" id="{236E2BD7-E428-4E05-9791-BE536648D0FB}"/>
+          <p:cNvPr id="6" name="Image 5">
+            <a:extLst>
+              <a:ext uri="{FF2B5EF4-FFF2-40B4-BE49-F238E27FC236}">
+                <a16:creationId xmlns:a16="http://schemas.microsoft.com/office/drawing/2014/main" id="{3AA74EE9-4C10-4F2F-866B-5957AC828613}"/>
               </a:ext>
             </a:extLst>
           </p:cNvPr>
@@ -10081,50 +9658,7 @@
           <p:nvPr/>
         </p:nvPicPr>
         <p:blipFill>
-          <a:blip r:embed="rId2"/>
-          <a:stretch>
-            <a:fillRect/>
-          </a:stretch>
-        </p:blipFill>
-        <p:spPr>
-          <a:xfrm>
-            <a:off x="3242186" y="3437825"/>
-            <a:ext cx="5616588" cy="951831"/>
-          </a:xfrm>
-          <a:prstGeom prst="roundRect">
-            <a:avLst>
-              <a:gd name="adj" fmla="val 8594"/>
-            </a:avLst>
-          </a:prstGeom>
-          <a:solidFill>
-            <a:srgbClr val="FFFFFF">
-              <a:shade val="85000"/>
-            </a:srgbClr>
-          </a:solidFill>
-          <a:ln>
-            <a:noFill/>
-          </a:ln>
-          <a:effectLst>
-            <a:reflection blurRad="12700" stA="38000" endPos="28000" dist="5000" dir="5400000" sy="-100000" algn="bl" rotWithShape="0"/>
-          </a:effectLst>
-        </p:spPr>
-      </p:pic>
-      <p:pic>
-        <p:nvPicPr>
-          <p:cNvPr id="6" name="Image 5">
-            <a:extLst>
-              <a:ext uri="{FF2B5EF4-FFF2-40B4-BE49-F238E27FC236}">
-                <a16:creationId xmlns:a16="http://schemas.microsoft.com/office/drawing/2014/main" id="{3AA74EE9-4C10-4F2F-866B-5957AC828613}"/>
-              </a:ext>
-            </a:extLst>
-          </p:cNvPr>
-          <p:cNvPicPr>
-            <a:picLocks noChangeAspect="1"/>
-          </p:cNvPicPr>
-          <p:nvPr/>
-        </p:nvPicPr>
-        <p:blipFill>
-          <a:blip r:embed="rId3">
+          <a:blip r:embed="rId2">
             <a:extLst>
               <a:ext uri="{28A0092B-C50C-407E-A947-70E740481C1C}">
                 <a14:useLocalDpi xmlns:a14="http://schemas.microsoft.com/office/drawing/2010/main" val="0"/>
@@ -10227,7 +9761,7 @@
             </a:r>
             <a:r>
               <a:rPr lang="fr-FR" sz="3200" b="1" dirty="0"/>
-              <a:t>Référencement</a:t>
+              <a:t>Utilisation Git et GitHub</a:t>
             </a:r>
             <a:endParaRPr lang="fr-FR" b="1" dirty="0"/>
           </a:p>
@@ -10285,239 +9819,13 @@
           </a:p>
         </p:txBody>
       </p:sp>
-      <p:sp>
-        <p:nvSpPr>
-          <p:cNvPr id="10" name="ZoneTexte 9">
-            <a:extLst>
-              <a:ext uri="{FF2B5EF4-FFF2-40B4-BE49-F238E27FC236}">
-                <a16:creationId xmlns:a16="http://schemas.microsoft.com/office/drawing/2014/main" id="{8766B9F4-7AD4-4D9A-8246-95FCCDF35855}"/>
-              </a:ext>
-            </a:extLst>
-          </p:cNvPr>
-          <p:cNvSpPr txBox="1"/>
-          <p:nvPr/>
-        </p:nvSpPr>
-        <p:spPr>
-          <a:xfrm>
-            <a:off x="738231" y="6370623"/>
-            <a:ext cx="3531765" cy="230832"/>
-          </a:xfrm>
-          <a:prstGeom prst="rect">
-            <a:avLst/>
-          </a:prstGeom>
-          <a:noFill/>
-        </p:spPr>
-        <p:txBody>
-          <a:bodyPr wrap="square" rtlCol="0">
-            <a:spAutoFit/>
-          </a:bodyPr>
-          <a:lstStyle/>
-          <a:p>
-            <a:r>
-              <a:rPr lang="fr-FR" sz="900" i="1" dirty="0" err="1"/>
-              <a:t>Icons</a:t>
-            </a:r>
-            <a:r>
-              <a:rPr lang="fr-FR" sz="900" i="1" dirty="0"/>
-              <a:t> pack by </a:t>
-            </a:r>
-            <a:r>
-              <a:rPr lang="fr-FR" sz="900" i="1" dirty="0" err="1"/>
-              <a:t>Freepik</a:t>
-            </a:r>
-            <a:r>
-              <a:rPr lang="fr-FR" sz="900" i="1" dirty="0"/>
-              <a:t> on </a:t>
-            </a:r>
-            <a:r>
-              <a:rPr lang="fr-FR" sz="900" i="1" dirty="0">
-                <a:hlinkClick r:id="rId4"/>
-              </a:rPr>
-              <a:t>flaticon.com</a:t>
-            </a:r>
-            <a:endParaRPr lang="fr-FR" sz="900" i="1" dirty="0"/>
-          </a:p>
-        </p:txBody>
-      </p:sp>
-      <p:sp>
-        <p:nvSpPr>
-          <p:cNvPr id="9" name="ZoneTexte 8">
-            <a:extLst>
-              <a:ext uri="{FF2B5EF4-FFF2-40B4-BE49-F238E27FC236}">
-                <a16:creationId xmlns:a16="http://schemas.microsoft.com/office/drawing/2014/main" id="{A8CB0AD6-70A3-48CA-8EEF-118C92C1A336}"/>
-              </a:ext>
-            </a:extLst>
-          </p:cNvPr>
-          <p:cNvSpPr txBox="1"/>
-          <p:nvPr/>
-        </p:nvSpPr>
-        <p:spPr>
-          <a:xfrm>
-            <a:off x="4021340" y="2624332"/>
-            <a:ext cx="5724525" cy="646331"/>
-          </a:xfrm>
-          <a:prstGeom prst="rect">
-            <a:avLst/>
-          </a:prstGeom>
-          <a:noFill/>
-        </p:spPr>
-        <p:txBody>
-          <a:bodyPr wrap="square" rtlCol="0">
-            <a:spAutoFit/>
-          </a:bodyPr>
-          <a:lstStyle/>
-          <a:p>
-            <a:pPr algn="ctr"/>
-            <a:r>
-              <a:rPr lang="fr-FR" sz="3600" b="1" dirty="0">
-                <a:solidFill>
-                  <a:schemeClr val="tx1">
-                    <a:lumMod val="75000"/>
-                    <a:lumOff val="25000"/>
-                  </a:schemeClr>
-                </a:solidFill>
-              </a:rPr>
-              <a:t>&lt;strong&gt;…&lt;/strong&gt;</a:t>
-            </a:r>
-          </a:p>
-        </p:txBody>
-      </p:sp>
-      <p:sp>
-        <p:nvSpPr>
-          <p:cNvPr id="13" name="ZoneTexte 12">
-            <a:extLst>
-              <a:ext uri="{FF2B5EF4-FFF2-40B4-BE49-F238E27FC236}">
-                <a16:creationId xmlns:a16="http://schemas.microsoft.com/office/drawing/2014/main" id="{ABC42322-46EA-4F2B-9BCF-280A44B48B2D}"/>
-              </a:ext>
-            </a:extLst>
-          </p:cNvPr>
-          <p:cNvSpPr txBox="1"/>
-          <p:nvPr/>
-        </p:nvSpPr>
-        <p:spPr>
-          <a:xfrm>
-            <a:off x="2629947" y="1939136"/>
-            <a:ext cx="5724525" cy="646331"/>
-          </a:xfrm>
-          <a:prstGeom prst="rect">
-            <a:avLst/>
-          </a:prstGeom>
-          <a:noFill/>
-        </p:spPr>
-        <p:txBody>
-          <a:bodyPr wrap="square" rtlCol="0">
-            <a:spAutoFit/>
-          </a:bodyPr>
-          <a:lstStyle/>
-          <a:p>
-            <a:pPr algn="ctr"/>
-            <a:r>
-              <a:rPr lang="fr-FR" sz="3600" b="1" dirty="0">
-                <a:solidFill>
-                  <a:schemeClr val="tx1">
-                    <a:lumMod val="75000"/>
-                    <a:lumOff val="25000"/>
-                  </a:schemeClr>
-                </a:solidFill>
-              </a:rPr>
-              <a:t>&lt;h1&gt;…&lt;/h1&gt;</a:t>
-            </a:r>
-          </a:p>
-        </p:txBody>
-      </p:sp>
-      <p:sp>
-        <p:nvSpPr>
-          <p:cNvPr id="14" name="ZoneTexte 13">
-            <a:extLst>
-              <a:ext uri="{FF2B5EF4-FFF2-40B4-BE49-F238E27FC236}">
-                <a16:creationId xmlns:a16="http://schemas.microsoft.com/office/drawing/2014/main" id="{A7D37D44-F18D-4B68-BC0E-0205FB5E5314}"/>
-              </a:ext>
-            </a:extLst>
-          </p:cNvPr>
-          <p:cNvSpPr txBox="1"/>
-          <p:nvPr/>
-        </p:nvSpPr>
-        <p:spPr>
-          <a:xfrm>
-            <a:off x="1596656" y="4566434"/>
-            <a:ext cx="5724525" cy="646331"/>
-          </a:xfrm>
-          <a:prstGeom prst="rect">
-            <a:avLst/>
-          </a:prstGeom>
-          <a:noFill/>
-        </p:spPr>
-        <p:txBody>
-          <a:bodyPr wrap="square" rtlCol="0">
-            <a:spAutoFit/>
-          </a:bodyPr>
-          <a:lstStyle/>
-          <a:p>
-            <a:pPr algn="ctr"/>
-            <a:r>
-              <a:rPr lang="fr-FR" sz="3600" b="1" dirty="0">
-                <a:solidFill>
-                  <a:schemeClr val="tx1">
-                    <a:lumMod val="75000"/>
-                    <a:lumOff val="25000"/>
-                  </a:schemeClr>
-                </a:solidFill>
-              </a:rPr>
-              <a:t>&lt;h2&gt;…&lt;/h2&gt;</a:t>
-            </a:r>
-          </a:p>
-        </p:txBody>
-      </p:sp>
-      <p:sp>
-        <p:nvSpPr>
-          <p:cNvPr id="12" name="ZoneTexte 11">
-            <a:extLst>
-              <a:ext uri="{FF2B5EF4-FFF2-40B4-BE49-F238E27FC236}">
-                <a16:creationId xmlns:a16="http://schemas.microsoft.com/office/drawing/2014/main" id="{9AD5777F-1FE5-48D6-A649-B43A8B1D2FD8}"/>
-              </a:ext>
-            </a:extLst>
-          </p:cNvPr>
-          <p:cNvSpPr txBox="1"/>
-          <p:nvPr/>
-        </p:nvSpPr>
-        <p:spPr>
-          <a:xfrm>
-            <a:off x="1075188" y="1310683"/>
-            <a:ext cx="5724525" cy="646331"/>
-          </a:xfrm>
-          <a:prstGeom prst="rect">
-            <a:avLst/>
-          </a:prstGeom>
-          <a:noFill/>
-        </p:spPr>
-        <p:txBody>
-          <a:bodyPr wrap="square" rtlCol="0">
-            <a:spAutoFit/>
-          </a:bodyPr>
-          <a:lstStyle/>
-          <a:p>
-            <a:pPr algn="ctr"/>
-            <a:r>
-              <a:rPr lang="fr-FR" sz="3600" b="1" dirty="0">
-                <a:solidFill>
-                  <a:schemeClr val="tx1">
-                    <a:lumMod val="75000"/>
-                    <a:lumOff val="25000"/>
-                  </a:schemeClr>
-                </a:solidFill>
-              </a:rPr>
-              <a:t>&lt;meta&gt;</a:t>
-            </a:r>
-          </a:p>
-        </p:txBody>
-      </p:sp>
       <p:pic>
         <p:nvPicPr>
-          <p:cNvPr id="15" name="Image 14" descr="Une image contenant dessin, signe&#10;&#10;Description générée automatiquement">
-            <a:hlinkClick r:id="rId5"/>
-            <a:extLst>
-              <a:ext uri="{FF2B5EF4-FFF2-40B4-BE49-F238E27FC236}">
-                <a16:creationId xmlns:a16="http://schemas.microsoft.com/office/drawing/2014/main" id="{D2DE5B8E-1229-444C-89F2-6756798984D9}"/>
+          <p:cNvPr id="5" name="Image 4">
+            <a:hlinkClick r:id="rId3"/>
+            <a:extLst>
+              <a:ext uri="{FF2B5EF4-FFF2-40B4-BE49-F238E27FC236}">
+                <a16:creationId xmlns:a16="http://schemas.microsoft.com/office/drawing/2014/main" id="{893EEAD2-2F13-49D3-9213-6960F3EAD9CC}"/>
               </a:ext>
             </a:extLst>
           </p:cNvPr>
@@ -10527,7 +9835,7 @@
           <p:nvPr/>
         </p:nvPicPr>
         <p:blipFill>
-          <a:blip r:embed="rId6">
+          <a:blip r:embed="rId4">
             <a:extLst>
               <a:ext uri="{28A0092B-C50C-407E-A947-70E740481C1C}">
                 <a14:useLocalDpi xmlns:a14="http://schemas.microsoft.com/office/drawing/2010/main" val="0"/>
@@ -10540,8 +9848,92 @@
         </p:blipFill>
         <p:spPr>
           <a:xfrm>
-            <a:off x="3242186" y="2219073"/>
-            <a:ext cx="915857" cy="915857"/>
+            <a:off x="5691580" y="1211769"/>
+            <a:ext cx="808839" cy="808839"/>
+          </a:xfrm>
+          <a:prstGeom prst="rect">
+            <a:avLst/>
+          </a:prstGeom>
+        </p:spPr>
+      </p:pic>
+      <p:sp>
+        <p:nvSpPr>
+          <p:cNvPr id="2" name="Rectangle : coins arrondis 1">
+            <a:extLst>
+              <a:ext uri="{FF2B5EF4-FFF2-40B4-BE49-F238E27FC236}">
+                <a16:creationId xmlns:a16="http://schemas.microsoft.com/office/drawing/2014/main" id="{C87C6B68-C9FE-4A03-824A-262FE62309D3}"/>
+              </a:ext>
+            </a:extLst>
+          </p:cNvPr>
+          <p:cNvSpPr/>
+          <p:nvPr/>
+        </p:nvSpPr>
+        <p:spPr>
+          <a:xfrm>
+            <a:off x="1764484" y="2164360"/>
+            <a:ext cx="8663032" cy="4138407"/>
+          </a:xfrm>
+          <a:prstGeom prst="roundRect">
+            <a:avLst/>
+          </a:prstGeom>
+          <a:noFill/>
+          <a:ln>
+            <a:solidFill>
+              <a:schemeClr val="bg1">
+                <a:lumMod val="75000"/>
+              </a:schemeClr>
+            </a:solidFill>
+          </a:ln>
+        </p:spPr>
+        <p:style>
+          <a:lnRef idx="2">
+            <a:schemeClr val="accent1">
+              <a:shade val="50000"/>
+            </a:schemeClr>
+          </a:lnRef>
+          <a:fillRef idx="1">
+            <a:schemeClr val="accent1"/>
+          </a:fillRef>
+          <a:effectRef idx="0">
+            <a:schemeClr val="accent1"/>
+          </a:effectRef>
+          <a:fontRef idx="minor">
+            <a:schemeClr val="lt1"/>
+          </a:fontRef>
+        </p:style>
+        <p:txBody>
+          <a:bodyPr rtlCol="0" anchor="ctr"/>
+          <a:lstStyle/>
+          <a:p>
+            <a:pPr algn="ctr"/>
+            <a:endParaRPr lang="fr-FR" dirty="0"/>
+          </a:p>
+        </p:txBody>
+      </p:sp>
+      <p:pic>
+        <p:nvPicPr>
+          <p:cNvPr id="3" name="Image 2">
+            <a:extLst>
+              <a:ext uri="{FF2B5EF4-FFF2-40B4-BE49-F238E27FC236}">
+                <a16:creationId xmlns:a16="http://schemas.microsoft.com/office/drawing/2014/main" id="{0FE21671-75B5-4A9B-964C-11FB1B6429B1}"/>
+              </a:ext>
+            </a:extLst>
+          </p:cNvPr>
+          <p:cNvPicPr>
+            <a:picLocks noChangeAspect="1"/>
+          </p:cNvPicPr>
+          <p:nvPr/>
+        </p:nvPicPr>
+        <p:blipFill>
+          <a:blip r:embed="rId5"/>
+          <a:stretch>
+            <a:fillRect/>
+          </a:stretch>
+        </p:blipFill>
+        <p:spPr>
+          <a:xfrm>
+            <a:off x="2662080" y="2335692"/>
+            <a:ext cx="6867838" cy="3795742"/>
           </a:xfrm>
           <a:prstGeom prst="rect">
             <a:avLst/>
@@ -10551,7 +9943,7 @@
     </p:spTree>
     <p:extLst>
       <p:ext uri="{BB962C8B-B14F-4D97-AF65-F5344CB8AC3E}">
-        <p14:creationId xmlns:p14="http://schemas.microsoft.com/office/powerpoint/2010/main" val="1404225248"/>
+        <p14:creationId xmlns:p14="http://schemas.microsoft.com/office/powerpoint/2010/main" val="1483333106"/>
       </p:ext>
     </p:extLst>
   </p:cSld>
@@ -10696,7 +10088,7 @@
             </a:r>
             <a:r>
               <a:rPr lang="fr-FR" sz="3200" b="1" dirty="0"/>
-              <a:t>Utilisation Git et GitHub</a:t>
+              <a:t>Le rétrocompatibilité des navigateurs</a:t>
             </a:r>
             <a:endParaRPr lang="fr-FR" b="1" dirty="0"/>
           </a:p>
@@ -10756,11 +10148,10 @@
       </p:sp>
       <p:pic>
         <p:nvPicPr>
-          <p:cNvPr id="5" name="Image 4">
-            <a:hlinkClick r:id="rId3"/>
-            <a:extLst>
-              <a:ext uri="{FF2B5EF4-FFF2-40B4-BE49-F238E27FC236}">
-                <a16:creationId xmlns:a16="http://schemas.microsoft.com/office/drawing/2014/main" id="{893EEAD2-2F13-49D3-9213-6960F3EAD9CC}"/>
+          <p:cNvPr id="16" name="Image 15">
+            <a:extLst>
+              <a:ext uri="{FF2B5EF4-FFF2-40B4-BE49-F238E27FC236}">
+                <a16:creationId xmlns:a16="http://schemas.microsoft.com/office/drawing/2014/main" id="{60C1D9E4-D029-49D0-8678-D11BF8471068}"/>
               </a:ext>
             </a:extLst>
           </p:cNvPr>
@@ -10770,7 +10161,7 @@
           <p:nvPr/>
         </p:nvPicPr>
         <p:blipFill>
-          <a:blip r:embed="rId4">
+          <a:blip r:embed="rId3">
             <a:extLst>
               <a:ext uri="{28A0092B-C50C-407E-A947-70E740481C1C}">
                 <a14:useLocalDpi xmlns:a14="http://schemas.microsoft.com/office/drawing/2010/main" val="0"/>
@@ -10783,74 +10174,20 @@
         </p:blipFill>
         <p:spPr>
           <a:xfrm>
-            <a:off x="5691580" y="1211769"/>
-            <a:ext cx="808839" cy="808839"/>
+            <a:off x="2373377" y="1276623"/>
+            <a:ext cx="786208" cy="741001"/>
           </a:xfrm>
           <a:prstGeom prst="rect">
             <a:avLst/>
           </a:prstGeom>
         </p:spPr>
       </p:pic>
-      <p:sp>
-        <p:nvSpPr>
-          <p:cNvPr id="2" name="Rectangle : coins arrondis 1">
-            <a:extLst>
-              <a:ext uri="{FF2B5EF4-FFF2-40B4-BE49-F238E27FC236}">
-                <a16:creationId xmlns:a16="http://schemas.microsoft.com/office/drawing/2014/main" id="{C87C6B68-C9FE-4A03-824A-262FE62309D3}"/>
-              </a:ext>
-            </a:extLst>
-          </p:cNvPr>
-          <p:cNvSpPr/>
-          <p:nvPr/>
-        </p:nvSpPr>
-        <p:spPr>
-          <a:xfrm>
-            <a:off x="1764484" y="2164360"/>
-            <a:ext cx="8663032" cy="4138407"/>
-          </a:xfrm>
-          <a:prstGeom prst="roundRect">
-            <a:avLst/>
-          </a:prstGeom>
-          <a:noFill/>
-          <a:ln>
-            <a:solidFill>
-              <a:schemeClr val="bg1">
-                <a:lumMod val="75000"/>
-              </a:schemeClr>
-            </a:solidFill>
-          </a:ln>
-        </p:spPr>
-        <p:style>
-          <a:lnRef idx="2">
-            <a:schemeClr val="accent1">
-              <a:shade val="50000"/>
-            </a:schemeClr>
-          </a:lnRef>
-          <a:fillRef idx="1">
-            <a:schemeClr val="accent1"/>
-          </a:fillRef>
-          <a:effectRef idx="0">
-            <a:schemeClr val="accent1"/>
-          </a:effectRef>
-          <a:fontRef idx="minor">
-            <a:schemeClr val="lt1"/>
-          </a:fontRef>
-        </p:style>
-        <p:txBody>
-          <a:bodyPr rtlCol="0" anchor="ctr"/>
-          <a:lstStyle/>
-          <a:p>
-            <a:pPr algn="ctr"/>
-            <a:endParaRPr lang="fr-FR" dirty="0"/>
-          </a:p>
-        </p:txBody>
-      </p:sp>
       <p:pic>
         <p:nvPicPr>
-          <p:cNvPr id="3" name="Image 2">
-            <a:extLst>
-              <a:ext uri="{FF2B5EF4-FFF2-40B4-BE49-F238E27FC236}">
-                <a16:creationId xmlns:a16="http://schemas.microsoft.com/office/drawing/2014/main" id="{0FE21671-75B5-4A9B-964C-11FB1B6429B1}"/>
+          <p:cNvPr id="18" name="Image 17" descr="Une image contenant dessin&#10;&#10;Description générée automatiquement">
+            <a:extLst>
+              <a:ext uri="{FF2B5EF4-FFF2-40B4-BE49-F238E27FC236}">
+                <a16:creationId xmlns:a16="http://schemas.microsoft.com/office/drawing/2014/main" id="{21A5158D-8994-4F1C-B984-26CC4EFE8227}"/>
               </a:ext>
             </a:extLst>
           </p:cNvPr>
@@ -10860,25 +10197,196 @@
           <p:nvPr/>
         </p:nvPicPr>
         <p:blipFill>
-          <a:blip r:embed="rId5"/>
+          <a:blip r:embed="rId4">
+            <a:extLst>
+              <a:ext uri="{28A0092B-C50C-407E-A947-70E740481C1C}">
+                <a14:useLocalDpi xmlns:a14="http://schemas.microsoft.com/office/drawing/2010/main" val="0"/>
+              </a:ext>
+            </a:extLst>
+          </a:blip>
           <a:stretch>
             <a:fillRect/>
           </a:stretch>
         </p:blipFill>
         <p:spPr>
           <a:xfrm>
-            <a:off x="2662080" y="2335692"/>
-            <a:ext cx="6867838" cy="3795742"/>
+            <a:off x="8684518" y="1353255"/>
+            <a:ext cx="741001" cy="741001"/>
           </a:xfrm>
           <a:prstGeom prst="rect">
             <a:avLst/>
           </a:prstGeom>
+        </p:spPr>
+      </p:pic>
+      <p:pic>
+        <p:nvPicPr>
+          <p:cNvPr id="20" name="Image 19">
+            <a:extLst>
+              <a:ext uri="{FF2B5EF4-FFF2-40B4-BE49-F238E27FC236}">
+                <a16:creationId xmlns:a16="http://schemas.microsoft.com/office/drawing/2014/main" id="{AE822D5C-875C-4922-B73D-6B4D07D07FE4}"/>
+              </a:ext>
+            </a:extLst>
+          </p:cNvPr>
+          <p:cNvPicPr>
+            <a:picLocks noChangeAspect="1"/>
+          </p:cNvPicPr>
+          <p:nvPr/>
+        </p:nvPicPr>
+        <p:blipFill>
+          <a:blip r:embed="rId5">
+            <a:extLst>
+              <a:ext uri="{28A0092B-C50C-407E-A947-70E740481C1C}">
+                <a14:useLocalDpi xmlns:a14="http://schemas.microsoft.com/office/drawing/2010/main" val="0"/>
+              </a:ext>
+            </a:extLst>
+          </a:blip>
+          <a:stretch>
+            <a:fillRect/>
+          </a:stretch>
+        </p:blipFill>
+        <p:spPr>
+          <a:xfrm>
+            <a:off x="5602759" y="1347066"/>
+            <a:ext cx="684305" cy="684305"/>
+          </a:xfrm>
+          <a:prstGeom prst="rect">
+            <a:avLst/>
+          </a:prstGeom>
+        </p:spPr>
+      </p:pic>
+      <p:pic>
+        <p:nvPicPr>
+          <p:cNvPr id="3" name="Image 2">
+            <a:extLst>
+              <a:ext uri="{FF2B5EF4-FFF2-40B4-BE49-F238E27FC236}">
+                <a16:creationId xmlns:a16="http://schemas.microsoft.com/office/drawing/2014/main" id="{B97D9111-1698-471D-BC3F-CD741CA06167}"/>
+              </a:ext>
+            </a:extLst>
+          </p:cNvPr>
+          <p:cNvPicPr>
+            <a:picLocks noChangeAspect="1"/>
+          </p:cNvPicPr>
+          <p:nvPr/>
+        </p:nvPicPr>
+        <p:blipFill>
+          <a:blip r:embed="rId6"/>
+          <a:stretch>
+            <a:fillRect/>
+          </a:stretch>
+        </p:blipFill>
+        <p:spPr>
+          <a:xfrm>
+            <a:off x="1574878" y="2356536"/>
+            <a:ext cx="2478365" cy="3737534"/>
+          </a:xfrm>
+          <a:prstGeom prst="roundRect">
+            <a:avLst>
+              <a:gd name="adj" fmla="val 8594"/>
+            </a:avLst>
+          </a:prstGeom>
+          <a:solidFill>
+            <a:srgbClr val="FFFFFF">
+              <a:shade val="85000"/>
+            </a:srgbClr>
+          </a:solidFill>
+          <a:ln>
+            <a:noFill/>
+          </a:ln>
+          <a:effectLst>
+            <a:reflection blurRad="12700" stA="38000" endPos="28000" dist="5000" dir="5400000" sy="-100000" algn="bl" rotWithShape="0"/>
+          </a:effectLst>
+        </p:spPr>
+      </p:pic>
+      <p:pic>
+        <p:nvPicPr>
+          <p:cNvPr id="4" name="Image 3">
+            <a:extLst>
+              <a:ext uri="{FF2B5EF4-FFF2-40B4-BE49-F238E27FC236}">
+                <a16:creationId xmlns:a16="http://schemas.microsoft.com/office/drawing/2014/main" id="{188C34F9-1FD6-4E15-B056-E12CFF3A1DF5}"/>
+              </a:ext>
+            </a:extLst>
+          </p:cNvPr>
+          <p:cNvPicPr>
+            <a:picLocks noChangeAspect="1"/>
+          </p:cNvPicPr>
+          <p:nvPr/>
+        </p:nvPicPr>
+        <p:blipFill>
+          <a:blip r:embed="rId7"/>
+          <a:stretch>
+            <a:fillRect/>
+          </a:stretch>
+        </p:blipFill>
+        <p:spPr>
+          <a:xfrm>
+            <a:off x="4696027" y="2356536"/>
+            <a:ext cx="2485062" cy="3737534"/>
+          </a:xfrm>
+          <a:prstGeom prst="roundRect">
+            <a:avLst>
+              <a:gd name="adj" fmla="val 8594"/>
+            </a:avLst>
+          </a:prstGeom>
+          <a:solidFill>
+            <a:srgbClr val="FFFFFF">
+              <a:shade val="85000"/>
+            </a:srgbClr>
+          </a:solidFill>
+          <a:ln>
+            <a:noFill/>
+          </a:ln>
+          <a:effectLst>
+            <a:reflection blurRad="12700" stA="38000" endPos="28000" dist="5000" dir="5400000" sy="-100000" algn="bl" rotWithShape="0"/>
+          </a:effectLst>
+        </p:spPr>
+      </p:pic>
+      <p:pic>
+        <p:nvPicPr>
+          <p:cNvPr id="5" name="Image 4">
+            <a:extLst>
+              <a:ext uri="{FF2B5EF4-FFF2-40B4-BE49-F238E27FC236}">
+                <a16:creationId xmlns:a16="http://schemas.microsoft.com/office/drawing/2014/main" id="{EE6F88F3-CDB4-4F2F-B9D4-CC84CC4BEB0E}"/>
+              </a:ext>
+            </a:extLst>
+          </p:cNvPr>
+          <p:cNvPicPr>
+            <a:picLocks noChangeAspect="1"/>
+          </p:cNvPicPr>
+          <p:nvPr/>
+        </p:nvPicPr>
+        <p:blipFill>
+          <a:blip r:embed="rId8"/>
+          <a:stretch>
+            <a:fillRect/>
+          </a:stretch>
+        </p:blipFill>
+        <p:spPr>
+          <a:xfrm>
+            <a:off x="7825673" y="2356536"/>
+            <a:ext cx="2495016" cy="3737534"/>
+          </a:xfrm>
+          <a:prstGeom prst="roundRect">
+            <a:avLst>
+              <a:gd name="adj" fmla="val 8594"/>
+            </a:avLst>
+          </a:prstGeom>
+          <a:solidFill>
+            <a:srgbClr val="FFFFFF">
+              <a:shade val="85000"/>
+            </a:srgbClr>
+          </a:solidFill>
+          <a:ln>
+            <a:noFill/>
+          </a:ln>
+          <a:effectLst>
+            <a:reflection blurRad="12700" stA="38000" endPos="28000" dist="5000" dir="5400000" sy="-100000" algn="bl" rotWithShape="0"/>
+          </a:effectLst>
         </p:spPr>
       </p:pic>
     </p:spTree>
     <p:extLst>
       <p:ext uri="{BB962C8B-B14F-4D97-AF65-F5344CB8AC3E}">
-        <p14:creationId xmlns:p14="http://schemas.microsoft.com/office/powerpoint/2010/main" val="1483333106"/>
+        <p14:creationId xmlns:p14="http://schemas.microsoft.com/office/powerpoint/2010/main" val="2640285512"/>
       </p:ext>
     </p:extLst>
   </p:cSld>
